--- a/Data Management Final Presentation.pptx
+++ b/Data Management Final Presentation.pptx
@@ -1,35 +1,49 @@
 
 <file path=ppt/presentation.xml><?xml version="1.0" encoding="utf-8"?>
-<p:presentation xmlns:a="http://schemas.openxmlformats.org/drawingml/2006/main" xmlns:r="http://schemas.openxmlformats.org/officeDocument/2006/relationships" xmlns:p="http://schemas.openxmlformats.org/presentationml/2006/main" strictFirstAndLastChars="0" embedTrueTypeFonts="1" saveSubsetFonts="1" autoCompressPictures="0">
+<p:presentation xmlns:a="http://schemas.openxmlformats.org/drawingml/2006/main" xmlns:r="http://schemas.openxmlformats.org/officeDocument/2006/relationships" xmlns:mc="http://schemas.openxmlformats.org/markup-compatibility/2006" xmlns:mv="urn:schemas-microsoft-com:mac:vml" xmlns:p="http://schemas.openxmlformats.org/presentationml/2006/main" xmlns:c="http://schemas.openxmlformats.org/drawingml/2006/chart" xmlns:dgm="http://schemas.openxmlformats.org/drawingml/2006/diagram" xmlns:o="urn:schemas-microsoft-com:office:office" xmlns:v="urn:schemas-microsoft-com:vml" xmlns:pvml="urn:schemas-microsoft-com:office:powerpoint" xmlns:com="http://schemas.openxmlformats.org/drawingml/2006/compatibility" xmlns:p14="http://schemas.microsoft.com/office/powerpoint/2010/main" autoCompressPictures="0" embedTrueTypeFonts="1" strictFirstAndLastChars="0" saveSubsetFonts="1">
   <p:sldMasterIdLst>
-    <p:sldMasterId id="2147483662" r:id="rId1"/>
-    <p:sldMasterId id="2147483663" r:id="rId2"/>
+    <p:sldMasterId id="2147483662" r:id="rId4"/>
+    <p:sldMasterId id="2147483663" r:id="rId5"/>
   </p:sldMasterIdLst>
   <p:notesMasterIdLst>
-    <p:notesMasterId r:id="rId19"/>
+    <p:notesMasterId r:id="rId6"/>
   </p:notesMasterIdLst>
   <p:sldIdLst>
-    <p:sldId id="256" r:id="rId3"/>
-    <p:sldId id="257" r:id="rId4"/>
-    <p:sldId id="258" r:id="rId5"/>
-    <p:sldId id="259" r:id="rId6"/>
-    <p:sldId id="260" r:id="rId7"/>
-    <p:sldId id="261" r:id="rId8"/>
-    <p:sldId id="262" r:id="rId9"/>
-    <p:sldId id="263" r:id="rId10"/>
-    <p:sldId id="264" r:id="rId11"/>
-    <p:sldId id="265" r:id="rId12"/>
-    <p:sldId id="266" r:id="rId13"/>
-    <p:sldId id="267" r:id="rId14"/>
-    <p:sldId id="268" r:id="rId15"/>
-    <p:sldId id="269" r:id="rId16"/>
-    <p:sldId id="270" r:id="rId17"/>
-    <p:sldId id="271" r:id="rId18"/>
+    <p:sldId id="256" r:id="rId7"/>
+    <p:sldId id="257" r:id="rId8"/>
+    <p:sldId id="258" r:id="rId9"/>
+    <p:sldId id="259" r:id="rId10"/>
+    <p:sldId id="260" r:id="rId11"/>
+    <p:sldId id="261" r:id="rId12"/>
+    <p:sldId id="262" r:id="rId13"/>
+    <p:sldId id="263" r:id="rId14"/>
+    <p:sldId id="264" r:id="rId15"/>
+    <p:sldId id="265" r:id="rId16"/>
+    <p:sldId id="266" r:id="rId17"/>
+    <p:sldId id="267" r:id="rId18"/>
+    <p:sldId id="268" r:id="rId19"/>
+    <p:sldId id="269" r:id="rId20"/>
+    <p:sldId id="270" r:id="rId21"/>
+    <p:sldId id="271" r:id="rId22"/>
   </p:sldIdLst>
-  <p:sldSz cx="9144000" cy="5143500" type="screen16x9"/>
+  <p:sldSz cy="5143500" cx="9144000"/>
   <p:notesSz cx="6858000" cy="9144000"/>
+  <p:embeddedFontLst>
+    <p:embeddedFont>
+      <p:font typeface="Quicksand"/>
+      <p:regular r:id="rId23"/>
+      <p:bold r:id="rId24"/>
+    </p:embeddedFont>
+    <p:embeddedFont>
+      <p:font typeface="Open Sans"/>
+      <p:regular r:id="rId25"/>
+      <p:bold r:id="rId26"/>
+      <p:italic r:id="rId27"/>
+      <p:boldItalic r:id="rId28"/>
+    </p:embeddedFont>
+  </p:embeddedFontLst>
   <p:defaultTextStyle>
-    <a:defPPr marR="0" algn="l" rtl="0">
+    <a:defPPr marR="0" rtl="0" algn="l">
       <a:lnSpc>
         <a:spcPct val="100000"/>
       </a:lnSpc>
@@ -40,7 +54,7 @@
         <a:spcPts val="0"/>
       </a:spcAft>
     </a:defPPr>
-    <a:lvl1pPr marR="0" algn="l" rtl="0">
+    <a:lvl1pPr marR="0" rtl="0" algn="l">
       <a:lnSpc>
         <a:spcPct val="100000"/>
       </a:lnSpc>
@@ -51,7 +65,7 @@
         <a:spcPts val="0"/>
       </a:spcAft>
       <a:buNone/>
-      <a:defRPr sz="1400" b="0" i="0" u="none" strike="noStrike" cap="none" baseline="0">
+      <a:defRPr b="0" baseline="0" i="0" sz="1400" u="none" cap="none" strike="noStrike">
         <a:solidFill>
           <a:srgbClr val="000000"/>
         </a:solidFill>
@@ -62,7 +76,7 @@
         <a:rtl val="0"/>
       </a:defRPr>
     </a:lvl1pPr>
-    <a:lvl2pPr marR="0" algn="l" rtl="0">
+    <a:lvl2pPr marR="0" rtl="0" algn="l">
       <a:lnSpc>
         <a:spcPct val="100000"/>
       </a:lnSpc>
@@ -73,7 +87,7 @@
         <a:spcPts val="0"/>
       </a:spcAft>
       <a:buNone/>
-      <a:defRPr sz="1400" b="0" i="0" u="none" strike="noStrike" cap="none" baseline="0">
+      <a:defRPr b="0" baseline="0" i="0" sz="1400" u="none" cap="none" strike="noStrike">
         <a:solidFill>
           <a:srgbClr val="000000"/>
         </a:solidFill>
@@ -84,7 +98,7 @@
         <a:rtl val="0"/>
       </a:defRPr>
     </a:lvl2pPr>
-    <a:lvl3pPr marR="0" algn="l" rtl="0">
+    <a:lvl3pPr marR="0" rtl="0" algn="l">
       <a:lnSpc>
         <a:spcPct val="100000"/>
       </a:lnSpc>
@@ -95,7 +109,7 @@
         <a:spcPts val="0"/>
       </a:spcAft>
       <a:buNone/>
-      <a:defRPr sz="1400" b="0" i="0" u="none" strike="noStrike" cap="none" baseline="0">
+      <a:defRPr b="0" baseline="0" i="0" sz="1400" u="none" cap="none" strike="noStrike">
         <a:solidFill>
           <a:srgbClr val="000000"/>
         </a:solidFill>
@@ -106,7 +120,7 @@
         <a:rtl val="0"/>
       </a:defRPr>
     </a:lvl3pPr>
-    <a:lvl4pPr marR="0" algn="l" rtl="0">
+    <a:lvl4pPr marR="0" rtl="0" algn="l">
       <a:lnSpc>
         <a:spcPct val="100000"/>
       </a:lnSpc>
@@ -117,7 +131,7 @@
         <a:spcPts val="0"/>
       </a:spcAft>
       <a:buNone/>
-      <a:defRPr sz="1400" b="0" i="0" u="none" strike="noStrike" cap="none" baseline="0">
+      <a:defRPr b="0" baseline="0" i="0" sz="1400" u="none" cap="none" strike="noStrike">
         <a:solidFill>
           <a:srgbClr val="000000"/>
         </a:solidFill>
@@ -128,7 +142,7 @@
         <a:rtl val="0"/>
       </a:defRPr>
     </a:lvl4pPr>
-    <a:lvl5pPr marR="0" algn="l" rtl="0">
+    <a:lvl5pPr marR="0" rtl="0" algn="l">
       <a:lnSpc>
         <a:spcPct val="100000"/>
       </a:lnSpc>
@@ -139,7 +153,7 @@
         <a:spcPts val="0"/>
       </a:spcAft>
       <a:buNone/>
-      <a:defRPr sz="1400" b="0" i="0" u="none" strike="noStrike" cap="none" baseline="0">
+      <a:defRPr b="0" baseline="0" i="0" sz="1400" u="none" cap="none" strike="noStrike">
         <a:solidFill>
           <a:srgbClr val="000000"/>
         </a:solidFill>
@@ -150,7 +164,7 @@
         <a:rtl val="0"/>
       </a:defRPr>
     </a:lvl5pPr>
-    <a:lvl6pPr marR="0" algn="l" rtl="0">
+    <a:lvl6pPr marR="0" rtl="0" algn="l">
       <a:lnSpc>
         <a:spcPct val="100000"/>
       </a:lnSpc>
@@ -161,7 +175,7 @@
         <a:spcPts val="0"/>
       </a:spcAft>
       <a:buNone/>
-      <a:defRPr sz="1400" b="0" i="0" u="none" strike="noStrike" cap="none" baseline="0">
+      <a:defRPr b="0" baseline="0" i="0" sz="1400" u="none" cap="none" strike="noStrike">
         <a:solidFill>
           <a:srgbClr val="000000"/>
         </a:solidFill>
@@ -172,7 +186,7 @@
         <a:rtl val="0"/>
       </a:defRPr>
     </a:lvl6pPr>
-    <a:lvl7pPr marR="0" algn="l" rtl="0">
+    <a:lvl7pPr marR="0" rtl="0" algn="l">
       <a:lnSpc>
         <a:spcPct val="100000"/>
       </a:lnSpc>
@@ -183,7 +197,7 @@
         <a:spcPts val="0"/>
       </a:spcAft>
       <a:buNone/>
-      <a:defRPr sz="1400" b="0" i="0" u="none" strike="noStrike" cap="none" baseline="0">
+      <a:defRPr b="0" baseline="0" i="0" sz="1400" u="none" cap="none" strike="noStrike">
         <a:solidFill>
           <a:srgbClr val="000000"/>
         </a:solidFill>
@@ -194,7 +208,7 @@
         <a:rtl val="0"/>
       </a:defRPr>
     </a:lvl7pPr>
-    <a:lvl8pPr marR="0" algn="l" rtl="0">
+    <a:lvl8pPr marR="0" rtl="0" algn="l">
       <a:lnSpc>
         <a:spcPct val="100000"/>
       </a:lnSpc>
@@ -205,7 +219,7 @@
         <a:spcPts val="0"/>
       </a:spcAft>
       <a:buNone/>
-      <a:defRPr sz="1400" b="0" i="0" u="none" strike="noStrike" cap="none" baseline="0">
+      <a:defRPr b="0" baseline="0" i="0" sz="1400" u="none" cap="none" strike="noStrike">
         <a:solidFill>
           <a:srgbClr val="000000"/>
         </a:solidFill>
@@ -216,7 +230,7 @@
         <a:rtl val="0"/>
       </a:defRPr>
     </a:lvl8pPr>
-    <a:lvl9pPr marR="0" algn="l" rtl="0">
+    <a:lvl9pPr marR="0" rtl="0" algn="l">
       <a:lnSpc>
         <a:spcPct val="100000"/>
       </a:lnSpc>
@@ -227,7 +241,7 @@
         <a:spcPts val="0"/>
       </a:spcAft>
       <a:buNone/>
-      <a:defRPr sz="1400" b="0" i="0" u="none" strike="noStrike" cap="none" baseline="0">
+      <a:defRPr b="0" baseline="0" i="0" sz="1400" u="none" cap="none" strike="noStrike">
         <a:solidFill>
           <a:srgbClr val="000000"/>
         </a:solidFill>
@@ -243,13 +257,8 @@
 </file>
 
 <file path=ppt/notesMasters/notesMaster1.xml><?xml version="1.0" encoding="utf-8"?>
-<p:notesMaster xmlns:a="http://schemas.openxmlformats.org/drawingml/2006/main" xmlns:r="http://schemas.openxmlformats.org/officeDocument/2006/relationships" xmlns:p="http://schemas.openxmlformats.org/presentationml/2006/main">
+<p:notesMaster xmlns:a="http://schemas.openxmlformats.org/drawingml/2006/main" xmlns:r="http://schemas.openxmlformats.org/officeDocument/2006/relationships" xmlns:mc="http://schemas.openxmlformats.org/markup-compatibility/2006" xmlns:mv="urn:schemas-microsoft-com:mac:vml" xmlns:p="http://schemas.openxmlformats.org/presentationml/2006/main" xmlns:c="http://schemas.openxmlformats.org/drawingml/2006/chart" xmlns:dgm="http://schemas.openxmlformats.org/drawingml/2006/diagram" xmlns:o="urn:schemas-microsoft-com:office:office" xmlns:v="urn:schemas-microsoft-com:vml" xmlns:pvml="urn:schemas-microsoft-com:office:powerpoint" xmlns:com="http://schemas.openxmlformats.org/drawingml/2006/compatibility" xmlns:p14="http://schemas.microsoft.com/office/powerpoint/2010/main">
   <p:cSld>
-    <p:bg>
-      <p:bgRef idx="1001">
-        <a:schemeClr val="bg1"/>
-      </p:bgRef>
-    </p:bg>
     <p:spTree>
       <p:nvGrpSpPr>
         <p:cNvPr id="1" name="Shape 1"/>
@@ -267,11 +276,9 @@
       <p:sp>
         <p:nvSpPr>
           <p:cNvPr id="2" name="Shape 2"/>
-          <p:cNvSpPr>
-            <a:spLocks noGrp="1" noRot="1" noChangeAspect="1"/>
-          </p:cNvSpPr>
+          <p:cNvSpPr/>
           <p:nvPr>
-            <p:ph type="sldImg" idx="2"/>
+            <p:ph idx="2" type="sldImg"/>
           </p:nvPr>
         </p:nvSpPr>
         <p:spPr>
@@ -280,13 +287,8 @@
             <a:ext cx="6096299" cy="3429000"/>
           </a:xfrm>
           <a:custGeom>
-            <a:avLst/>
-            <a:gdLst/>
-            <a:ahLst/>
-            <a:cxnLst/>
-            <a:rect l="0" t="0" r="0" b="0"/>
             <a:pathLst>
-              <a:path w="120000" h="120000" extrusionOk="0">
+              <a:path extrusionOk="0" h="120000" w="120000">
                 <a:moveTo>
                   <a:pt x="0" y="0"/>
                 </a:moveTo>
@@ -304,25 +306,23 @@
             </a:pathLst>
           </a:custGeom>
           <a:noFill/>
-          <a:ln w="9525" cap="flat" cmpd="sng">
+          <a:ln cap="flat" cmpd="sng" w="9525">
             <a:solidFill>
               <a:srgbClr val="000000"/>
             </a:solidFill>
             <a:prstDash val="solid"/>
             <a:round/>
-            <a:headEnd type="none" w="med" len="med"/>
-            <a:tailEnd type="none" w="med" len="med"/>
+            <a:headEnd len="med" w="med" type="none"/>
+            <a:tailEnd len="med" w="med" type="none"/>
           </a:ln>
         </p:spPr>
       </p:sp>
       <p:sp>
         <p:nvSpPr>
           <p:cNvPr id="3" name="Shape 3"/>
-          <p:cNvSpPr txBox="1">
-            <a:spLocks noGrp="1"/>
-          </p:cNvSpPr>
+          <p:cNvSpPr txBox="1"/>
           <p:nvPr>
-            <p:ph type="body" idx="1"/>
+            <p:ph idx="1" type="body"/>
           </p:nvPr>
         </p:nvSpPr>
         <p:spPr>
@@ -339,7 +339,7 @@
           </a:ln>
         </p:spPr>
         <p:txBody>
-          <a:bodyPr lIns="91425" tIns="91425" rIns="91425" bIns="91425" anchor="t" anchorCtr="0"/>
+          <a:bodyPr anchorCtr="0" anchor="t" bIns="91425" lIns="91425" rIns="91425" tIns="91425"/>
           <a:lstStyle>
             <a:lvl1pPr>
               <a:spcBef>
@@ -396,120 +396,21 @@
               <a:defRPr sz="1100"/>
             </a:lvl9pPr>
           </a:lstStyle>
-          <a:p>
-            <a:endParaRPr/>
-          </a:p>
+          <a:p/>
         </p:txBody>
       </p:sp>
     </p:spTree>
-    <p:extLst>
-      <p:ext uri="{BB962C8B-B14F-4D97-AF65-F5344CB8AC3E}">
-        <p14:creationId xmlns:p14="http://schemas.microsoft.com/office/powerpoint/2010/main" val="2030478109"/>
-      </p:ext>
-    </p:extLst>
   </p:cSld>
-  <p:clrMap bg1="lt1" tx1="dk1" bg2="dk2" tx2="lt2" accent1="accent1" accent2="accent2" accent3="accent3" accent4="accent4" accent5="accent5" accent6="accent6" hlink="hlink" folHlink="folHlink"/>
-  <p:notesStyle>
-    <a:lvl1pPr marL="0" algn="l" defTabSz="457200" rtl="0" eaLnBrk="1" latinLnBrk="0" hangingPunct="1">
-      <a:defRPr sz="1200" kern="1200">
-        <a:solidFill>
-          <a:schemeClr val="tx1"/>
-        </a:solidFill>
-        <a:latin typeface="+mn-lt"/>
-        <a:ea typeface="+mn-ea"/>
-        <a:cs typeface="+mn-cs"/>
-      </a:defRPr>
-    </a:lvl1pPr>
-    <a:lvl2pPr marL="457200" algn="l" defTabSz="457200" rtl="0" eaLnBrk="1" latinLnBrk="0" hangingPunct="1">
-      <a:defRPr sz="1200" kern="1200">
-        <a:solidFill>
-          <a:schemeClr val="tx1"/>
-        </a:solidFill>
-        <a:latin typeface="+mn-lt"/>
-        <a:ea typeface="+mn-ea"/>
-        <a:cs typeface="+mn-cs"/>
-      </a:defRPr>
-    </a:lvl2pPr>
-    <a:lvl3pPr marL="914400" algn="l" defTabSz="457200" rtl="0" eaLnBrk="1" latinLnBrk="0" hangingPunct="1">
-      <a:defRPr sz="1200" kern="1200">
-        <a:solidFill>
-          <a:schemeClr val="tx1"/>
-        </a:solidFill>
-        <a:latin typeface="+mn-lt"/>
-        <a:ea typeface="+mn-ea"/>
-        <a:cs typeface="+mn-cs"/>
-      </a:defRPr>
-    </a:lvl3pPr>
-    <a:lvl4pPr marL="1371600" algn="l" defTabSz="457200" rtl="0" eaLnBrk="1" latinLnBrk="0" hangingPunct="1">
-      <a:defRPr sz="1200" kern="1200">
-        <a:solidFill>
-          <a:schemeClr val="tx1"/>
-        </a:solidFill>
-        <a:latin typeface="+mn-lt"/>
-        <a:ea typeface="+mn-ea"/>
-        <a:cs typeface="+mn-cs"/>
-      </a:defRPr>
-    </a:lvl4pPr>
-    <a:lvl5pPr marL="1828800" algn="l" defTabSz="457200" rtl="0" eaLnBrk="1" latinLnBrk="0" hangingPunct="1">
-      <a:defRPr sz="1200" kern="1200">
-        <a:solidFill>
-          <a:schemeClr val="tx1"/>
-        </a:solidFill>
-        <a:latin typeface="+mn-lt"/>
-        <a:ea typeface="+mn-ea"/>
-        <a:cs typeface="+mn-cs"/>
-      </a:defRPr>
-    </a:lvl5pPr>
-    <a:lvl6pPr marL="2286000" algn="l" defTabSz="457200" rtl="0" eaLnBrk="1" latinLnBrk="0" hangingPunct="1">
-      <a:defRPr sz="1200" kern="1200">
-        <a:solidFill>
-          <a:schemeClr val="tx1"/>
-        </a:solidFill>
-        <a:latin typeface="+mn-lt"/>
-        <a:ea typeface="+mn-ea"/>
-        <a:cs typeface="+mn-cs"/>
-      </a:defRPr>
-    </a:lvl6pPr>
-    <a:lvl7pPr marL="2743200" algn="l" defTabSz="457200" rtl="0" eaLnBrk="1" latinLnBrk="0" hangingPunct="1">
-      <a:defRPr sz="1200" kern="1200">
-        <a:solidFill>
-          <a:schemeClr val="tx1"/>
-        </a:solidFill>
-        <a:latin typeface="+mn-lt"/>
-        <a:ea typeface="+mn-ea"/>
-        <a:cs typeface="+mn-cs"/>
-      </a:defRPr>
-    </a:lvl7pPr>
-    <a:lvl8pPr marL="3200400" algn="l" defTabSz="457200" rtl="0" eaLnBrk="1" latinLnBrk="0" hangingPunct="1">
-      <a:defRPr sz="1200" kern="1200">
-        <a:solidFill>
-          <a:schemeClr val="tx1"/>
-        </a:solidFill>
-        <a:latin typeface="+mn-lt"/>
-        <a:ea typeface="+mn-ea"/>
-        <a:cs typeface="+mn-cs"/>
-      </a:defRPr>
-    </a:lvl8pPr>
-    <a:lvl9pPr marL="3657600" algn="l" defTabSz="457200" rtl="0" eaLnBrk="1" latinLnBrk="0" hangingPunct="1">
-      <a:defRPr sz="1200" kern="1200">
-        <a:solidFill>
-          <a:schemeClr val="tx1"/>
-        </a:solidFill>
-        <a:latin typeface="+mn-lt"/>
-        <a:ea typeface="+mn-ea"/>
-        <a:cs typeface="+mn-cs"/>
-      </a:defRPr>
-    </a:lvl9pPr>
-  </p:notesStyle>
+  <p:clrMap accent1="accent1" accent2="accent2" accent3="accent3" accent4="accent4" accent5="accent5" accent6="accent6" bg1="lt1" bg2="dk2" tx1="dk1" tx2="lt2" folHlink="folHlink" hlink="hlink"/>
 </p:notesMaster>
 </file>
 
 <file path=ppt/notesSlides/notesSlide1.xml><?xml version="1.0" encoding="utf-8"?>
-<p:notes xmlns:a="http://schemas.openxmlformats.org/drawingml/2006/main" xmlns:r="http://schemas.openxmlformats.org/officeDocument/2006/relationships" xmlns:p="http://schemas.openxmlformats.org/presentationml/2006/main" showMasterSp="0" showMasterPhAnim="0">
+<p:notes xmlns:a="http://schemas.openxmlformats.org/drawingml/2006/main" xmlns:r="http://schemas.openxmlformats.org/officeDocument/2006/relationships" xmlns:mc="http://schemas.openxmlformats.org/markup-compatibility/2006" xmlns:mv="urn:schemas-microsoft-com:mac:vml" xmlns:p="http://schemas.openxmlformats.org/presentationml/2006/main" xmlns:c="http://schemas.openxmlformats.org/drawingml/2006/chart" xmlns:dgm="http://schemas.openxmlformats.org/drawingml/2006/diagram" xmlns:o="urn:schemas-microsoft-com:office:office" xmlns:v="urn:schemas-microsoft-com:vml" xmlns:pvml="urn:schemas-microsoft-com:office:powerpoint" xmlns:com="http://schemas.openxmlformats.org/drawingml/2006/compatibility" xmlns:p14="http://schemas.microsoft.com/office/powerpoint/2010/main" showMasterPhAnim="0" showMasterSp="0">
   <p:cSld>
     <p:spTree>
       <p:nvGrpSpPr>
-        <p:cNvPr id="1" name="Shape 37"/>
+        <p:cNvPr id="37" name="Shape 37"/>
         <p:cNvGrpSpPr/>
         <p:nvPr/>
       </p:nvGrpSpPr>
@@ -524,26 +425,19 @@
       <p:sp>
         <p:nvSpPr>
           <p:cNvPr id="38" name="Shape 38"/>
-          <p:cNvSpPr>
-            <a:spLocks noGrp="1" noRot="1" noChangeAspect="1"/>
-          </p:cNvSpPr>
+          <p:cNvSpPr/>
           <p:nvPr>
-            <p:ph type="sldImg" idx="2"/>
+            <p:ph idx="2" type="sldImg"/>
           </p:nvPr>
         </p:nvSpPr>
         <p:spPr>
           <a:xfrm>
-            <a:off x="381000" y="685800"/>
-            <a:ext cx="6096000" cy="3429000"/>
+            <a:off x="381175" y="685800"/>
+            <a:ext cx="6096299" cy="3429000"/>
           </a:xfrm>
           <a:custGeom>
-            <a:avLst/>
-            <a:gdLst/>
-            <a:ahLst/>
-            <a:cxnLst/>
-            <a:rect l="0" t="0" r="0" b="0"/>
             <a:pathLst>
-              <a:path w="120000" h="120000" extrusionOk="0">
+              <a:path extrusionOk="0" h="120000" w="120000">
                 <a:moveTo>
                   <a:pt x="0" y="0"/>
                 </a:moveTo>
@@ -561,25 +455,23 @@
             </a:pathLst>
           </a:custGeom>
           <a:noFill/>
-          <a:ln w="9525" cap="flat" cmpd="sng">
+          <a:ln cap="flat" cmpd="sng" w="9525">
             <a:solidFill>
               <a:srgbClr val="000000"/>
             </a:solidFill>
             <a:prstDash val="solid"/>
             <a:round/>
-            <a:headEnd type="none" w="med" len="med"/>
-            <a:tailEnd type="none" w="med" len="med"/>
+            <a:headEnd len="med" w="med" type="none"/>
+            <a:tailEnd len="med" w="med" type="none"/>
           </a:ln>
         </p:spPr>
       </p:sp>
       <p:sp>
         <p:nvSpPr>
           <p:cNvPr id="39" name="Shape 39"/>
-          <p:cNvSpPr txBox="1">
-            <a:spLocks noGrp="1"/>
-          </p:cNvSpPr>
+          <p:cNvSpPr txBox="1"/>
           <p:nvPr>
-            <p:ph type="body" idx="1"/>
+            <p:ph idx="1" type="body"/>
           </p:nvPr>
         </p:nvSpPr>
         <p:spPr>
@@ -592,7 +484,7 @@
           </a:prstGeom>
         </p:spPr>
         <p:txBody>
-          <a:bodyPr lIns="91425" tIns="91425" rIns="91425" bIns="91425" anchor="t" anchorCtr="0">
+          <a:bodyPr anchorCtr="0" anchor="t" bIns="91425" lIns="91425" rIns="91425" tIns="91425">
             <a:noAutofit/>
           </a:bodyPr>
           <a:lstStyle/>
@@ -603,6 +495,9 @@
               </a:spcBef>
               <a:buNone/>
             </a:pPr>
+            <a:r>
+              <a:t/>
+            </a:r>
             <a:endParaRPr/>
           </a:p>
         </p:txBody>
@@ -616,11 +511,11 @@
 </file>
 
 <file path=ppt/notesSlides/notesSlide10.xml><?xml version="1.0" encoding="utf-8"?>
-<p:notes xmlns:a="http://schemas.openxmlformats.org/drawingml/2006/main" xmlns:r="http://schemas.openxmlformats.org/officeDocument/2006/relationships" xmlns:p="http://schemas.openxmlformats.org/presentationml/2006/main" showMasterSp="0" showMasterPhAnim="0">
+<p:notes xmlns:a="http://schemas.openxmlformats.org/drawingml/2006/main" xmlns:r="http://schemas.openxmlformats.org/officeDocument/2006/relationships" xmlns:mc="http://schemas.openxmlformats.org/markup-compatibility/2006" xmlns:mv="urn:schemas-microsoft-com:mac:vml" xmlns:p="http://schemas.openxmlformats.org/presentationml/2006/main" xmlns:c="http://schemas.openxmlformats.org/drawingml/2006/chart" xmlns:dgm="http://schemas.openxmlformats.org/drawingml/2006/diagram" xmlns:o="urn:schemas-microsoft-com:office:office" xmlns:v="urn:schemas-microsoft-com:vml" xmlns:pvml="urn:schemas-microsoft-com:office:powerpoint" xmlns:com="http://schemas.openxmlformats.org/drawingml/2006/compatibility" xmlns:p14="http://schemas.microsoft.com/office/powerpoint/2010/main" showMasterPhAnim="0" showMasterSp="0">
   <p:cSld>
     <p:spTree>
       <p:nvGrpSpPr>
-        <p:cNvPr id="1" name="Shape 96"/>
+        <p:cNvPr id="96" name="Shape 96"/>
         <p:cNvGrpSpPr/>
         <p:nvPr/>
       </p:nvGrpSpPr>
@@ -635,11 +530,9 @@
       <p:sp>
         <p:nvSpPr>
           <p:cNvPr id="97" name="Shape 97"/>
-          <p:cNvSpPr>
-            <a:spLocks noGrp="1" noRot="1" noChangeAspect="1"/>
-          </p:cNvSpPr>
+          <p:cNvSpPr/>
           <p:nvPr>
-            <p:ph type="sldImg" idx="2"/>
+            <p:ph idx="2" type="sldImg"/>
           </p:nvPr>
         </p:nvSpPr>
         <p:spPr>
@@ -648,13 +541,8 @@
             <a:ext cx="6096299" cy="3429000"/>
           </a:xfrm>
           <a:custGeom>
-            <a:avLst/>
-            <a:gdLst/>
-            <a:ahLst/>
-            <a:cxnLst/>
-            <a:rect l="0" t="0" r="0" b="0"/>
             <a:pathLst>
-              <a:path w="120000" h="120000" extrusionOk="0">
+              <a:path extrusionOk="0" h="120000" w="120000">
                 <a:moveTo>
                   <a:pt x="0" y="0"/>
                 </a:moveTo>
@@ -672,25 +560,23 @@
             </a:pathLst>
           </a:custGeom>
           <a:noFill/>
-          <a:ln w="9525" cap="flat" cmpd="sng">
+          <a:ln cap="flat" cmpd="sng" w="9525">
             <a:solidFill>
               <a:srgbClr val="000000"/>
             </a:solidFill>
             <a:prstDash val="solid"/>
             <a:round/>
-            <a:headEnd type="none" w="med" len="med"/>
-            <a:tailEnd type="none" w="med" len="med"/>
+            <a:headEnd len="med" w="med" type="none"/>
+            <a:tailEnd len="med" w="med" type="none"/>
           </a:ln>
         </p:spPr>
       </p:sp>
       <p:sp>
         <p:nvSpPr>
           <p:cNvPr id="98" name="Shape 98"/>
-          <p:cNvSpPr txBox="1">
-            <a:spLocks noGrp="1"/>
-          </p:cNvSpPr>
+          <p:cNvSpPr txBox="1"/>
           <p:nvPr>
-            <p:ph type="body" idx="1"/>
+            <p:ph idx="1" type="body"/>
           </p:nvPr>
         </p:nvSpPr>
         <p:spPr>
@@ -703,7 +589,7 @@
           </a:prstGeom>
         </p:spPr>
         <p:txBody>
-          <a:bodyPr lIns="91425" tIns="91425" rIns="91425" bIns="91425" anchor="t" anchorCtr="0">
+          <a:bodyPr anchorCtr="0" anchor="t" bIns="91425" lIns="91425" rIns="91425" tIns="91425">
             <a:noAutofit/>
           </a:bodyPr>
           <a:lstStyle/>
@@ -721,6 +607,9 @@
               <a:buFont typeface="Arial"/>
               <a:buNone/>
             </a:pPr>
+            <a:r>
+              <a:t/>
+            </a:r>
             <a:endParaRPr>
               <a:solidFill>
                 <a:schemeClr val="dk1"/>
@@ -734,6 +623,9 @@
               </a:spcBef>
               <a:buNone/>
             </a:pPr>
+            <a:r>
+              <a:t/>
+            </a:r>
             <a:endParaRPr/>
           </a:p>
         </p:txBody>
@@ -747,11 +639,11 @@
 </file>
 
 <file path=ppt/notesSlides/notesSlide11.xml><?xml version="1.0" encoding="utf-8"?>
-<p:notes xmlns:a="http://schemas.openxmlformats.org/drawingml/2006/main" xmlns:r="http://schemas.openxmlformats.org/officeDocument/2006/relationships" xmlns:p="http://schemas.openxmlformats.org/presentationml/2006/main" showMasterSp="0" showMasterPhAnim="0">
+<p:notes xmlns:a="http://schemas.openxmlformats.org/drawingml/2006/main" xmlns:r="http://schemas.openxmlformats.org/officeDocument/2006/relationships" xmlns:mc="http://schemas.openxmlformats.org/markup-compatibility/2006" xmlns:mv="urn:schemas-microsoft-com:mac:vml" xmlns:p="http://schemas.openxmlformats.org/presentationml/2006/main" xmlns:c="http://schemas.openxmlformats.org/drawingml/2006/chart" xmlns:dgm="http://schemas.openxmlformats.org/drawingml/2006/diagram" xmlns:o="urn:schemas-microsoft-com:office:office" xmlns:v="urn:schemas-microsoft-com:vml" xmlns:pvml="urn:schemas-microsoft-com:office:powerpoint" xmlns:com="http://schemas.openxmlformats.org/drawingml/2006/compatibility" xmlns:p14="http://schemas.microsoft.com/office/powerpoint/2010/main" showMasterPhAnim="0" showMasterSp="0">
   <p:cSld>
     <p:spTree>
       <p:nvGrpSpPr>
-        <p:cNvPr id="1" name="Shape 107"/>
+        <p:cNvPr id="107" name="Shape 107"/>
         <p:cNvGrpSpPr/>
         <p:nvPr/>
       </p:nvGrpSpPr>
@@ -766,11 +658,9 @@
       <p:sp>
         <p:nvSpPr>
           <p:cNvPr id="108" name="Shape 108"/>
-          <p:cNvSpPr>
-            <a:spLocks noGrp="1" noRot="1" noChangeAspect="1"/>
-          </p:cNvSpPr>
+          <p:cNvSpPr/>
           <p:nvPr>
-            <p:ph type="sldImg" idx="2"/>
+            <p:ph idx="2" type="sldImg"/>
           </p:nvPr>
         </p:nvSpPr>
         <p:spPr>
@@ -779,13 +669,8 @@
             <a:ext cx="6096299" cy="3429000"/>
           </a:xfrm>
           <a:custGeom>
-            <a:avLst/>
-            <a:gdLst/>
-            <a:ahLst/>
-            <a:cxnLst/>
-            <a:rect l="0" t="0" r="0" b="0"/>
             <a:pathLst>
-              <a:path w="120000" h="120000" extrusionOk="0">
+              <a:path extrusionOk="0" h="120000" w="120000">
                 <a:moveTo>
                   <a:pt x="0" y="0"/>
                 </a:moveTo>
@@ -803,25 +688,23 @@
             </a:pathLst>
           </a:custGeom>
           <a:noFill/>
-          <a:ln w="9525" cap="flat" cmpd="sng">
+          <a:ln cap="flat" cmpd="sng" w="9525">
             <a:solidFill>
               <a:srgbClr val="000000"/>
             </a:solidFill>
             <a:prstDash val="solid"/>
             <a:round/>
-            <a:headEnd type="none" w="med" len="med"/>
-            <a:tailEnd type="none" w="med" len="med"/>
+            <a:headEnd len="med" w="med" type="none"/>
+            <a:tailEnd len="med" w="med" type="none"/>
           </a:ln>
         </p:spPr>
       </p:sp>
       <p:sp>
         <p:nvSpPr>
           <p:cNvPr id="109" name="Shape 109"/>
-          <p:cNvSpPr txBox="1">
-            <a:spLocks noGrp="1"/>
-          </p:cNvSpPr>
+          <p:cNvSpPr txBox="1"/>
           <p:nvPr>
-            <p:ph type="body" idx="1"/>
+            <p:ph idx="1" type="body"/>
           </p:nvPr>
         </p:nvSpPr>
         <p:spPr>
@@ -834,7 +717,7 @@
           </a:prstGeom>
         </p:spPr>
         <p:txBody>
-          <a:bodyPr lIns="91425" tIns="91425" rIns="91425" bIns="91425" anchor="t" anchorCtr="0">
+          <a:bodyPr anchorCtr="0" anchor="t" bIns="91425" lIns="91425" rIns="91425" tIns="91425">
             <a:noAutofit/>
           </a:bodyPr>
           <a:lstStyle/>
@@ -852,6 +735,9 @@
               <a:buFont typeface="Arial"/>
               <a:buNone/>
             </a:pPr>
+            <a:r>
+              <a:t/>
+            </a:r>
             <a:endParaRPr>
               <a:solidFill>
                 <a:schemeClr val="dk1"/>
@@ -865,6 +751,9 @@
               </a:spcBef>
               <a:buNone/>
             </a:pPr>
+            <a:r>
+              <a:t/>
+            </a:r>
             <a:endParaRPr/>
           </a:p>
         </p:txBody>
@@ -878,11 +767,11 @@
 </file>
 
 <file path=ppt/notesSlides/notesSlide12.xml><?xml version="1.0" encoding="utf-8"?>
-<p:notes xmlns:a="http://schemas.openxmlformats.org/drawingml/2006/main" xmlns:r="http://schemas.openxmlformats.org/officeDocument/2006/relationships" xmlns:p="http://schemas.openxmlformats.org/presentationml/2006/main" showMasterSp="0" showMasterPhAnim="0">
+<p:notes xmlns:a="http://schemas.openxmlformats.org/drawingml/2006/main" xmlns:r="http://schemas.openxmlformats.org/officeDocument/2006/relationships" xmlns:mc="http://schemas.openxmlformats.org/markup-compatibility/2006" xmlns:mv="urn:schemas-microsoft-com:mac:vml" xmlns:p="http://schemas.openxmlformats.org/presentationml/2006/main" xmlns:c="http://schemas.openxmlformats.org/drawingml/2006/chart" xmlns:dgm="http://schemas.openxmlformats.org/drawingml/2006/diagram" xmlns:o="urn:schemas-microsoft-com:office:office" xmlns:v="urn:schemas-microsoft-com:vml" xmlns:pvml="urn:schemas-microsoft-com:office:powerpoint" xmlns:com="http://schemas.openxmlformats.org/drawingml/2006/compatibility" xmlns:p14="http://schemas.microsoft.com/office/powerpoint/2010/main" showMasterPhAnim="0" showMasterSp="0">
   <p:cSld>
     <p:spTree>
       <p:nvGrpSpPr>
-        <p:cNvPr id="1" name="Shape 121"/>
+        <p:cNvPr id="121" name="Shape 121"/>
         <p:cNvGrpSpPr/>
         <p:nvPr/>
       </p:nvGrpSpPr>
@@ -897,11 +786,9 @@
       <p:sp>
         <p:nvSpPr>
           <p:cNvPr id="122" name="Shape 122"/>
-          <p:cNvSpPr>
-            <a:spLocks noGrp="1" noRot="1" noChangeAspect="1"/>
-          </p:cNvSpPr>
+          <p:cNvSpPr/>
           <p:nvPr>
-            <p:ph type="sldImg" idx="2"/>
+            <p:ph idx="2" type="sldImg"/>
           </p:nvPr>
         </p:nvSpPr>
         <p:spPr>
@@ -910,13 +797,8 @@
             <a:ext cx="6096299" cy="3429000"/>
           </a:xfrm>
           <a:custGeom>
-            <a:avLst/>
-            <a:gdLst/>
-            <a:ahLst/>
-            <a:cxnLst/>
-            <a:rect l="0" t="0" r="0" b="0"/>
             <a:pathLst>
-              <a:path w="120000" h="120000" extrusionOk="0">
+              <a:path extrusionOk="0" h="120000" w="120000">
                 <a:moveTo>
                   <a:pt x="0" y="0"/>
                 </a:moveTo>
@@ -934,25 +816,23 @@
             </a:pathLst>
           </a:custGeom>
           <a:noFill/>
-          <a:ln w="9525" cap="flat" cmpd="sng">
+          <a:ln cap="flat" cmpd="sng" w="9525">
             <a:solidFill>
               <a:srgbClr val="000000"/>
             </a:solidFill>
             <a:prstDash val="solid"/>
             <a:round/>
-            <a:headEnd type="none" w="med" len="med"/>
-            <a:tailEnd type="none" w="med" len="med"/>
+            <a:headEnd len="med" w="med" type="none"/>
+            <a:tailEnd len="med" w="med" type="none"/>
           </a:ln>
         </p:spPr>
       </p:sp>
       <p:sp>
         <p:nvSpPr>
           <p:cNvPr id="123" name="Shape 123"/>
-          <p:cNvSpPr txBox="1">
-            <a:spLocks noGrp="1"/>
-          </p:cNvSpPr>
+          <p:cNvSpPr txBox="1"/>
           <p:nvPr>
-            <p:ph type="body" idx="1"/>
+            <p:ph idx="1" type="body"/>
           </p:nvPr>
         </p:nvSpPr>
         <p:spPr>
@@ -965,7 +845,7 @@
           </a:prstGeom>
         </p:spPr>
         <p:txBody>
-          <a:bodyPr lIns="91425" tIns="91425" rIns="91425" bIns="91425" anchor="t" anchorCtr="0">
+          <a:bodyPr anchorCtr="0" anchor="t" bIns="91425" lIns="91425" rIns="91425" tIns="91425">
             <a:noAutofit/>
           </a:bodyPr>
           <a:lstStyle/>
@@ -983,6 +863,9 @@
               <a:buFont typeface="Arial"/>
               <a:buNone/>
             </a:pPr>
+            <a:r>
+              <a:t/>
+            </a:r>
             <a:endParaRPr>
               <a:solidFill>
                 <a:schemeClr val="dk1"/>
@@ -996,6 +879,9 @@
               </a:spcBef>
               <a:buNone/>
             </a:pPr>
+            <a:r>
+              <a:t/>
+            </a:r>
             <a:endParaRPr/>
           </a:p>
         </p:txBody>
@@ -1009,11 +895,11 @@
 </file>
 
 <file path=ppt/notesSlides/notesSlide13.xml><?xml version="1.0" encoding="utf-8"?>
-<p:notes xmlns:a="http://schemas.openxmlformats.org/drawingml/2006/main" xmlns:r="http://schemas.openxmlformats.org/officeDocument/2006/relationships" xmlns:p="http://schemas.openxmlformats.org/presentationml/2006/main" showMasterSp="0" showMasterPhAnim="0">
+<p:notes xmlns:a="http://schemas.openxmlformats.org/drawingml/2006/main" xmlns:r="http://schemas.openxmlformats.org/officeDocument/2006/relationships" xmlns:mc="http://schemas.openxmlformats.org/markup-compatibility/2006" xmlns:mv="urn:schemas-microsoft-com:mac:vml" xmlns:p="http://schemas.openxmlformats.org/presentationml/2006/main" xmlns:c="http://schemas.openxmlformats.org/drawingml/2006/chart" xmlns:dgm="http://schemas.openxmlformats.org/drawingml/2006/diagram" xmlns:o="urn:schemas-microsoft-com:office:office" xmlns:v="urn:schemas-microsoft-com:vml" xmlns:pvml="urn:schemas-microsoft-com:office:powerpoint" xmlns:com="http://schemas.openxmlformats.org/drawingml/2006/compatibility" xmlns:p14="http://schemas.microsoft.com/office/powerpoint/2010/main" showMasterPhAnim="0" showMasterSp="0">
   <p:cSld>
     <p:spTree>
       <p:nvGrpSpPr>
-        <p:cNvPr id="1" name="Shape 132"/>
+        <p:cNvPr id="132" name="Shape 132"/>
         <p:cNvGrpSpPr/>
         <p:nvPr/>
       </p:nvGrpSpPr>
@@ -1028,11 +914,9 @@
       <p:sp>
         <p:nvSpPr>
           <p:cNvPr id="133" name="Shape 133"/>
-          <p:cNvSpPr>
-            <a:spLocks noGrp="1" noRot="1" noChangeAspect="1"/>
-          </p:cNvSpPr>
+          <p:cNvSpPr/>
           <p:nvPr>
-            <p:ph type="sldImg" idx="2"/>
+            <p:ph idx="2" type="sldImg"/>
           </p:nvPr>
         </p:nvSpPr>
         <p:spPr>
@@ -1041,13 +925,8 @@
             <a:ext cx="6096299" cy="3429000"/>
           </a:xfrm>
           <a:custGeom>
-            <a:avLst/>
-            <a:gdLst/>
-            <a:ahLst/>
-            <a:cxnLst/>
-            <a:rect l="0" t="0" r="0" b="0"/>
             <a:pathLst>
-              <a:path w="120000" h="120000" extrusionOk="0">
+              <a:path extrusionOk="0" h="120000" w="120000">
                 <a:moveTo>
                   <a:pt x="0" y="0"/>
                 </a:moveTo>
@@ -1065,25 +944,23 @@
             </a:pathLst>
           </a:custGeom>
           <a:noFill/>
-          <a:ln w="9525" cap="flat" cmpd="sng">
+          <a:ln cap="flat" cmpd="sng" w="9525">
             <a:solidFill>
               <a:srgbClr val="000000"/>
             </a:solidFill>
             <a:prstDash val="solid"/>
             <a:round/>
-            <a:headEnd type="none" w="med" len="med"/>
-            <a:tailEnd type="none" w="med" len="med"/>
+            <a:headEnd len="med" w="med" type="none"/>
+            <a:tailEnd len="med" w="med" type="none"/>
           </a:ln>
         </p:spPr>
       </p:sp>
       <p:sp>
         <p:nvSpPr>
           <p:cNvPr id="134" name="Shape 134"/>
-          <p:cNvSpPr txBox="1">
-            <a:spLocks noGrp="1"/>
-          </p:cNvSpPr>
+          <p:cNvSpPr txBox="1"/>
           <p:nvPr>
-            <p:ph type="body" idx="1"/>
+            <p:ph idx="1" type="body"/>
           </p:nvPr>
         </p:nvSpPr>
         <p:spPr>
@@ -1096,7 +973,7 @@
           </a:prstGeom>
         </p:spPr>
         <p:txBody>
-          <a:bodyPr lIns="91425" tIns="91425" rIns="91425" bIns="91425" anchor="t" anchorCtr="0">
+          <a:bodyPr anchorCtr="0" anchor="t" bIns="91425" lIns="91425" rIns="91425" tIns="91425">
             <a:noAutofit/>
           </a:bodyPr>
           <a:lstStyle/>
@@ -1114,6 +991,9 @@
               <a:buFont typeface="Arial"/>
               <a:buNone/>
             </a:pPr>
+            <a:r>
+              <a:t/>
+            </a:r>
             <a:endParaRPr>
               <a:solidFill>
                 <a:schemeClr val="dk1"/>
@@ -1127,6 +1007,9 @@
               </a:spcBef>
               <a:buNone/>
             </a:pPr>
+            <a:r>
+              <a:t/>
+            </a:r>
             <a:endParaRPr/>
           </a:p>
         </p:txBody>
@@ -1140,11 +1023,11 @@
 </file>
 
 <file path=ppt/notesSlides/notesSlide14.xml><?xml version="1.0" encoding="utf-8"?>
-<p:notes xmlns:a="http://schemas.openxmlformats.org/drawingml/2006/main" xmlns:r="http://schemas.openxmlformats.org/officeDocument/2006/relationships" xmlns:p="http://schemas.openxmlformats.org/presentationml/2006/main" showMasterSp="0" showMasterPhAnim="0">
+<p:notes xmlns:a="http://schemas.openxmlformats.org/drawingml/2006/main" xmlns:r="http://schemas.openxmlformats.org/officeDocument/2006/relationships" xmlns:mc="http://schemas.openxmlformats.org/markup-compatibility/2006" xmlns:mv="urn:schemas-microsoft-com:mac:vml" xmlns:p="http://schemas.openxmlformats.org/presentationml/2006/main" xmlns:c="http://schemas.openxmlformats.org/drawingml/2006/chart" xmlns:dgm="http://schemas.openxmlformats.org/drawingml/2006/diagram" xmlns:o="urn:schemas-microsoft-com:office:office" xmlns:v="urn:schemas-microsoft-com:vml" xmlns:pvml="urn:schemas-microsoft-com:office:powerpoint" xmlns:com="http://schemas.openxmlformats.org/drawingml/2006/compatibility" xmlns:p14="http://schemas.microsoft.com/office/powerpoint/2010/main" showMasterPhAnim="0" showMasterSp="0">
   <p:cSld>
     <p:spTree>
       <p:nvGrpSpPr>
-        <p:cNvPr id="1" name="Shape 137"/>
+        <p:cNvPr id="137" name="Shape 137"/>
         <p:cNvGrpSpPr/>
         <p:nvPr/>
       </p:nvGrpSpPr>
@@ -1159,11 +1042,9 @@
       <p:sp>
         <p:nvSpPr>
           <p:cNvPr id="138" name="Shape 138"/>
-          <p:cNvSpPr>
-            <a:spLocks noGrp="1" noRot="1" noChangeAspect="1"/>
-          </p:cNvSpPr>
+          <p:cNvSpPr/>
           <p:nvPr>
-            <p:ph type="sldImg" idx="2"/>
+            <p:ph idx="2" type="sldImg"/>
           </p:nvPr>
         </p:nvSpPr>
         <p:spPr>
@@ -1172,13 +1053,8 @@
             <a:ext cx="6096299" cy="3429000"/>
           </a:xfrm>
           <a:custGeom>
-            <a:avLst/>
-            <a:gdLst/>
-            <a:ahLst/>
-            <a:cxnLst/>
-            <a:rect l="0" t="0" r="0" b="0"/>
             <a:pathLst>
-              <a:path w="120000" h="120000" extrusionOk="0">
+              <a:path extrusionOk="0" h="120000" w="120000">
                 <a:moveTo>
                   <a:pt x="0" y="0"/>
                 </a:moveTo>
@@ -1196,25 +1072,23 @@
             </a:pathLst>
           </a:custGeom>
           <a:noFill/>
-          <a:ln w="9525" cap="flat" cmpd="sng">
+          <a:ln cap="flat" cmpd="sng" w="9525">
             <a:solidFill>
               <a:srgbClr val="000000"/>
             </a:solidFill>
             <a:prstDash val="solid"/>
             <a:round/>
-            <a:headEnd type="none" w="med" len="med"/>
-            <a:tailEnd type="none" w="med" len="med"/>
+            <a:headEnd len="med" w="med" type="none"/>
+            <a:tailEnd len="med" w="med" type="none"/>
           </a:ln>
         </p:spPr>
       </p:sp>
       <p:sp>
         <p:nvSpPr>
           <p:cNvPr id="139" name="Shape 139"/>
-          <p:cNvSpPr txBox="1">
-            <a:spLocks noGrp="1"/>
-          </p:cNvSpPr>
+          <p:cNvSpPr txBox="1"/>
           <p:nvPr>
-            <p:ph type="body" idx="1"/>
+            <p:ph idx="1" type="body"/>
           </p:nvPr>
         </p:nvSpPr>
         <p:spPr>
@@ -1227,7 +1101,7 @@
           </a:prstGeom>
         </p:spPr>
         <p:txBody>
-          <a:bodyPr lIns="91425" tIns="91425" rIns="91425" bIns="91425" anchor="t" anchorCtr="0">
+          <a:bodyPr anchorCtr="0" anchor="t" bIns="91425" lIns="91425" rIns="91425" tIns="91425">
             <a:noAutofit/>
           </a:bodyPr>
           <a:lstStyle/>
@@ -1238,6 +1112,9 @@
               </a:spcBef>
               <a:buNone/>
             </a:pPr>
+            <a:r>
+              <a:t/>
+            </a:r>
             <a:endParaRPr/>
           </a:p>
         </p:txBody>
@@ -1251,11 +1128,11 @@
 </file>
 
 <file path=ppt/notesSlides/notesSlide15.xml><?xml version="1.0" encoding="utf-8"?>
-<p:notes xmlns:a="http://schemas.openxmlformats.org/drawingml/2006/main" xmlns:r="http://schemas.openxmlformats.org/officeDocument/2006/relationships" xmlns:p="http://schemas.openxmlformats.org/presentationml/2006/main" showMasterSp="0" showMasterPhAnim="0">
+<p:notes xmlns:a="http://schemas.openxmlformats.org/drawingml/2006/main" xmlns:r="http://schemas.openxmlformats.org/officeDocument/2006/relationships" xmlns:mc="http://schemas.openxmlformats.org/markup-compatibility/2006" xmlns:mv="urn:schemas-microsoft-com:mac:vml" xmlns:p="http://schemas.openxmlformats.org/presentationml/2006/main" xmlns:c="http://schemas.openxmlformats.org/drawingml/2006/chart" xmlns:dgm="http://schemas.openxmlformats.org/drawingml/2006/diagram" xmlns:o="urn:schemas-microsoft-com:office:office" xmlns:v="urn:schemas-microsoft-com:vml" xmlns:pvml="urn:schemas-microsoft-com:office:powerpoint" xmlns:com="http://schemas.openxmlformats.org/drawingml/2006/compatibility" xmlns:p14="http://schemas.microsoft.com/office/powerpoint/2010/main" showMasterPhAnim="0" showMasterSp="0">
   <p:cSld>
     <p:spTree>
       <p:nvGrpSpPr>
-        <p:cNvPr id="1" name="Shape 145"/>
+        <p:cNvPr id="145" name="Shape 145"/>
         <p:cNvGrpSpPr/>
         <p:nvPr/>
       </p:nvGrpSpPr>
@@ -1270,11 +1147,9 @@
       <p:sp>
         <p:nvSpPr>
           <p:cNvPr id="146" name="Shape 146"/>
-          <p:cNvSpPr>
-            <a:spLocks noGrp="1" noRot="1" noChangeAspect="1"/>
-          </p:cNvSpPr>
+          <p:cNvSpPr/>
           <p:nvPr>
-            <p:ph type="sldImg" idx="2"/>
+            <p:ph idx="2" type="sldImg"/>
           </p:nvPr>
         </p:nvSpPr>
         <p:spPr>
@@ -1283,13 +1158,8 @@
             <a:ext cx="6096299" cy="3429000"/>
           </a:xfrm>
           <a:custGeom>
-            <a:avLst/>
-            <a:gdLst/>
-            <a:ahLst/>
-            <a:cxnLst/>
-            <a:rect l="0" t="0" r="0" b="0"/>
             <a:pathLst>
-              <a:path w="120000" h="120000" extrusionOk="0">
+              <a:path extrusionOk="0" h="120000" w="120000">
                 <a:moveTo>
                   <a:pt x="0" y="0"/>
                 </a:moveTo>
@@ -1307,25 +1177,23 @@
             </a:pathLst>
           </a:custGeom>
           <a:noFill/>
-          <a:ln w="9525" cap="flat" cmpd="sng">
+          <a:ln cap="flat" cmpd="sng" w="9525">
             <a:solidFill>
               <a:srgbClr val="000000"/>
             </a:solidFill>
             <a:prstDash val="solid"/>
             <a:round/>
-            <a:headEnd type="none" w="med" len="med"/>
-            <a:tailEnd type="none" w="med" len="med"/>
+            <a:headEnd len="med" w="med" type="none"/>
+            <a:tailEnd len="med" w="med" type="none"/>
           </a:ln>
         </p:spPr>
       </p:sp>
       <p:sp>
         <p:nvSpPr>
           <p:cNvPr id="147" name="Shape 147"/>
-          <p:cNvSpPr txBox="1">
-            <a:spLocks noGrp="1"/>
-          </p:cNvSpPr>
+          <p:cNvSpPr txBox="1"/>
           <p:nvPr>
-            <p:ph type="body" idx="1"/>
+            <p:ph idx="1" type="body"/>
           </p:nvPr>
         </p:nvSpPr>
         <p:spPr>
@@ -1338,7 +1206,7 @@
           </a:prstGeom>
         </p:spPr>
         <p:txBody>
-          <a:bodyPr lIns="91425" tIns="91425" rIns="91425" bIns="91425" anchor="t" anchorCtr="0">
+          <a:bodyPr anchorCtr="0" anchor="t" bIns="91425" lIns="91425" rIns="91425" tIns="91425">
             <a:noAutofit/>
           </a:bodyPr>
           <a:lstStyle/>
@@ -1356,6 +1224,9 @@
               <a:buFont typeface="Arial"/>
               <a:buNone/>
             </a:pPr>
+            <a:r>
+              <a:t/>
+            </a:r>
             <a:endParaRPr>
               <a:solidFill>
                 <a:schemeClr val="dk1"/>
@@ -1369,6 +1240,9 @@
               </a:spcBef>
               <a:buNone/>
             </a:pPr>
+            <a:r>
+              <a:t/>
+            </a:r>
             <a:endParaRPr/>
           </a:p>
         </p:txBody>
@@ -1382,11 +1256,11 @@
 </file>
 
 <file path=ppt/notesSlides/notesSlide16.xml><?xml version="1.0" encoding="utf-8"?>
-<p:notes xmlns:a="http://schemas.openxmlformats.org/drawingml/2006/main" xmlns:r="http://schemas.openxmlformats.org/officeDocument/2006/relationships" xmlns:p="http://schemas.openxmlformats.org/presentationml/2006/main" showMasterSp="0" showMasterPhAnim="0">
+<p:notes xmlns:a="http://schemas.openxmlformats.org/drawingml/2006/main" xmlns:r="http://schemas.openxmlformats.org/officeDocument/2006/relationships" xmlns:mc="http://schemas.openxmlformats.org/markup-compatibility/2006" xmlns:mv="urn:schemas-microsoft-com:mac:vml" xmlns:p="http://schemas.openxmlformats.org/presentationml/2006/main" xmlns:c="http://schemas.openxmlformats.org/drawingml/2006/chart" xmlns:dgm="http://schemas.openxmlformats.org/drawingml/2006/diagram" xmlns:o="urn:schemas-microsoft-com:office:office" xmlns:v="urn:schemas-microsoft-com:vml" xmlns:pvml="urn:schemas-microsoft-com:office:powerpoint" xmlns:com="http://schemas.openxmlformats.org/drawingml/2006/compatibility" xmlns:p14="http://schemas.microsoft.com/office/powerpoint/2010/main" showMasterPhAnim="0" showMasterSp="0">
   <p:cSld>
     <p:spTree>
       <p:nvGrpSpPr>
-        <p:cNvPr id="1" name="Shape 150"/>
+        <p:cNvPr id="150" name="Shape 150"/>
         <p:cNvGrpSpPr/>
         <p:nvPr/>
       </p:nvGrpSpPr>
@@ -1401,11 +1275,9 @@
       <p:sp>
         <p:nvSpPr>
           <p:cNvPr id="151" name="Shape 151"/>
-          <p:cNvSpPr>
-            <a:spLocks noGrp="1" noRot="1" noChangeAspect="1"/>
-          </p:cNvSpPr>
+          <p:cNvSpPr/>
           <p:nvPr>
-            <p:ph type="sldImg" idx="2"/>
+            <p:ph idx="2" type="sldImg"/>
           </p:nvPr>
         </p:nvSpPr>
         <p:spPr>
@@ -1414,13 +1286,8 @@
             <a:ext cx="6096299" cy="3429000"/>
           </a:xfrm>
           <a:custGeom>
-            <a:avLst/>
-            <a:gdLst/>
-            <a:ahLst/>
-            <a:cxnLst/>
-            <a:rect l="0" t="0" r="0" b="0"/>
             <a:pathLst>
-              <a:path w="120000" h="120000" extrusionOk="0">
+              <a:path extrusionOk="0" h="120000" w="120000">
                 <a:moveTo>
                   <a:pt x="0" y="0"/>
                 </a:moveTo>
@@ -1438,25 +1305,23 @@
             </a:pathLst>
           </a:custGeom>
           <a:noFill/>
-          <a:ln w="9525" cap="flat" cmpd="sng">
+          <a:ln cap="flat" cmpd="sng" w="9525">
             <a:solidFill>
               <a:srgbClr val="000000"/>
             </a:solidFill>
             <a:prstDash val="solid"/>
             <a:round/>
-            <a:headEnd type="none" w="med" len="med"/>
-            <a:tailEnd type="none" w="med" len="med"/>
+            <a:headEnd len="med" w="med" type="none"/>
+            <a:tailEnd len="med" w="med" type="none"/>
           </a:ln>
         </p:spPr>
       </p:sp>
       <p:sp>
         <p:nvSpPr>
           <p:cNvPr id="152" name="Shape 152"/>
-          <p:cNvSpPr txBox="1">
-            <a:spLocks noGrp="1"/>
-          </p:cNvSpPr>
+          <p:cNvSpPr txBox="1"/>
           <p:nvPr>
-            <p:ph type="body" idx="1"/>
+            <p:ph idx="1" type="body"/>
           </p:nvPr>
         </p:nvSpPr>
         <p:spPr>
@@ -1469,7 +1334,7 @@
           </a:prstGeom>
         </p:spPr>
         <p:txBody>
-          <a:bodyPr lIns="91425" tIns="91425" rIns="91425" bIns="91425" anchor="t" anchorCtr="0">
+          <a:bodyPr anchorCtr="0" anchor="t" bIns="91425" lIns="91425" rIns="91425" tIns="91425">
             <a:noAutofit/>
           </a:bodyPr>
           <a:lstStyle/>
@@ -1480,6 +1345,9 @@
               </a:spcBef>
               <a:buNone/>
             </a:pPr>
+            <a:r>
+              <a:t/>
+            </a:r>
             <a:endParaRPr/>
           </a:p>
         </p:txBody>
@@ -1493,11 +1361,11 @@
 </file>
 
 <file path=ppt/notesSlides/notesSlide2.xml><?xml version="1.0" encoding="utf-8"?>
-<p:notes xmlns:a="http://schemas.openxmlformats.org/drawingml/2006/main" xmlns:r="http://schemas.openxmlformats.org/officeDocument/2006/relationships" xmlns:p="http://schemas.openxmlformats.org/presentationml/2006/main" showMasterSp="0" showMasterPhAnim="0">
+<p:notes xmlns:a="http://schemas.openxmlformats.org/drawingml/2006/main" xmlns:r="http://schemas.openxmlformats.org/officeDocument/2006/relationships" xmlns:mc="http://schemas.openxmlformats.org/markup-compatibility/2006" xmlns:mv="urn:schemas-microsoft-com:mac:vml" xmlns:p="http://schemas.openxmlformats.org/presentationml/2006/main" xmlns:c="http://schemas.openxmlformats.org/drawingml/2006/chart" xmlns:dgm="http://schemas.openxmlformats.org/drawingml/2006/diagram" xmlns:o="urn:schemas-microsoft-com:office:office" xmlns:v="urn:schemas-microsoft-com:vml" xmlns:pvml="urn:schemas-microsoft-com:office:powerpoint" xmlns:com="http://schemas.openxmlformats.org/drawingml/2006/compatibility" xmlns:p14="http://schemas.microsoft.com/office/powerpoint/2010/main" showMasterPhAnim="0" showMasterSp="0">
   <p:cSld>
     <p:spTree>
       <p:nvGrpSpPr>
-        <p:cNvPr id="1" name="Shape 42"/>
+        <p:cNvPr id="42" name="Shape 42"/>
         <p:cNvGrpSpPr/>
         <p:nvPr/>
       </p:nvGrpSpPr>
@@ -1512,11 +1380,9 @@
       <p:sp>
         <p:nvSpPr>
           <p:cNvPr id="43" name="Shape 43"/>
-          <p:cNvSpPr>
-            <a:spLocks noGrp="1" noRot="1" noChangeAspect="1"/>
-          </p:cNvSpPr>
+          <p:cNvSpPr/>
           <p:nvPr>
-            <p:ph type="sldImg" idx="2"/>
+            <p:ph idx="2" type="sldImg"/>
           </p:nvPr>
         </p:nvSpPr>
         <p:spPr>
@@ -1525,13 +1391,8 @@
             <a:ext cx="6096299" cy="3429000"/>
           </a:xfrm>
           <a:custGeom>
-            <a:avLst/>
-            <a:gdLst/>
-            <a:ahLst/>
-            <a:cxnLst/>
-            <a:rect l="0" t="0" r="0" b="0"/>
             <a:pathLst>
-              <a:path w="120000" h="120000" extrusionOk="0">
+              <a:path extrusionOk="0" h="120000" w="120000">
                 <a:moveTo>
                   <a:pt x="0" y="0"/>
                 </a:moveTo>
@@ -1549,25 +1410,23 @@
             </a:pathLst>
           </a:custGeom>
           <a:noFill/>
-          <a:ln w="9525" cap="flat" cmpd="sng">
+          <a:ln cap="flat" cmpd="sng" w="9525">
             <a:solidFill>
               <a:srgbClr val="000000"/>
             </a:solidFill>
             <a:prstDash val="solid"/>
             <a:round/>
-            <a:headEnd type="none" w="med" len="med"/>
-            <a:tailEnd type="none" w="med" len="med"/>
+            <a:headEnd len="med" w="med" type="none"/>
+            <a:tailEnd len="med" w="med" type="none"/>
           </a:ln>
         </p:spPr>
       </p:sp>
       <p:sp>
         <p:nvSpPr>
           <p:cNvPr id="44" name="Shape 44"/>
-          <p:cNvSpPr txBox="1">
-            <a:spLocks noGrp="1"/>
-          </p:cNvSpPr>
+          <p:cNvSpPr txBox="1"/>
           <p:nvPr>
-            <p:ph type="body" idx="1"/>
+            <p:ph idx="1" type="body"/>
           </p:nvPr>
         </p:nvSpPr>
         <p:spPr>
@@ -1580,7 +1439,7 @@
           </a:prstGeom>
         </p:spPr>
         <p:txBody>
-          <a:bodyPr lIns="91425" tIns="91425" rIns="91425" bIns="91425" anchor="t" anchorCtr="0">
+          <a:bodyPr anchorCtr="0" anchor="t" bIns="91425" lIns="91425" rIns="91425" tIns="91425">
             <a:noAutofit/>
           </a:bodyPr>
           <a:lstStyle/>
@@ -1591,6 +1450,9 @@
               </a:spcBef>
               <a:buNone/>
             </a:pPr>
+            <a:r>
+              <a:t/>
+            </a:r>
             <a:endParaRPr/>
           </a:p>
         </p:txBody>
@@ -1604,11 +1466,11 @@
 </file>
 
 <file path=ppt/notesSlides/notesSlide3.xml><?xml version="1.0" encoding="utf-8"?>
-<p:notes xmlns:a="http://schemas.openxmlformats.org/drawingml/2006/main" xmlns:r="http://schemas.openxmlformats.org/officeDocument/2006/relationships" xmlns:p="http://schemas.openxmlformats.org/presentationml/2006/main" showMasterSp="0" showMasterPhAnim="0">
+<p:notes xmlns:a="http://schemas.openxmlformats.org/drawingml/2006/main" xmlns:r="http://schemas.openxmlformats.org/officeDocument/2006/relationships" xmlns:mc="http://schemas.openxmlformats.org/markup-compatibility/2006" xmlns:mv="urn:schemas-microsoft-com:mac:vml" xmlns:p="http://schemas.openxmlformats.org/presentationml/2006/main" xmlns:c="http://schemas.openxmlformats.org/drawingml/2006/chart" xmlns:dgm="http://schemas.openxmlformats.org/drawingml/2006/diagram" xmlns:o="urn:schemas-microsoft-com:office:office" xmlns:v="urn:schemas-microsoft-com:vml" xmlns:pvml="urn:schemas-microsoft-com:office:powerpoint" xmlns:com="http://schemas.openxmlformats.org/drawingml/2006/compatibility" xmlns:p14="http://schemas.microsoft.com/office/powerpoint/2010/main" showMasterPhAnim="0" showMasterSp="0">
   <p:cSld>
     <p:spTree>
       <p:nvGrpSpPr>
-        <p:cNvPr id="1" name="Shape 48"/>
+        <p:cNvPr id="48" name="Shape 48"/>
         <p:cNvGrpSpPr/>
         <p:nvPr/>
       </p:nvGrpSpPr>
@@ -1623,11 +1485,9 @@
       <p:sp>
         <p:nvSpPr>
           <p:cNvPr id="49" name="Shape 49"/>
-          <p:cNvSpPr>
-            <a:spLocks noGrp="1" noRot="1" noChangeAspect="1"/>
-          </p:cNvSpPr>
+          <p:cNvSpPr/>
           <p:nvPr>
-            <p:ph type="sldImg" idx="2"/>
+            <p:ph idx="2" type="sldImg"/>
           </p:nvPr>
         </p:nvSpPr>
         <p:spPr>
@@ -1636,13 +1496,8 @@
             <a:ext cx="6096299" cy="3429000"/>
           </a:xfrm>
           <a:custGeom>
-            <a:avLst/>
-            <a:gdLst/>
-            <a:ahLst/>
-            <a:cxnLst/>
-            <a:rect l="0" t="0" r="0" b="0"/>
             <a:pathLst>
-              <a:path w="120000" h="120000" extrusionOk="0">
+              <a:path extrusionOk="0" h="120000" w="120000">
                 <a:moveTo>
                   <a:pt x="0" y="0"/>
                 </a:moveTo>
@@ -1660,25 +1515,23 @@
             </a:pathLst>
           </a:custGeom>
           <a:noFill/>
-          <a:ln w="9525" cap="flat" cmpd="sng">
+          <a:ln cap="flat" cmpd="sng" w="9525">
             <a:solidFill>
               <a:srgbClr val="000000"/>
             </a:solidFill>
             <a:prstDash val="solid"/>
             <a:round/>
-            <a:headEnd type="none" w="med" len="med"/>
-            <a:tailEnd type="none" w="med" len="med"/>
+            <a:headEnd len="med" w="med" type="none"/>
+            <a:tailEnd len="med" w="med" type="none"/>
           </a:ln>
         </p:spPr>
       </p:sp>
       <p:sp>
         <p:nvSpPr>
           <p:cNvPr id="50" name="Shape 50"/>
-          <p:cNvSpPr txBox="1">
-            <a:spLocks noGrp="1"/>
-          </p:cNvSpPr>
+          <p:cNvSpPr txBox="1"/>
           <p:nvPr>
-            <p:ph type="body" idx="1"/>
+            <p:ph idx="1" type="body"/>
           </p:nvPr>
         </p:nvSpPr>
         <p:spPr>
@@ -1691,7 +1544,7 @@
           </a:prstGeom>
         </p:spPr>
         <p:txBody>
-          <a:bodyPr lIns="91425" tIns="91425" rIns="91425" bIns="91425" anchor="t" anchorCtr="0">
+          <a:bodyPr anchorCtr="0" anchor="t" bIns="91425" lIns="91425" rIns="91425" tIns="91425">
             <a:noAutofit/>
           </a:bodyPr>
           <a:lstStyle/>
@@ -1710,14 +1563,6 @@
               <a:buFont typeface="Arial"/>
               <a:buNone/>
             </a:pPr>
-            <a:r>
-              <a:rPr lang="en">
-                <a:solidFill>
-                  <a:schemeClr val="dk1"/>
-                </a:solidFill>
-              </a:rPr>
-              <a:t/>
-            </a:r>
             <a:br>
               <a:rPr lang="en">
                 <a:solidFill>
@@ -1725,11 +1570,6 @@
                 </a:solidFill>
               </a:rPr>
             </a:br>
-            <a:endParaRPr lang="en">
-              <a:solidFill>
-                <a:schemeClr val="dk1"/>
-              </a:solidFill>
-            </a:endParaRPr>
           </a:p>
           <a:p>
             <a:pPr lvl="0" rtl="0">
@@ -1766,11 +1606,11 @@
 </file>
 
 <file path=ppt/notesSlides/notesSlide4.xml><?xml version="1.0" encoding="utf-8"?>
-<p:notes xmlns:a="http://schemas.openxmlformats.org/drawingml/2006/main" xmlns:r="http://schemas.openxmlformats.org/officeDocument/2006/relationships" xmlns:p="http://schemas.openxmlformats.org/presentationml/2006/main" showMasterSp="0" showMasterPhAnim="0">
+<p:notes xmlns:a="http://schemas.openxmlformats.org/drawingml/2006/main" xmlns:r="http://schemas.openxmlformats.org/officeDocument/2006/relationships" xmlns:mc="http://schemas.openxmlformats.org/markup-compatibility/2006" xmlns:mv="urn:schemas-microsoft-com:mac:vml" xmlns:p="http://schemas.openxmlformats.org/presentationml/2006/main" xmlns:c="http://schemas.openxmlformats.org/drawingml/2006/chart" xmlns:dgm="http://schemas.openxmlformats.org/drawingml/2006/diagram" xmlns:o="urn:schemas-microsoft-com:office:office" xmlns:v="urn:schemas-microsoft-com:vml" xmlns:pvml="urn:schemas-microsoft-com:office:powerpoint" xmlns:com="http://schemas.openxmlformats.org/drawingml/2006/compatibility" xmlns:p14="http://schemas.microsoft.com/office/powerpoint/2010/main" showMasterPhAnim="0" showMasterSp="0">
   <p:cSld>
     <p:spTree>
       <p:nvGrpSpPr>
-        <p:cNvPr id="1" name="Shape 56"/>
+        <p:cNvPr id="56" name="Shape 56"/>
         <p:cNvGrpSpPr/>
         <p:nvPr/>
       </p:nvGrpSpPr>
@@ -1785,11 +1625,9 @@
       <p:sp>
         <p:nvSpPr>
           <p:cNvPr id="57" name="Shape 57"/>
-          <p:cNvSpPr>
-            <a:spLocks noGrp="1" noRot="1" noChangeAspect="1"/>
-          </p:cNvSpPr>
+          <p:cNvSpPr/>
           <p:nvPr>
-            <p:ph type="sldImg" idx="2"/>
+            <p:ph idx="2" type="sldImg"/>
           </p:nvPr>
         </p:nvSpPr>
         <p:spPr>
@@ -1798,13 +1636,8 @@
             <a:ext cx="6096299" cy="3429000"/>
           </a:xfrm>
           <a:custGeom>
-            <a:avLst/>
-            <a:gdLst/>
-            <a:ahLst/>
-            <a:cxnLst/>
-            <a:rect l="0" t="0" r="0" b="0"/>
             <a:pathLst>
-              <a:path w="120000" h="120000" extrusionOk="0">
+              <a:path extrusionOk="0" h="120000" w="120000">
                 <a:moveTo>
                   <a:pt x="0" y="0"/>
                 </a:moveTo>
@@ -1822,25 +1655,23 @@
             </a:pathLst>
           </a:custGeom>
           <a:noFill/>
-          <a:ln w="9525" cap="flat" cmpd="sng">
+          <a:ln cap="flat" cmpd="sng" w="9525">
             <a:solidFill>
               <a:srgbClr val="000000"/>
             </a:solidFill>
             <a:prstDash val="solid"/>
             <a:round/>
-            <a:headEnd type="none" w="med" len="med"/>
-            <a:tailEnd type="none" w="med" len="med"/>
+            <a:headEnd len="med" w="med" type="none"/>
+            <a:tailEnd len="med" w="med" type="none"/>
           </a:ln>
         </p:spPr>
       </p:sp>
       <p:sp>
         <p:nvSpPr>
           <p:cNvPr id="58" name="Shape 58"/>
-          <p:cNvSpPr txBox="1">
-            <a:spLocks noGrp="1"/>
-          </p:cNvSpPr>
+          <p:cNvSpPr txBox="1"/>
           <p:nvPr>
-            <p:ph type="body" idx="1"/>
+            <p:ph idx="1" type="body"/>
           </p:nvPr>
         </p:nvSpPr>
         <p:spPr>
@@ -1853,7 +1684,7 @@
           </a:prstGeom>
         </p:spPr>
         <p:txBody>
-          <a:bodyPr lIns="91425" tIns="91425" rIns="91425" bIns="91425" anchor="t" anchorCtr="0">
+          <a:bodyPr anchorCtr="0" anchor="t" bIns="91425" lIns="91425" rIns="91425" tIns="91425">
             <a:noAutofit/>
           </a:bodyPr>
           <a:lstStyle/>
@@ -1864,6 +1695,9 @@
               </a:spcBef>
               <a:buNone/>
             </a:pPr>
+            <a:r>
+              <a:t/>
+            </a:r>
             <a:endParaRPr/>
           </a:p>
         </p:txBody>
@@ -1877,11 +1711,11 @@
 </file>
 
 <file path=ppt/notesSlides/notesSlide5.xml><?xml version="1.0" encoding="utf-8"?>
-<p:notes xmlns:a="http://schemas.openxmlformats.org/drawingml/2006/main" xmlns:r="http://schemas.openxmlformats.org/officeDocument/2006/relationships" xmlns:p="http://schemas.openxmlformats.org/presentationml/2006/main" showMasterSp="0" showMasterPhAnim="0">
+<p:notes xmlns:a="http://schemas.openxmlformats.org/drawingml/2006/main" xmlns:r="http://schemas.openxmlformats.org/officeDocument/2006/relationships" xmlns:mc="http://schemas.openxmlformats.org/markup-compatibility/2006" xmlns:mv="urn:schemas-microsoft-com:mac:vml" xmlns:p="http://schemas.openxmlformats.org/presentationml/2006/main" xmlns:c="http://schemas.openxmlformats.org/drawingml/2006/chart" xmlns:dgm="http://schemas.openxmlformats.org/drawingml/2006/diagram" xmlns:o="urn:schemas-microsoft-com:office:office" xmlns:v="urn:schemas-microsoft-com:vml" xmlns:pvml="urn:schemas-microsoft-com:office:powerpoint" xmlns:com="http://schemas.openxmlformats.org/drawingml/2006/compatibility" xmlns:p14="http://schemas.microsoft.com/office/powerpoint/2010/main" showMasterPhAnim="0" showMasterSp="0">
   <p:cSld>
     <p:spTree>
       <p:nvGrpSpPr>
-        <p:cNvPr id="1" name="Shape 63"/>
+        <p:cNvPr id="63" name="Shape 63"/>
         <p:cNvGrpSpPr/>
         <p:nvPr/>
       </p:nvGrpSpPr>
@@ -1896,11 +1730,9 @@
       <p:sp>
         <p:nvSpPr>
           <p:cNvPr id="64" name="Shape 64"/>
-          <p:cNvSpPr>
-            <a:spLocks noGrp="1" noRot="1" noChangeAspect="1"/>
-          </p:cNvSpPr>
+          <p:cNvSpPr/>
           <p:nvPr>
-            <p:ph type="sldImg" idx="2"/>
+            <p:ph idx="2" type="sldImg"/>
           </p:nvPr>
         </p:nvSpPr>
         <p:spPr>
@@ -1909,13 +1741,8 @@
             <a:ext cx="6096299" cy="3429000"/>
           </a:xfrm>
           <a:custGeom>
-            <a:avLst/>
-            <a:gdLst/>
-            <a:ahLst/>
-            <a:cxnLst/>
-            <a:rect l="0" t="0" r="0" b="0"/>
             <a:pathLst>
-              <a:path w="120000" h="120000" extrusionOk="0">
+              <a:path extrusionOk="0" h="120000" w="120000">
                 <a:moveTo>
                   <a:pt x="0" y="0"/>
                 </a:moveTo>
@@ -1933,25 +1760,23 @@
             </a:pathLst>
           </a:custGeom>
           <a:noFill/>
-          <a:ln w="9525" cap="flat" cmpd="sng">
+          <a:ln cap="flat" cmpd="sng" w="9525">
             <a:solidFill>
               <a:srgbClr val="000000"/>
             </a:solidFill>
             <a:prstDash val="solid"/>
             <a:round/>
-            <a:headEnd type="none" w="med" len="med"/>
-            <a:tailEnd type="none" w="med" len="med"/>
+            <a:headEnd len="med" w="med" type="none"/>
+            <a:tailEnd len="med" w="med" type="none"/>
           </a:ln>
         </p:spPr>
       </p:sp>
       <p:sp>
         <p:nvSpPr>
           <p:cNvPr id="65" name="Shape 65"/>
-          <p:cNvSpPr txBox="1">
-            <a:spLocks noGrp="1"/>
-          </p:cNvSpPr>
+          <p:cNvSpPr txBox="1"/>
           <p:nvPr>
-            <p:ph type="body" idx="1"/>
+            <p:ph idx="1" type="body"/>
           </p:nvPr>
         </p:nvSpPr>
         <p:spPr>
@@ -1964,7 +1789,7 @@
           </a:prstGeom>
         </p:spPr>
         <p:txBody>
-          <a:bodyPr lIns="91425" tIns="91425" rIns="91425" bIns="91425" anchor="t" anchorCtr="0">
+          <a:bodyPr anchorCtr="0" anchor="t" bIns="91425" lIns="91425" rIns="91425" tIns="91425">
             <a:noAutofit/>
           </a:bodyPr>
           <a:lstStyle/>
@@ -1982,6 +1807,9 @@
               <a:buFont typeface="Arial"/>
               <a:buNone/>
             </a:pPr>
+            <a:r>
+              <a:t/>
+            </a:r>
             <a:endParaRPr>
               <a:solidFill>
                 <a:schemeClr val="dk1"/>
@@ -1995,6 +1823,9 @@
               </a:spcBef>
               <a:buNone/>
             </a:pPr>
+            <a:r>
+              <a:t/>
+            </a:r>
             <a:endParaRPr/>
           </a:p>
         </p:txBody>
@@ -2008,11 +1839,11 @@
 </file>
 
 <file path=ppt/notesSlides/notesSlide6.xml><?xml version="1.0" encoding="utf-8"?>
-<p:notes xmlns:a="http://schemas.openxmlformats.org/drawingml/2006/main" xmlns:r="http://schemas.openxmlformats.org/officeDocument/2006/relationships" xmlns:p="http://schemas.openxmlformats.org/presentationml/2006/main" showMasterSp="0" showMasterPhAnim="0">
+<p:notes xmlns:a="http://schemas.openxmlformats.org/drawingml/2006/main" xmlns:r="http://schemas.openxmlformats.org/officeDocument/2006/relationships" xmlns:mc="http://schemas.openxmlformats.org/markup-compatibility/2006" xmlns:mv="urn:schemas-microsoft-com:mac:vml" xmlns:p="http://schemas.openxmlformats.org/presentationml/2006/main" xmlns:c="http://schemas.openxmlformats.org/drawingml/2006/chart" xmlns:dgm="http://schemas.openxmlformats.org/drawingml/2006/diagram" xmlns:o="urn:schemas-microsoft-com:office:office" xmlns:v="urn:schemas-microsoft-com:vml" xmlns:pvml="urn:schemas-microsoft-com:office:powerpoint" xmlns:com="http://schemas.openxmlformats.org/drawingml/2006/compatibility" xmlns:p14="http://schemas.microsoft.com/office/powerpoint/2010/main" showMasterPhAnim="0" showMasterSp="0">
   <p:cSld>
     <p:spTree>
       <p:nvGrpSpPr>
-        <p:cNvPr id="1" name="Shape 68"/>
+        <p:cNvPr id="68" name="Shape 68"/>
         <p:cNvGrpSpPr/>
         <p:nvPr/>
       </p:nvGrpSpPr>
@@ -2027,11 +1858,9 @@
       <p:sp>
         <p:nvSpPr>
           <p:cNvPr id="69" name="Shape 69"/>
-          <p:cNvSpPr>
-            <a:spLocks noGrp="1" noRot="1" noChangeAspect="1"/>
-          </p:cNvSpPr>
+          <p:cNvSpPr/>
           <p:nvPr>
-            <p:ph type="sldImg" idx="2"/>
+            <p:ph idx="2" type="sldImg"/>
           </p:nvPr>
         </p:nvSpPr>
         <p:spPr>
@@ -2040,13 +1869,8 @@
             <a:ext cx="6096299" cy="3429000"/>
           </a:xfrm>
           <a:custGeom>
-            <a:avLst/>
-            <a:gdLst/>
-            <a:ahLst/>
-            <a:cxnLst/>
-            <a:rect l="0" t="0" r="0" b="0"/>
             <a:pathLst>
-              <a:path w="120000" h="120000" extrusionOk="0">
+              <a:path extrusionOk="0" h="120000" w="120000">
                 <a:moveTo>
                   <a:pt x="0" y="0"/>
                 </a:moveTo>
@@ -2064,25 +1888,23 @@
             </a:pathLst>
           </a:custGeom>
           <a:noFill/>
-          <a:ln w="9525" cap="flat" cmpd="sng">
+          <a:ln cap="flat" cmpd="sng" w="9525">
             <a:solidFill>
               <a:srgbClr val="000000"/>
             </a:solidFill>
             <a:prstDash val="solid"/>
             <a:round/>
-            <a:headEnd type="none" w="med" len="med"/>
-            <a:tailEnd type="none" w="med" len="med"/>
+            <a:headEnd len="med" w="med" type="none"/>
+            <a:tailEnd len="med" w="med" type="none"/>
           </a:ln>
         </p:spPr>
       </p:sp>
       <p:sp>
         <p:nvSpPr>
           <p:cNvPr id="70" name="Shape 70"/>
-          <p:cNvSpPr txBox="1">
-            <a:spLocks noGrp="1"/>
-          </p:cNvSpPr>
+          <p:cNvSpPr txBox="1"/>
           <p:nvPr>
-            <p:ph type="body" idx="1"/>
+            <p:ph idx="1" type="body"/>
           </p:nvPr>
         </p:nvSpPr>
         <p:spPr>
@@ -2095,7 +1917,7 @@
           </a:prstGeom>
         </p:spPr>
         <p:txBody>
-          <a:bodyPr lIns="91425" tIns="91425" rIns="91425" bIns="91425" anchor="t" anchorCtr="0">
+          <a:bodyPr anchorCtr="0" anchor="t" bIns="91425" lIns="91425" rIns="91425" tIns="91425">
             <a:noAutofit/>
           </a:bodyPr>
           <a:lstStyle/>
@@ -2106,6 +1928,9 @@
               </a:spcBef>
               <a:buNone/>
             </a:pPr>
+            <a:r>
+              <a:t/>
+            </a:r>
             <a:endParaRPr/>
           </a:p>
         </p:txBody>
@@ -2119,11 +1944,11 @@
 </file>
 
 <file path=ppt/notesSlides/notesSlide7.xml><?xml version="1.0" encoding="utf-8"?>
-<p:notes xmlns:a="http://schemas.openxmlformats.org/drawingml/2006/main" xmlns:r="http://schemas.openxmlformats.org/officeDocument/2006/relationships" xmlns:p="http://schemas.openxmlformats.org/presentationml/2006/main" showMasterSp="0" showMasterPhAnim="0">
+<p:notes xmlns:a="http://schemas.openxmlformats.org/drawingml/2006/main" xmlns:r="http://schemas.openxmlformats.org/officeDocument/2006/relationships" xmlns:mc="http://schemas.openxmlformats.org/markup-compatibility/2006" xmlns:mv="urn:schemas-microsoft-com:mac:vml" xmlns:p="http://schemas.openxmlformats.org/presentationml/2006/main" xmlns:c="http://schemas.openxmlformats.org/drawingml/2006/chart" xmlns:dgm="http://schemas.openxmlformats.org/drawingml/2006/diagram" xmlns:o="urn:schemas-microsoft-com:office:office" xmlns:v="urn:schemas-microsoft-com:vml" xmlns:pvml="urn:schemas-microsoft-com:office:powerpoint" xmlns:com="http://schemas.openxmlformats.org/drawingml/2006/compatibility" xmlns:p14="http://schemas.microsoft.com/office/powerpoint/2010/main" showMasterPhAnim="0" showMasterSp="0">
   <p:cSld>
     <p:spTree>
       <p:nvGrpSpPr>
-        <p:cNvPr id="1" name="Shape 73"/>
+        <p:cNvPr id="73" name="Shape 73"/>
         <p:cNvGrpSpPr/>
         <p:nvPr/>
       </p:nvGrpSpPr>
@@ -2138,11 +1963,9 @@
       <p:sp>
         <p:nvSpPr>
           <p:cNvPr id="74" name="Shape 74"/>
-          <p:cNvSpPr>
-            <a:spLocks noGrp="1" noRot="1" noChangeAspect="1"/>
-          </p:cNvSpPr>
+          <p:cNvSpPr/>
           <p:nvPr>
-            <p:ph type="sldImg" idx="2"/>
+            <p:ph idx="2" type="sldImg"/>
           </p:nvPr>
         </p:nvSpPr>
         <p:spPr>
@@ -2151,13 +1974,8 @@
             <a:ext cx="6096299" cy="3429000"/>
           </a:xfrm>
           <a:custGeom>
-            <a:avLst/>
-            <a:gdLst/>
-            <a:ahLst/>
-            <a:cxnLst/>
-            <a:rect l="0" t="0" r="0" b="0"/>
             <a:pathLst>
-              <a:path w="120000" h="120000" extrusionOk="0">
+              <a:path extrusionOk="0" h="120000" w="120000">
                 <a:moveTo>
                   <a:pt x="0" y="0"/>
                 </a:moveTo>
@@ -2175,25 +1993,23 @@
             </a:pathLst>
           </a:custGeom>
           <a:noFill/>
-          <a:ln w="9525" cap="flat" cmpd="sng">
+          <a:ln cap="flat" cmpd="sng" w="9525">
             <a:solidFill>
               <a:srgbClr val="000000"/>
             </a:solidFill>
             <a:prstDash val="solid"/>
             <a:round/>
-            <a:headEnd type="none" w="med" len="med"/>
-            <a:tailEnd type="none" w="med" len="med"/>
+            <a:headEnd len="med" w="med" type="none"/>
+            <a:tailEnd len="med" w="med" type="none"/>
           </a:ln>
         </p:spPr>
       </p:sp>
       <p:sp>
         <p:nvSpPr>
           <p:cNvPr id="75" name="Shape 75"/>
-          <p:cNvSpPr txBox="1">
-            <a:spLocks noGrp="1"/>
-          </p:cNvSpPr>
+          <p:cNvSpPr txBox="1"/>
           <p:nvPr>
-            <p:ph type="body" idx="1"/>
+            <p:ph idx="1" type="body"/>
           </p:nvPr>
         </p:nvSpPr>
         <p:spPr>
@@ -2206,7 +2022,7 @@
           </a:prstGeom>
         </p:spPr>
         <p:txBody>
-          <a:bodyPr lIns="91425" tIns="91425" rIns="91425" bIns="91425" anchor="t" anchorCtr="0">
+          <a:bodyPr anchorCtr="0" anchor="t" bIns="91425" lIns="91425" rIns="91425" tIns="91425">
             <a:noAutofit/>
           </a:bodyPr>
           <a:lstStyle/>
@@ -2217,6 +2033,9 @@
               </a:spcBef>
               <a:buNone/>
             </a:pPr>
+            <a:r>
+              <a:t/>
+            </a:r>
             <a:endParaRPr/>
           </a:p>
         </p:txBody>
@@ -2230,11 +2049,11 @@
 </file>
 
 <file path=ppt/notesSlides/notesSlide8.xml><?xml version="1.0" encoding="utf-8"?>
-<p:notes xmlns:a="http://schemas.openxmlformats.org/drawingml/2006/main" xmlns:r="http://schemas.openxmlformats.org/officeDocument/2006/relationships" xmlns:p="http://schemas.openxmlformats.org/presentationml/2006/main" showMasterSp="0" showMasterPhAnim="0">
+<p:notes xmlns:a="http://schemas.openxmlformats.org/drawingml/2006/main" xmlns:r="http://schemas.openxmlformats.org/officeDocument/2006/relationships" xmlns:mc="http://schemas.openxmlformats.org/markup-compatibility/2006" xmlns:mv="urn:schemas-microsoft-com:mac:vml" xmlns:p="http://schemas.openxmlformats.org/presentationml/2006/main" xmlns:c="http://schemas.openxmlformats.org/drawingml/2006/chart" xmlns:dgm="http://schemas.openxmlformats.org/drawingml/2006/diagram" xmlns:o="urn:schemas-microsoft-com:office:office" xmlns:v="urn:schemas-microsoft-com:vml" xmlns:pvml="urn:schemas-microsoft-com:office:powerpoint" xmlns:com="http://schemas.openxmlformats.org/drawingml/2006/compatibility" xmlns:p14="http://schemas.microsoft.com/office/powerpoint/2010/main" showMasterPhAnim="0" showMasterSp="0">
   <p:cSld>
     <p:spTree>
       <p:nvGrpSpPr>
-        <p:cNvPr id="1" name="Shape 79"/>
+        <p:cNvPr id="79" name="Shape 79"/>
         <p:cNvGrpSpPr/>
         <p:nvPr/>
       </p:nvGrpSpPr>
@@ -2249,11 +2068,9 @@
       <p:sp>
         <p:nvSpPr>
           <p:cNvPr id="80" name="Shape 80"/>
-          <p:cNvSpPr>
-            <a:spLocks noGrp="1" noRot="1" noChangeAspect="1"/>
-          </p:cNvSpPr>
+          <p:cNvSpPr/>
           <p:nvPr>
-            <p:ph type="sldImg" idx="2"/>
+            <p:ph idx="2" type="sldImg"/>
           </p:nvPr>
         </p:nvSpPr>
         <p:spPr>
@@ -2262,13 +2079,8 @@
             <a:ext cx="6096299" cy="3429000"/>
           </a:xfrm>
           <a:custGeom>
-            <a:avLst/>
-            <a:gdLst/>
-            <a:ahLst/>
-            <a:cxnLst/>
-            <a:rect l="0" t="0" r="0" b="0"/>
             <a:pathLst>
-              <a:path w="120000" h="120000" extrusionOk="0">
+              <a:path extrusionOk="0" h="120000" w="120000">
                 <a:moveTo>
                   <a:pt x="0" y="0"/>
                 </a:moveTo>
@@ -2286,25 +2098,23 @@
             </a:pathLst>
           </a:custGeom>
           <a:noFill/>
-          <a:ln w="9525" cap="flat" cmpd="sng">
+          <a:ln cap="flat" cmpd="sng" w="9525">
             <a:solidFill>
               <a:srgbClr val="000000"/>
             </a:solidFill>
             <a:prstDash val="solid"/>
             <a:round/>
-            <a:headEnd type="none" w="med" len="med"/>
-            <a:tailEnd type="none" w="med" len="med"/>
+            <a:headEnd len="med" w="med" type="none"/>
+            <a:tailEnd len="med" w="med" type="none"/>
           </a:ln>
         </p:spPr>
       </p:sp>
       <p:sp>
         <p:nvSpPr>
           <p:cNvPr id="81" name="Shape 81"/>
-          <p:cNvSpPr txBox="1">
-            <a:spLocks noGrp="1"/>
-          </p:cNvSpPr>
+          <p:cNvSpPr txBox="1"/>
           <p:nvPr>
-            <p:ph type="body" idx="1"/>
+            <p:ph idx="1" type="body"/>
           </p:nvPr>
         </p:nvSpPr>
         <p:spPr>
@@ -2317,7 +2127,7 @@
           </a:prstGeom>
         </p:spPr>
         <p:txBody>
-          <a:bodyPr lIns="91425" tIns="91425" rIns="91425" bIns="91425" anchor="t" anchorCtr="0">
+          <a:bodyPr anchorCtr="0" anchor="t" bIns="91425" lIns="91425" rIns="91425" tIns="91425">
             <a:noAutofit/>
           </a:bodyPr>
           <a:lstStyle/>
@@ -2335,6 +2145,9 @@
               <a:buFont typeface="Arial"/>
               <a:buNone/>
             </a:pPr>
+            <a:r>
+              <a:t/>
+            </a:r>
             <a:endParaRPr>
               <a:solidFill>
                 <a:schemeClr val="dk1"/>
@@ -2348,6 +2161,9 @@
               </a:spcBef>
               <a:buNone/>
             </a:pPr>
+            <a:r>
+              <a:t/>
+            </a:r>
             <a:endParaRPr/>
           </a:p>
         </p:txBody>
@@ -2361,11 +2177,11 @@
 </file>
 
 <file path=ppt/notesSlides/notesSlide9.xml><?xml version="1.0" encoding="utf-8"?>
-<p:notes xmlns:a="http://schemas.openxmlformats.org/drawingml/2006/main" xmlns:r="http://schemas.openxmlformats.org/officeDocument/2006/relationships" xmlns:p="http://schemas.openxmlformats.org/presentationml/2006/main" showMasterSp="0" showMasterPhAnim="0">
+<p:notes xmlns:a="http://schemas.openxmlformats.org/drawingml/2006/main" xmlns:r="http://schemas.openxmlformats.org/officeDocument/2006/relationships" xmlns:mc="http://schemas.openxmlformats.org/markup-compatibility/2006" xmlns:mv="urn:schemas-microsoft-com:mac:vml" xmlns:p="http://schemas.openxmlformats.org/presentationml/2006/main" xmlns:c="http://schemas.openxmlformats.org/drawingml/2006/chart" xmlns:dgm="http://schemas.openxmlformats.org/drawingml/2006/diagram" xmlns:o="urn:schemas-microsoft-com:office:office" xmlns:v="urn:schemas-microsoft-com:vml" xmlns:pvml="urn:schemas-microsoft-com:office:powerpoint" xmlns:com="http://schemas.openxmlformats.org/drawingml/2006/compatibility" xmlns:p14="http://schemas.microsoft.com/office/powerpoint/2010/main" showMasterPhAnim="0" showMasterSp="0">
   <p:cSld>
     <p:spTree>
       <p:nvGrpSpPr>
-        <p:cNvPr id="1" name="Shape 85"/>
+        <p:cNvPr id="85" name="Shape 85"/>
         <p:cNvGrpSpPr/>
         <p:nvPr/>
       </p:nvGrpSpPr>
@@ -2380,11 +2196,9 @@
       <p:sp>
         <p:nvSpPr>
           <p:cNvPr id="86" name="Shape 86"/>
-          <p:cNvSpPr>
-            <a:spLocks noGrp="1" noRot="1" noChangeAspect="1"/>
-          </p:cNvSpPr>
+          <p:cNvSpPr/>
           <p:nvPr>
-            <p:ph type="sldImg" idx="2"/>
+            <p:ph idx="2" type="sldImg"/>
           </p:nvPr>
         </p:nvSpPr>
         <p:spPr>
@@ -2393,13 +2207,8 @@
             <a:ext cx="6096299" cy="3429000"/>
           </a:xfrm>
           <a:custGeom>
-            <a:avLst/>
-            <a:gdLst/>
-            <a:ahLst/>
-            <a:cxnLst/>
-            <a:rect l="0" t="0" r="0" b="0"/>
             <a:pathLst>
-              <a:path w="120000" h="120000" extrusionOk="0">
+              <a:path extrusionOk="0" h="120000" w="120000">
                 <a:moveTo>
                   <a:pt x="0" y="0"/>
                 </a:moveTo>
@@ -2417,25 +2226,23 @@
             </a:pathLst>
           </a:custGeom>
           <a:noFill/>
-          <a:ln w="9525" cap="flat" cmpd="sng">
+          <a:ln cap="flat" cmpd="sng" w="9525">
             <a:solidFill>
               <a:srgbClr val="000000"/>
             </a:solidFill>
             <a:prstDash val="solid"/>
             <a:round/>
-            <a:headEnd type="none" w="med" len="med"/>
-            <a:tailEnd type="none" w="med" len="med"/>
+            <a:headEnd len="med" w="med" type="none"/>
+            <a:tailEnd len="med" w="med" type="none"/>
           </a:ln>
         </p:spPr>
       </p:sp>
       <p:sp>
         <p:nvSpPr>
           <p:cNvPr id="87" name="Shape 87"/>
-          <p:cNvSpPr txBox="1">
-            <a:spLocks noGrp="1"/>
-          </p:cNvSpPr>
+          <p:cNvSpPr txBox="1"/>
           <p:nvPr>
-            <p:ph type="body" idx="1"/>
+            <p:ph idx="1" type="body"/>
           </p:nvPr>
         </p:nvSpPr>
         <p:spPr>
@@ -2448,7 +2255,7 @@
           </a:prstGeom>
         </p:spPr>
         <p:txBody>
-          <a:bodyPr lIns="91425" tIns="91425" rIns="91425" bIns="91425" anchor="t" anchorCtr="0">
+          <a:bodyPr anchorCtr="0" anchor="t" bIns="91425" lIns="91425" rIns="91425" tIns="91425">
             <a:noAutofit/>
           </a:bodyPr>
           <a:lstStyle/>
@@ -2466,6 +2273,9 @@
               <a:buFont typeface="Arial"/>
               <a:buNone/>
             </a:pPr>
+            <a:r>
+              <a:t/>
+            </a:r>
             <a:endParaRPr>
               <a:solidFill>
                 <a:schemeClr val="dk1"/>
@@ -2479,6 +2289,9 @@
               </a:spcBef>
               <a:buNone/>
             </a:pPr>
+            <a:r>
+              <a:t/>
+            </a:r>
             <a:endParaRPr/>
           </a:p>
         </p:txBody>
@@ -2492,19 +2305,18 @@
 </file>
 
 <file path=ppt/slideLayouts/slideLayout1.xml><?xml version="1.0" encoding="utf-8"?>
-<p:sldLayout xmlns:a="http://schemas.openxmlformats.org/drawingml/2006/main" xmlns:r="http://schemas.openxmlformats.org/officeDocument/2006/relationships" xmlns:p="http://schemas.openxmlformats.org/presentationml/2006/main" type="title">
+<p:sldLayout xmlns:a="http://schemas.openxmlformats.org/drawingml/2006/main" xmlns:r="http://schemas.openxmlformats.org/officeDocument/2006/relationships" xmlns:mc="http://schemas.openxmlformats.org/markup-compatibility/2006" xmlns:mv="urn:schemas-microsoft-com:mac:vml" xmlns:p="http://schemas.openxmlformats.org/presentationml/2006/main" xmlns:c="http://schemas.openxmlformats.org/drawingml/2006/chart" xmlns:dgm="http://schemas.openxmlformats.org/drawingml/2006/diagram" xmlns:o="urn:schemas-microsoft-com:office:office" xmlns:v="urn:schemas-microsoft-com:vml" xmlns:pvml="urn:schemas-microsoft-com:office:powerpoint" xmlns:com="http://schemas.openxmlformats.org/drawingml/2006/compatibility" xmlns:p14="http://schemas.microsoft.com/office/powerpoint/2010/main" type="title">
   <p:cSld name="Title slide">
     <p:bg>
       <p:bgPr>
         <a:solidFill>
           <a:srgbClr val="999999"/>
         </a:solidFill>
-        <a:effectLst/>
       </p:bgPr>
     </p:bg>
     <p:spTree>
       <p:nvGrpSpPr>
-        <p:cNvPr id="1" name="Shape 7"/>
+        <p:cNvPr id="7" name="Shape 7"/>
         <p:cNvGrpSpPr/>
         <p:nvPr/>
       </p:nvGrpSpPr>
@@ -2519,9 +2331,7 @@
       <p:sp>
         <p:nvSpPr>
           <p:cNvPr id="8" name="Shape 8"/>
-          <p:cNvSpPr txBox="1">
-            <a:spLocks noGrp="1"/>
-          </p:cNvSpPr>
+          <p:cNvSpPr txBox="1"/>
           <p:nvPr>
             <p:ph type="title"/>
           </p:nvPr>
@@ -2536,9 +2346,9 @@
           </a:prstGeom>
         </p:spPr>
         <p:txBody>
-          <a:bodyPr lIns="91425" tIns="91425" rIns="91425" bIns="91425" anchor="b" anchorCtr="0"/>
+          <a:bodyPr anchorCtr="0" anchor="b" bIns="91425" lIns="91425" rIns="91425" tIns="91425"/>
           <a:lstStyle>
-            <a:lvl1pPr algn="ctr" rtl="0">
+            <a:lvl1pPr rtl="0" algn="ctr">
               <a:spcBef>
                 <a:spcPts val="0"/>
               </a:spcBef>
@@ -2642,9 +2452,7 @@
               </a:defRPr>
             </a:lvl9pPr>
           </a:lstStyle>
-          <a:p>
-            <a:endParaRPr/>
-          </a:p>
+          <a:p/>
         </p:txBody>
       </p:sp>
     </p:spTree>
@@ -2656,11 +2464,11 @@
 </file>
 
 <file path=ppt/slideLayouts/slideLayout10.xml><?xml version="1.0" encoding="utf-8"?>
-<p:sldLayout xmlns:a="http://schemas.openxmlformats.org/drawingml/2006/main" xmlns:r="http://schemas.openxmlformats.org/officeDocument/2006/relationships" xmlns:p="http://schemas.openxmlformats.org/presentationml/2006/main" type="tx">
+<p:sldLayout xmlns:a="http://schemas.openxmlformats.org/drawingml/2006/main" xmlns:r="http://schemas.openxmlformats.org/officeDocument/2006/relationships" xmlns:mc="http://schemas.openxmlformats.org/markup-compatibility/2006" xmlns:mv="urn:schemas-microsoft-com:mac:vml" xmlns:p="http://schemas.openxmlformats.org/presentationml/2006/main" xmlns:c="http://schemas.openxmlformats.org/drawingml/2006/chart" xmlns:dgm="http://schemas.openxmlformats.org/drawingml/2006/diagram" xmlns:o="urn:schemas-microsoft-com:office:office" xmlns:v="urn:schemas-microsoft-com:vml" xmlns:pvml="urn:schemas-microsoft-com:office:powerpoint" xmlns:com="http://schemas.openxmlformats.org/drawingml/2006/compatibility" xmlns:p14="http://schemas.microsoft.com/office/powerpoint/2010/main" type="tx">
   <p:cSld name="Title and body">
     <p:spTree>
       <p:nvGrpSpPr>
-        <p:cNvPr id="1" name="Shape 161"/>
+        <p:cNvPr id="161" name="Shape 161"/>
         <p:cNvGrpSpPr/>
         <p:nvPr/>
       </p:nvGrpSpPr>
@@ -2675,9 +2483,7 @@
       <p:sp>
         <p:nvSpPr>
           <p:cNvPr id="162" name="Shape 162"/>
-          <p:cNvSpPr txBox="1">
-            <a:spLocks noGrp="1"/>
-          </p:cNvSpPr>
+          <p:cNvSpPr txBox="1"/>
           <p:nvPr>
             <p:ph type="title"/>
           </p:nvPr>
@@ -2692,7 +2498,7 @@
           </a:prstGeom>
         </p:spPr>
         <p:txBody>
-          <a:bodyPr lIns="91425" tIns="91425" rIns="91425" bIns="91425" anchor="b" anchorCtr="0"/>
+          <a:bodyPr anchorCtr="0" anchor="b" bIns="91425" lIns="91425" rIns="91425" tIns="91425"/>
           <a:lstStyle>
             <a:lvl1pPr>
               <a:spcBef>
@@ -2749,19 +2555,15 @@
               <a:defRPr/>
             </a:lvl9pPr>
           </a:lstStyle>
-          <a:p>
-            <a:endParaRPr/>
-          </a:p>
+          <a:p/>
         </p:txBody>
       </p:sp>
       <p:sp>
         <p:nvSpPr>
           <p:cNvPr id="163" name="Shape 163"/>
-          <p:cNvSpPr txBox="1">
-            <a:spLocks noGrp="1"/>
-          </p:cNvSpPr>
+          <p:cNvSpPr txBox="1"/>
           <p:nvPr>
-            <p:ph type="body" idx="1"/>
+            <p:ph idx="1" type="body"/>
           </p:nvPr>
         </p:nvSpPr>
         <p:spPr>
@@ -2774,7 +2576,7 @@
           </a:prstGeom>
         </p:spPr>
         <p:txBody>
-          <a:bodyPr lIns="91425" tIns="91425" rIns="91425" bIns="91425" anchor="t" anchorCtr="0"/>
+          <a:bodyPr anchorCtr="0" anchor="t" bIns="91425" lIns="91425" rIns="91425" tIns="91425"/>
           <a:lstStyle>
             <a:lvl1pPr>
               <a:spcBef>
@@ -2831,19 +2633,15 @@
               <a:defRPr/>
             </a:lvl9pPr>
           </a:lstStyle>
-          <a:p>
-            <a:endParaRPr/>
-          </a:p>
+          <a:p/>
         </p:txBody>
       </p:sp>
       <p:sp>
         <p:nvSpPr>
           <p:cNvPr id="164" name="Shape 164"/>
-          <p:cNvSpPr txBox="1">
-            <a:spLocks noGrp="1"/>
-          </p:cNvSpPr>
+          <p:cNvSpPr txBox="1"/>
           <p:nvPr>
-            <p:ph type="sldNum" idx="12"/>
+            <p:ph idx="12" type="sldNum"/>
           </p:nvPr>
         </p:nvSpPr>
         <p:spPr>
@@ -2856,7 +2654,7 @@
           </a:prstGeom>
         </p:spPr>
         <p:txBody>
-          <a:bodyPr lIns="91425" tIns="91425" rIns="91425" bIns="91425" anchor="ctr" anchorCtr="0">
+          <a:bodyPr anchorCtr="0" anchor="ctr" bIns="91425" lIns="91425" rIns="91425" tIns="91425">
             <a:noAutofit/>
           </a:bodyPr>
           <a:lstStyle/>
@@ -2871,7 +2669,6 @@
               <a:rPr lang="en"/>
               <a:t>‹#›</a:t>
             </a:fld>
-            <a:endParaRPr lang="en"/>
           </a:p>
         </p:txBody>
       </p:sp>
@@ -2884,11 +2681,11 @@
 </file>
 
 <file path=ppt/slideLayouts/slideLayout11.xml><?xml version="1.0" encoding="utf-8"?>
-<p:sldLayout xmlns:a="http://schemas.openxmlformats.org/drawingml/2006/main" xmlns:r="http://schemas.openxmlformats.org/officeDocument/2006/relationships" xmlns:p="http://schemas.openxmlformats.org/presentationml/2006/main" type="twoColTx">
+<p:sldLayout xmlns:a="http://schemas.openxmlformats.org/drawingml/2006/main" xmlns:r="http://schemas.openxmlformats.org/officeDocument/2006/relationships" xmlns:mc="http://schemas.openxmlformats.org/markup-compatibility/2006" xmlns:mv="urn:schemas-microsoft-com:mac:vml" xmlns:p="http://schemas.openxmlformats.org/presentationml/2006/main" xmlns:c="http://schemas.openxmlformats.org/drawingml/2006/chart" xmlns:dgm="http://schemas.openxmlformats.org/drawingml/2006/diagram" xmlns:o="urn:schemas-microsoft-com:office:office" xmlns:v="urn:schemas-microsoft-com:vml" xmlns:pvml="urn:schemas-microsoft-com:office:powerpoint" xmlns:com="http://schemas.openxmlformats.org/drawingml/2006/compatibility" xmlns:p14="http://schemas.microsoft.com/office/powerpoint/2010/main" type="twoColTx">
   <p:cSld name="Title and two columns">
     <p:spTree>
       <p:nvGrpSpPr>
-        <p:cNvPr id="1" name="Shape 165"/>
+        <p:cNvPr id="165" name="Shape 165"/>
         <p:cNvGrpSpPr/>
         <p:nvPr/>
       </p:nvGrpSpPr>
@@ -2903,9 +2700,7 @@
       <p:sp>
         <p:nvSpPr>
           <p:cNvPr id="166" name="Shape 166"/>
-          <p:cNvSpPr txBox="1">
-            <a:spLocks noGrp="1"/>
-          </p:cNvSpPr>
+          <p:cNvSpPr txBox="1"/>
           <p:nvPr>
             <p:ph type="title"/>
           </p:nvPr>
@@ -2920,7 +2715,7 @@
           </a:prstGeom>
         </p:spPr>
         <p:txBody>
-          <a:bodyPr lIns="91425" tIns="91425" rIns="91425" bIns="91425" anchor="b" anchorCtr="0"/>
+          <a:bodyPr anchorCtr="0" anchor="b" bIns="91425" lIns="91425" rIns="91425" tIns="91425"/>
           <a:lstStyle>
             <a:lvl1pPr>
               <a:spcBef>
@@ -2977,19 +2772,15 @@
               <a:defRPr/>
             </a:lvl9pPr>
           </a:lstStyle>
-          <a:p>
-            <a:endParaRPr/>
-          </a:p>
+          <a:p/>
         </p:txBody>
       </p:sp>
       <p:sp>
         <p:nvSpPr>
           <p:cNvPr id="167" name="Shape 167"/>
-          <p:cNvSpPr txBox="1">
-            <a:spLocks noGrp="1"/>
-          </p:cNvSpPr>
+          <p:cNvSpPr txBox="1"/>
           <p:nvPr>
-            <p:ph type="body" idx="1"/>
+            <p:ph idx="1" type="body"/>
           </p:nvPr>
         </p:nvSpPr>
         <p:spPr>
@@ -3002,7 +2793,7 @@
           </a:prstGeom>
         </p:spPr>
         <p:txBody>
-          <a:bodyPr lIns="91425" tIns="91425" rIns="91425" bIns="91425" anchor="t" anchorCtr="0"/>
+          <a:bodyPr anchorCtr="0" anchor="t" bIns="91425" lIns="91425" rIns="91425" tIns="91425"/>
           <a:lstStyle>
             <a:lvl1pPr>
               <a:spcBef>
@@ -3059,19 +2850,15 @@
               <a:defRPr/>
             </a:lvl9pPr>
           </a:lstStyle>
-          <a:p>
-            <a:endParaRPr/>
-          </a:p>
+          <a:p/>
         </p:txBody>
       </p:sp>
       <p:sp>
         <p:nvSpPr>
           <p:cNvPr id="168" name="Shape 168"/>
-          <p:cNvSpPr txBox="1">
-            <a:spLocks noGrp="1"/>
-          </p:cNvSpPr>
+          <p:cNvSpPr txBox="1"/>
           <p:nvPr>
-            <p:ph type="body" idx="2"/>
+            <p:ph idx="2" type="body"/>
           </p:nvPr>
         </p:nvSpPr>
         <p:spPr>
@@ -3084,7 +2871,7 @@
           </a:prstGeom>
         </p:spPr>
         <p:txBody>
-          <a:bodyPr lIns="91425" tIns="91425" rIns="91425" bIns="91425" anchor="t" anchorCtr="0"/>
+          <a:bodyPr anchorCtr="0" anchor="t" bIns="91425" lIns="91425" rIns="91425" tIns="91425"/>
           <a:lstStyle>
             <a:lvl1pPr>
               <a:spcBef>
@@ -3141,19 +2928,15 @@
               <a:defRPr/>
             </a:lvl9pPr>
           </a:lstStyle>
-          <a:p>
-            <a:endParaRPr/>
-          </a:p>
+          <a:p/>
         </p:txBody>
       </p:sp>
       <p:sp>
         <p:nvSpPr>
           <p:cNvPr id="169" name="Shape 169"/>
-          <p:cNvSpPr txBox="1">
-            <a:spLocks noGrp="1"/>
-          </p:cNvSpPr>
+          <p:cNvSpPr txBox="1"/>
           <p:nvPr>
-            <p:ph type="sldNum" idx="12"/>
+            <p:ph idx="12" type="sldNum"/>
           </p:nvPr>
         </p:nvSpPr>
         <p:spPr>
@@ -3166,7 +2949,7 @@
           </a:prstGeom>
         </p:spPr>
         <p:txBody>
-          <a:bodyPr lIns="91425" tIns="91425" rIns="91425" bIns="91425" anchor="ctr" anchorCtr="0">
+          <a:bodyPr anchorCtr="0" anchor="ctr" bIns="91425" lIns="91425" rIns="91425" tIns="91425">
             <a:noAutofit/>
           </a:bodyPr>
           <a:lstStyle/>
@@ -3181,7 +2964,6 @@
               <a:rPr lang="en"/>
               <a:t>‹#›</a:t>
             </a:fld>
-            <a:endParaRPr lang="en"/>
           </a:p>
         </p:txBody>
       </p:sp>
@@ -3194,11 +2976,11 @@
 </file>
 
 <file path=ppt/slideLayouts/slideLayout12.xml><?xml version="1.0" encoding="utf-8"?>
-<p:sldLayout xmlns:a="http://schemas.openxmlformats.org/drawingml/2006/main" xmlns:r="http://schemas.openxmlformats.org/officeDocument/2006/relationships" xmlns:p="http://schemas.openxmlformats.org/presentationml/2006/main" type="titleOnly">
+<p:sldLayout xmlns:a="http://schemas.openxmlformats.org/drawingml/2006/main" xmlns:r="http://schemas.openxmlformats.org/officeDocument/2006/relationships" xmlns:mc="http://schemas.openxmlformats.org/markup-compatibility/2006" xmlns:mv="urn:schemas-microsoft-com:mac:vml" xmlns:p="http://schemas.openxmlformats.org/presentationml/2006/main" xmlns:c="http://schemas.openxmlformats.org/drawingml/2006/chart" xmlns:dgm="http://schemas.openxmlformats.org/drawingml/2006/diagram" xmlns:o="urn:schemas-microsoft-com:office:office" xmlns:v="urn:schemas-microsoft-com:vml" xmlns:pvml="urn:schemas-microsoft-com:office:powerpoint" xmlns:com="http://schemas.openxmlformats.org/drawingml/2006/compatibility" xmlns:p14="http://schemas.microsoft.com/office/powerpoint/2010/main" type="titleOnly">
   <p:cSld name="Title only">
     <p:spTree>
       <p:nvGrpSpPr>
-        <p:cNvPr id="1" name="Shape 170"/>
+        <p:cNvPr id="170" name="Shape 170"/>
         <p:cNvGrpSpPr/>
         <p:nvPr/>
       </p:nvGrpSpPr>
@@ -3213,9 +2995,7 @@
       <p:sp>
         <p:nvSpPr>
           <p:cNvPr id="171" name="Shape 171"/>
-          <p:cNvSpPr txBox="1">
-            <a:spLocks noGrp="1"/>
-          </p:cNvSpPr>
+          <p:cNvSpPr txBox="1"/>
           <p:nvPr>
             <p:ph type="title"/>
           </p:nvPr>
@@ -3230,7 +3010,7 @@
           </a:prstGeom>
         </p:spPr>
         <p:txBody>
-          <a:bodyPr lIns="91425" tIns="91425" rIns="91425" bIns="91425" anchor="b" anchorCtr="0"/>
+          <a:bodyPr anchorCtr="0" anchor="b" bIns="91425" lIns="91425" rIns="91425" tIns="91425"/>
           <a:lstStyle>
             <a:lvl1pPr>
               <a:spcBef>
@@ -3287,19 +3067,15 @@
               <a:defRPr/>
             </a:lvl9pPr>
           </a:lstStyle>
-          <a:p>
-            <a:endParaRPr/>
-          </a:p>
+          <a:p/>
         </p:txBody>
       </p:sp>
       <p:sp>
         <p:nvSpPr>
           <p:cNvPr id="172" name="Shape 172"/>
-          <p:cNvSpPr txBox="1">
-            <a:spLocks noGrp="1"/>
-          </p:cNvSpPr>
+          <p:cNvSpPr txBox="1"/>
           <p:nvPr>
-            <p:ph type="sldNum" idx="12"/>
+            <p:ph idx="12" type="sldNum"/>
           </p:nvPr>
         </p:nvSpPr>
         <p:spPr>
@@ -3312,7 +3088,7 @@
           </a:prstGeom>
         </p:spPr>
         <p:txBody>
-          <a:bodyPr lIns="91425" tIns="91425" rIns="91425" bIns="91425" anchor="ctr" anchorCtr="0">
+          <a:bodyPr anchorCtr="0" anchor="ctr" bIns="91425" lIns="91425" rIns="91425" tIns="91425">
             <a:noAutofit/>
           </a:bodyPr>
           <a:lstStyle/>
@@ -3327,7 +3103,6 @@
               <a:rPr lang="en"/>
               <a:t>‹#›</a:t>
             </a:fld>
-            <a:endParaRPr lang="en"/>
           </a:p>
         </p:txBody>
       </p:sp>
@@ -3340,11 +3115,11 @@
 </file>
 
 <file path=ppt/slideLayouts/slideLayout13.xml><?xml version="1.0" encoding="utf-8"?>
-<p:sldLayout xmlns:a="http://schemas.openxmlformats.org/drawingml/2006/main" xmlns:r="http://schemas.openxmlformats.org/officeDocument/2006/relationships" xmlns:p="http://schemas.openxmlformats.org/presentationml/2006/main">
+<p:sldLayout xmlns:a="http://schemas.openxmlformats.org/drawingml/2006/main" xmlns:r="http://schemas.openxmlformats.org/officeDocument/2006/relationships" xmlns:mc="http://schemas.openxmlformats.org/markup-compatibility/2006" xmlns:mv="urn:schemas-microsoft-com:mac:vml" xmlns:p="http://schemas.openxmlformats.org/presentationml/2006/main" xmlns:c="http://schemas.openxmlformats.org/drawingml/2006/chart" xmlns:dgm="http://schemas.openxmlformats.org/drawingml/2006/diagram" xmlns:o="urn:schemas-microsoft-com:office:office" xmlns:v="urn:schemas-microsoft-com:vml" xmlns:pvml="urn:schemas-microsoft-com:office:powerpoint" xmlns:com="http://schemas.openxmlformats.org/drawingml/2006/compatibility" xmlns:p14="http://schemas.microsoft.com/office/powerpoint/2010/main">
   <p:cSld name="Caption">
     <p:spTree>
       <p:nvGrpSpPr>
-        <p:cNvPr id="1" name="Shape 173"/>
+        <p:cNvPr id="173" name="Shape 173"/>
         <p:cNvGrpSpPr/>
         <p:nvPr/>
       </p:nvGrpSpPr>
@@ -3359,11 +3134,9 @@
       <p:sp>
         <p:nvSpPr>
           <p:cNvPr id="174" name="Shape 174"/>
-          <p:cNvSpPr txBox="1">
-            <a:spLocks noGrp="1"/>
-          </p:cNvSpPr>
+          <p:cNvSpPr txBox="1"/>
           <p:nvPr>
-            <p:ph type="body" idx="1"/>
+            <p:ph idx="1" type="body"/>
           </p:nvPr>
         </p:nvSpPr>
         <p:spPr>
@@ -3376,7 +3149,7 @@
           </a:prstGeom>
         </p:spPr>
         <p:txBody>
-          <a:bodyPr lIns="91425" tIns="91425" rIns="91425" bIns="91425" anchor="t" anchorCtr="0"/>
+          <a:bodyPr anchorCtr="0" anchor="t" bIns="91425" lIns="91425" rIns="91425" tIns="91425"/>
           <a:lstStyle>
             <a:lvl1pPr algn="ctr">
               <a:spcBef>
@@ -3387,19 +3160,15 @@
               <a:defRPr sz="1800"/>
             </a:lvl1pPr>
           </a:lstStyle>
-          <a:p>
-            <a:endParaRPr/>
-          </a:p>
+          <a:p/>
         </p:txBody>
       </p:sp>
       <p:sp>
         <p:nvSpPr>
           <p:cNvPr id="175" name="Shape 175"/>
-          <p:cNvSpPr txBox="1">
-            <a:spLocks noGrp="1"/>
-          </p:cNvSpPr>
+          <p:cNvSpPr txBox="1"/>
           <p:nvPr>
-            <p:ph type="sldNum" idx="12"/>
+            <p:ph idx="12" type="sldNum"/>
           </p:nvPr>
         </p:nvSpPr>
         <p:spPr>
@@ -3412,7 +3181,7 @@
           </a:prstGeom>
         </p:spPr>
         <p:txBody>
-          <a:bodyPr lIns="91425" tIns="91425" rIns="91425" bIns="91425" anchor="ctr" anchorCtr="0">
+          <a:bodyPr anchorCtr="0" anchor="ctr" bIns="91425" lIns="91425" rIns="91425" tIns="91425">
             <a:noAutofit/>
           </a:bodyPr>
           <a:lstStyle/>
@@ -3427,7 +3196,6 @@
               <a:rPr lang="en"/>
               <a:t>‹#›</a:t>
             </a:fld>
-            <a:endParaRPr lang="en"/>
           </a:p>
         </p:txBody>
       </p:sp>
@@ -3440,11 +3208,11 @@
 </file>
 
 <file path=ppt/slideLayouts/slideLayout14.xml><?xml version="1.0" encoding="utf-8"?>
-<p:sldLayout xmlns:a="http://schemas.openxmlformats.org/drawingml/2006/main" xmlns:r="http://schemas.openxmlformats.org/officeDocument/2006/relationships" xmlns:p="http://schemas.openxmlformats.org/presentationml/2006/main" type="blank">
+<p:sldLayout xmlns:a="http://schemas.openxmlformats.org/drawingml/2006/main" xmlns:r="http://schemas.openxmlformats.org/officeDocument/2006/relationships" xmlns:mc="http://schemas.openxmlformats.org/markup-compatibility/2006" xmlns:mv="urn:schemas-microsoft-com:mac:vml" xmlns:p="http://schemas.openxmlformats.org/presentationml/2006/main" xmlns:c="http://schemas.openxmlformats.org/drawingml/2006/chart" xmlns:dgm="http://schemas.openxmlformats.org/drawingml/2006/diagram" xmlns:o="urn:schemas-microsoft-com:office:office" xmlns:v="urn:schemas-microsoft-com:vml" xmlns:pvml="urn:schemas-microsoft-com:office:powerpoint" xmlns:com="http://schemas.openxmlformats.org/drawingml/2006/compatibility" xmlns:p14="http://schemas.microsoft.com/office/powerpoint/2010/main" type="blank">
   <p:cSld name="Blank">
     <p:spTree>
       <p:nvGrpSpPr>
-        <p:cNvPr id="1" name="Shape 176"/>
+        <p:cNvPr id="176" name="Shape 176"/>
         <p:cNvGrpSpPr/>
         <p:nvPr/>
       </p:nvGrpSpPr>
@@ -3459,11 +3227,9 @@
       <p:sp>
         <p:nvSpPr>
           <p:cNvPr id="177" name="Shape 177"/>
-          <p:cNvSpPr txBox="1">
-            <a:spLocks noGrp="1"/>
-          </p:cNvSpPr>
+          <p:cNvSpPr txBox="1"/>
           <p:nvPr>
-            <p:ph type="sldNum" idx="12"/>
+            <p:ph idx="12" type="sldNum"/>
           </p:nvPr>
         </p:nvSpPr>
         <p:spPr>
@@ -3476,7 +3242,7 @@
           </a:prstGeom>
         </p:spPr>
         <p:txBody>
-          <a:bodyPr lIns="91425" tIns="91425" rIns="91425" bIns="91425" anchor="ctr" anchorCtr="0">
+          <a:bodyPr anchorCtr="0" anchor="ctr" bIns="91425" lIns="91425" rIns="91425" tIns="91425">
             <a:noAutofit/>
           </a:bodyPr>
           <a:lstStyle/>
@@ -3491,7 +3257,6 @@
               <a:rPr lang="en"/>
               <a:t>‹#›</a:t>
             </a:fld>
-            <a:endParaRPr lang="en"/>
           </a:p>
         </p:txBody>
       </p:sp>
@@ -3504,11 +3269,11 @@
 </file>
 
 <file path=ppt/slideLayouts/slideLayout2.xml><?xml version="1.0" encoding="utf-8"?>
-<p:sldLayout xmlns:a="http://schemas.openxmlformats.org/drawingml/2006/main" xmlns:r="http://schemas.openxmlformats.org/officeDocument/2006/relationships" xmlns:p="http://schemas.openxmlformats.org/presentationml/2006/main" type="tx">
+<p:sldLayout xmlns:a="http://schemas.openxmlformats.org/drawingml/2006/main" xmlns:r="http://schemas.openxmlformats.org/officeDocument/2006/relationships" xmlns:mc="http://schemas.openxmlformats.org/markup-compatibility/2006" xmlns:mv="urn:schemas-microsoft-com:mac:vml" xmlns:p="http://schemas.openxmlformats.org/presentationml/2006/main" xmlns:c="http://schemas.openxmlformats.org/drawingml/2006/chart" xmlns:dgm="http://schemas.openxmlformats.org/drawingml/2006/diagram" xmlns:o="urn:schemas-microsoft-com:office:office" xmlns:v="urn:schemas-microsoft-com:vml" xmlns:pvml="urn:schemas-microsoft-com:office:powerpoint" xmlns:com="http://schemas.openxmlformats.org/drawingml/2006/compatibility" xmlns:p14="http://schemas.microsoft.com/office/powerpoint/2010/main" type="tx">
   <p:cSld name="Title and body">
     <p:spTree>
       <p:nvGrpSpPr>
-        <p:cNvPr id="1" name="Shape 9"/>
+        <p:cNvPr id="9" name="Shape 9"/>
         <p:cNvGrpSpPr/>
         <p:nvPr/>
       </p:nvGrpSpPr>
@@ -3523,9 +3288,7 @@
       <p:sp>
         <p:nvSpPr>
           <p:cNvPr id="10" name="Shape 10"/>
-          <p:cNvSpPr txBox="1">
-            <a:spLocks noGrp="1"/>
-          </p:cNvSpPr>
+          <p:cNvSpPr txBox="1"/>
           <p:nvPr>
             <p:ph type="title"/>
           </p:nvPr>
@@ -3543,7 +3306,7 @@
           </a:ln>
         </p:spPr>
         <p:txBody>
-          <a:bodyPr lIns="91425" tIns="91425" rIns="91425" bIns="91425" anchor="b" anchorCtr="0"/>
+          <a:bodyPr anchorCtr="0" anchor="b" bIns="91425" lIns="91425" rIns="91425" tIns="91425"/>
           <a:lstStyle>
             <a:lvl1pPr rtl="0">
               <a:spcBef>
@@ -3644,19 +3407,15 @@
               </a:defRPr>
             </a:lvl9pPr>
           </a:lstStyle>
-          <a:p>
-            <a:endParaRPr/>
-          </a:p>
+          <a:p/>
         </p:txBody>
       </p:sp>
       <p:sp>
         <p:nvSpPr>
           <p:cNvPr id="11" name="Shape 11"/>
-          <p:cNvSpPr txBox="1">
-            <a:spLocks noGrp="1"/>
-          </p:cNvSpPr>
+          <p:cNvSpPr txBox="1"/>
           <p:nvPr>
-            <p:ph type="body" idx="1"/>
+            <p:ph idx="1" type="body"/>
           </p:nvPr>
         </p:nvSpPr>
         <p:spPr>
@@ -3669,7 +3428,7 @@
           </a:prstGeom>
         </p:spPr>
         <p:txBody>
-          <a:bodyPr lIns="91425" tIns="91425" rIns="91425" bIns="91425" anchor="t" anchorCtr="0"/>
+          <a:bodyPr anchorCtr="0" anchor="t" bIns="91425" lIns="91425" rIns="91425" tIns="91425"/>
           <a:lstStyle>
             <a:lvl1pPr rtl="0">
               <a:spcBef>
@@ -3780,9 +3539,7 @@
               </a:defRPr>
             </a:lvl9pPr>
           </a:lstStyle>
-          <a:p>
-            <a:endParaRPr/>
-          </a:p>
+          <a:p/>
         </p:txBody>
       </p:sp>
       <p:cxnSp>
@@ -3800,14 +3557,14 @@
             <a:avLst/>
           </a:prstGeom>
           <a:noFill/>
-          <a:ln w="19050" cap="flat" cmpd="sng">
+          <a:ln cap="flat" cmpd="sng" w="19050">
             <a:solidFill>
               <a:srgbClr val="F6A800"/>
             </a:solidFill>
             <a:prstDash val="solid"/>
             <a:round/>
-            <a:headEnd type="none" w="med" len="med"/>
-            <a:tailEnd type="none" w="med" len="med"/>
+            <a:headEnd len="med" w="med" type="none"/>
+            <a:tailEnd len="med" w="med" type="none"/>
           </a:ln>
         </p:spPr>
       </p:cxnSp>
@@ -3820,11 +3577,11 @@
 </file>
 
 <file path=ppt/slideLayouts/slideLayout3.xml><?xml version="1.0" encoding="utf-8"?>
-<p:sldLayout xmlns:a="http://schemas.openxmlformats.org/drawingml/2006/main" xmlns:r="http://schemas.openxmlformats.org/officeDocument/2006/relationships" xmlns:p="http://schemas.openxmlformats.org/presentationml/2006/main">
+<p:sldLayout xmlns:a="http://schemas.openxmlformats.org/drawingml/2006/main" xmlns:r="http://schemas.openxmlformats.org/officeDocument/2006/relationships" xmlns:mc="http://schemas.openxmlformats.org/markup-compatibility/2006" xmlns:mv="urn:schemas-microsoft-com:mac:vml" xmlns:p="http://schemas.openxmlformats.org/presentationml/2006/main" xmlns:c="http://schemas.openxmlformats.org/drawingml/2006/chart" xmlns:dgm="http://schemas.openxmlformats.org/drawingml/2006/diagram" xmlns:o="urn:schemas-microsoft-com:office:office" xmlns:v="urn:schemas-microsoft-com:vml" xmlns:pvml="urn:schemas-microsoft-com:office:powerpoint" xmlns:com="http://schemas.openxmlformats.org/drawingml/2006/compatibility" xmlns:p14="http://schemas.microsoft.com/office/powerpoint/2010/main">
   <p:cSld name="TITLE_AND_BODY_1">
     <p:spTree>
       <p:nvGrpSpPr>
-        <p:cNvPr id="1" name="Shape 13"/>
+        <p:cNvPr id="13" name="Shape 13"/>
         <p:cNvGrpSpPr/>
         <p:nvPr/>
       </p:nvGrpSpPr>
@@ -3839,9 +3596,7 @@
       <p:sp>
         <p:nvSpPr>
           <p:cNvPr id="14" name="Shape 14"/>
-          <p:cNvSpPr txBox="1">
-            <a:spLocks noGrp="1"/>
-          </p:cNvSpPr>
+          <p:cNvSpPr txBox="1"/>
           <p:nvPr>
             <p:ph type="title"/>
           </p:nvPr>
@@ -3859,7 +3614,7 @@
           </a:ln>
         </p:spPr>
         <p:txBody>
-          <a:bodyPr lIns="91425" tIns="91425" rIns="91425" bIns="91425" anchor="b" anchorCtr="0"/>
+          <a:bodyPr anchorCtr="0" anchor="b" bIns="91425" lIns="91425" rIns="91425" tIns="91425"/>
           <a:lstStyle>
             <a:lvl1pPr rtl="0">
               <a:spcBef>
@@ -3960,19 +3715,15 @@
               </a:defRPr>
             </a:lvl9pPr>
           </a:lstStyle>
-          <a:p>
-            <a:endParaRPr/>
-          </a:p>
+          <a:p/>
         </p:txBody>
       </p:sp>
       <p:sp>
         <p:nvSpPr>
           <p:cNvPr id="15" name="Shape 15"/>
-          <p:cNvSpPr txBox="1">
-            <a:spLocks noGrp="1"/>
-          </p:cNvSpPr>
+          <p:cNvSpPr txBox="1"/>
           <p:nvPr>
-            <p:ph type="body" idx="1"/>
+            <p:ph idx="1" type="body"/>
           </p:nvPr>
         </p:nvSpPr>
         <p:spPr>
@@ -3985,7 +3736,7 @@
           </a:prstGeom>
         </p:spPr>
         <p:txBody>
-          <a:bodyPr lIns="91425" tIns="91425" rIns="91425" bIns="91425" anchor="t" anchorCtr="0"/>
+          <a:bodyPr anchorCtr="0" anchor="t" bIns="91425" lIns="91425" rIns="91425" tIns="91425"/>
           <a:lstStyle>
             <a:lvl1pPr rtl="0">
               <a:spcBef>
@@ -4096,9 +3847,7 @@
               </a:defRPr>
             </a:lvl9pPr>
           </a:lstStyle>
-          <a:p>
-            <a:endParaRPr/>
-          </a:p>
+          <a:p/>
         </p:txBody>
       </p:sp>
       <p:cxnSp>
@@ -4116,14 +3865,14 @@
             <a:avLst/>
           </a:prstGeom>
           <a:noFill/>
-          <a:ln w="19050" cap="flat" cmpd="sng">
+          <a:ln cap="flat" cmpd="sng" w="19050">
             <a:solidFill>
               <a:srgbClr val="B3B3B3"/>
             </a:solidFill>
             <a:prstDash val="solid"/>
             <a:round/>
-            <a:headEnd type="none" w="med" len="med"/>
-            <a:tailEnd type="none" w="med" len="med"/>
+            <a:headEnd len="med" w="med" type="none"/>
+            <a:tailEnd len="med" w="med" type="none"/>
           </a:ln>
         </p:spPr>
       </p:cxnSp>
@@ -4136,11 +3885,11 @@
 </file>
 
 <file path=ppt/slideLayouts/slideLayout4.xml><?xml version="1.0" encoding="utf-8"?>
-<p:sldLayout xmlns:a="http://schemas.openxmlformats.org/drawingml/2006/main" xmlns:r="http://schemas.openxmlformats.org/officeDocument/2006/relationships" xmlns:p="http://schemas.openxmlformats.org/presentationml/2006/main">
+<p:sldLayout xmlns:a="http://schemas.openxmlformats.org/drawingml/2006/main" xmlns:r="http://schemas.openxmlformats.org/officeDocument/2006/relationships" xmlns:mc="http://schemas.openxmlformats.org/markup-compatibility/2006" xmlns:mv="urn:schemas-microsoft-com:mac:vml" xmlns:p="http://schemas.openxmlformats.org/presentationml/2006/main" xmlns:c="http://schemas.openxmlformats.org/drawingml/2006/chart" xmlns:dgm="http://schemas.openxmlformats.org/drawingml/2006/diagram" xmlns:o="urn:schemas-microsoft-com:office:office" xmlns:v="urn:schemas-microsoft-com:vml" xmlns:pvml="urn:schemas-microsoft-com:office:powerpoint" xmlns:com="http://schemas.openxmlformats.org/drawingml/2006/compatibility" xmlns:p14="http://schemas.microsoft.com/office/powerpoint/2010/main">
   <p:cSld name="TITLE_AND_BODY_1_1">
     <p:spTree>
       <p:nvGrpSpPr>
-        <p:cNvPr id="1" name="Shape 17"/>
+        <p:cNvPr id="17" name="Shape 17"/>
         <p:cNvGrpSpPr/>
         <p:nvPr/>
       </p:nvGrpSpPr>
@@ -4155,9 +3904,7 @@
       <p:sp>
         <p:nvSpPr>
           <p:cNvPr id="18" name="Shape 18"/>
-          <p:cNvSpPr txBox="1">
-            <a:spLocks noGrp="1"/>
-          </p:cNvSpPr>
+          <p:cNvSpPr txBox="1"/>
           <p:nvPr>
             <p:ph type="title"/>
           </p:nvPr>
@@ -4175,7 +3922,7 @@
           </a:ln>
         </p:spPr>
         <p:txBody>
-          <a:bodyPr lIns="91425" tIns="91425" rIns="91425" bIns="91425" anchor="b" anchorCtr="0"/>
+          <a:bodyPr anchorCtr="0" anchor="b" bIns="91425" lIns="91425" rIns="91425" tIns="91425"/>
           <a:lstStyle>
             <a:lvl1pPr rtl="0">
               <a:spcBef>
@@ -4276,19 +4023,15 @@
               </a:defRPr>
             </a:lvl9pPr>
           </a:lstStyle>
-          <a:p>
-            <a:endParaRPr/>
-          </a:p>
+          <a:p/>
         </p:txBody>
       </p:sp>
       <p:sp>
         <p:nvSpPr>
           <p:cNvPr id="19" name="Shape 19"/>
-          <p:cNvSpPr txBox="1">
-            <a:spLocks noGrp="1"/>
-          </p:cNvSpPr>
+          <p:cNvSpPr txBox="1"/>
           <p:nvPr>
-            <p:ph type="body" idx="1"/>
+            <p:ph idx="1" type="body"/>
           </p:nvPr>
         </p:nvSpPr>
         <p:spPr>
@@ -4301,7 +4044,7 @@
           </a:prstGeom>
         </p:spPr>
         <p:txBody>
-          <a:bodyPr lIns="91425" tIns="91425" rIns="91425" bIns="91425" anchor="t" anchorCtr="0"/>
+          <a:bodyPr anchorCtr="0" anchor="t" bIns="91425" lIns="91425" rIns="91425" tIns="91425"/>
           <a:lstStyle>
             <a:lvl1pPr rtl="0">
               <a:spcBef>
@@ -4412,9 +4155,7 @@
               </a:defRPr>
             </a:lvl9pPr>
           </a:lstStyle>
-          <a:p>
-            <a:endParaRPr/>
-          </a:p>
+          <a:p/>
         </p:txBody>
       </p:sp>
       <p:cxnSp>
@@ -4432,14 +4173,14 @@
             <a:avLst/>
           </a:prstGeom>
           <a:noFill/>
-          <a:ln w="19050" cap="flat" cmpd="sng">
+          <a:ln cap="flat" cmpd="sng" w="19050">
             <a:solidFill>
               <a:srgbClr val="0AC4B6"/>
             </a:solidFill>
             <a:prstDash val="solid"/>
             <a:round/>
-            <a:headEnd type="none" w="med" len="med"/>
-            <a:tailEnd type="none" w="med" len="med"/>
+            <a:headEnd len="med" w="med" type="none"/>
+            <a:tailEnd len="med" w="med" type="none"/>
           </a:ln>
         </p:spPr>
       </p:cxnSp>
@@ -4452,11 +4193,11 @@
 </file>
 
 <file path=ppt/slideLayouts/slideLayout5.xml><?xml version="1.0" encoding="utf-8"?>
-<p:sldLayout xmlns:a="http://schemas.openxmlformats.org/drawingml/2006/main" xmlns:r="http://schemas.openxmlformats.org/officeDocument/2006/relationships" xmlns:p="http://schemas.openxmlformats.org/presentationml/2006/main" type="twoColTx">
+<p:sldLayout xmlns:a="http://schemas.openxmlformats.org/drawingml/2006/main" xmlns:r="http://schemas.openxmlformats.org/officeDocument/2006/relationships" xmlns:mc="http://schemas.openxmlformats.org/markup-compatibility/2006" xmlns:mv="urn:schemas-microsoft-com:mac:vml" xmlns:p="http://schemas.openxmlformats.org/presentationml/2006/main" xmlns:c="http://schemas.openxmlformats.org/drawingml/2006/chart" xmlns:dgm="http://schemas.openxmlformats.org/drawingml/2006/diagram" xmlns:o="urn:schemas-microsoft-com:office:office" xmlns:v="urn:schemas-microsoft-com:vml" xmlns:pvml="urn:schemas-microsoft-com:office:powerpoint" xmlns:com="http://schemas.openxmlformats.org/drawingml/2006/compatibility" xmlns:p14="http://schemas.microsoft.com/office/powerpoint/2010/main" type="twoColTx">
   <p:cSld name="Title and two columns">
     <p:spTree>
       <p:nvGrpSpPr>
-        <p:cNvPr id="1" name="Shape 21"/>
+        <p:cNvPr id="21" name="Shape 21"/>
         <p:cNvGrpSpPr/>
         <p:nvPr/>
       </p:nvGrpSpPr>
@@ -4471,9 +4212,7 @@
       <p:sp>
         <p:nvSpPr>
           <p:cNvPr id="22" name="Shape 22"/>
-          <p:cNvSpPr txBox="1">
-            <a:spLocks noGrp="1"/>
-          </p:cNvSpPr>
+          <p:cNvSpPr txBox="1"/>
           <p:nvPr>
             <p:ph type="title"/>
           </p:nvPr>
@@ -4491,7 +4230,7 @@
           </a:ln>
         </p:spPr>
         <p:txBody>
-          <a:bodyPr lIns="91425" tIns="91425" rIns="91425" bIns="91425" anchor="b" anchorCtr="0"/>
+          <a:bodyPr anchorCtr="0" anchor="b" bIns="91425" lIns="91425" rIns="91425" tIns="91425"/>
           <a:lstStyle>
             <a:lvl1pPr rtl="0">
               <a:spcBef>
@@ -4616,19 +4355,15 @@
               </a:defRPr>
             </a:lvl9pPr>
           </a:lstStyle>
-          <a:p>
-            <a:endParaRPr/>
-          </a:p>
+          <a:p/>
         </p:txBody>
       </p:sp>
       <p:sp>
         <p:nvSpPr>
           <p:cNvPr id="23" name="Shape 23"/>
-          <p:cNvSpPr txBox="1">
-            <a:spLocks noGrp="1"/>
-          </p:cNvSpPr>
+          <p:cNvSpPr txBox="1"/>
           <p:nvPr>
-            <p:ph type="body" idx="1"/>
+            <p:ph idx="1" type="body"/>
           </p:nvPr>
         </p:nvSpPr>
         <p:spPr>
@@ -4641,7 +4376,7 @@
           </a:prstGeom>
         </p:spPr>
         <p:txBody>
-          <a:bodyPr lIns="91425" tIns="91425" rIns="91425" bIns="91425" anchor="t" anchorCtr="0"/>
+          <a:bodyPr anchorCtr="0" anchor="t" bIns="91425" lIns="91425" rIns="91425" tIns="91425"/>
           <a:lstStyle>
             <a:lvl1pPr rtl="0">
               <a:spcBef>
@@ -4698,19 +4433,15 @@
               <a:defRPr/>
             </a:lvl9pPr>
           </a:lstStyle>
-          <a:p>
-            <a:endParaRPr/>
-          </a:p>
+          <a:p/>
         </p:txBody>
       </p:sp>
       <p:sp>
         <p:nvSpPr>
           <p:cNvPr id="24" name="Shape 24"/>
-          <p:cNvSpPr txBox="1">
-            <a:spLocks noGrp="1"/>
-          </p:cNvSpPr>
+          <p:cNvSpPr txBox="1"/>
           <p:nvPr>
-            <p:ph type="body" idx="2"/>
+            <p:ph idx="2" type="body"/>
           </p:nvPr>
         </p:nvSpPr>
         <p:spPr>
@@ -4723,7 +4454,7 @@
           </a:prstGeom>
         </p:spPr>
         <p:txBody>
-          <a:bodyPr lIns="91425" tIns="91425" rIns="91425" bIns="91425" anchor="t" anchorCtr="0"/>
+          <a:bodyPr anchorCtr="0" anchor="t" bIns="91425" lIns="91425" rIns="91425" tIns="91425"/>
           <a:lstStyle>
             <a:lvl1pPr rtl="0">
               <a:spcBef>
@@ -4780,9 +4511,7 @@
               <a:defRPr/>
             </a:lvl9pPr>
           </a:lstStyle>
-          <a:p>
-            <a:endParaRPr/>
-          </a:p>
+          <a:p/>
         </p:txBody>
       </p:sp>
       <p:cxnSp>
@@ -4800,14 +4529,14 @@
             <a:avLst/>
           </a:prstGeom>
           <a:noFill/>
-          <a:ln w="19050" cap="flat" cmpd="sng">
+          <a:ln cap="flat" cmpd="sng" w="19050">
             <a:solidFill>
               <a:srgbClr val="F6A800"/>
             </a:solidFill>
             <a:prstDash val="solid"/>
             <a:round/>
-            <a:headEnd type="none" w="med" len="med"/>
-            <a:tailEnd type="none" w="med" len="med"/>
+            <a:headEnd len="med" w="med" type="none"/>
+            <a:tailEnd len="med" w="med" type="none"/>
           </a:ln>
         </p:spPr>
       </p:cxnSp>
@@ -4820,11 +4549,11 @@
 </file>
 
 <file path=ppt/slideLayouts/slideLayout6.xml><?xml version="1.0" encoding="utf-8"?>
-<p:sldLayout xmlns:a="http://schemas.openxmlformats.org/drawingml/2006/main" xmlns:r="http://schemas.openxmlformats.org/officeDocument/2006/relationships" xmlns:p="http://schemas.openxmlformats.org/presentationml/2006/main" type="titleOnly">
+<p:sldLayout xmlns:a="http://schemas.openxmlformats.org/drawingml/2006/main" xmlns:r="http://schemas.openxmlformats.org/officeDocument/2006/relationships" xmlns:mc="http://schemas.openxmlformats.org/markup-compatibility/2006" xmlns:mv="urn:schemas-microsoft-com:mac:vml" xmlns:p="http://schemas.openxmlformats.org/presentationml/2006/main" xmlns:c="http://schemas.openxmlformats.org/drawingml/2006/chart" xmlns:dgm="http://schemas.openxmlformats.org/drawingml/2006/diagram" xmlns:o="urn:schemas-microsoft-com:office:office" xmlns:v="urn:schemas-microsoft-com:vml" xmlns:pvml="urn:schemas-microsoft-com:office:powerpoint" xmlns:com="http://schemas.openxmlformats.org/drawingml/2006/compatibility" xmlns:p14="http://schemas.microsoft.com/office/powerpoint/2010/main" type="titleOnly">
   <p:cSld name="Title only">
     <p:spTree>
       <p:nvGrpSpPr>
-        <p:cNvPr id="1" name="Shape 26"/>
+        <p:cNvPr id="26" name="Shape 26"/>
         <p:cNvGrpSpPr/>
         <p:nvPr/>
       </p:nvGrpSpPr>
@@ -4839,9 +4568,7 @@
       <p:sp>
         <p:nvSpPr>
           <p:cNvPr id="27" name="Shape 27"/>
-          <p:cNvSpPr txBox="1">
-            <a:spLocks noGrp="1"/>
-          </p:cNvSpPr>
+          <p:cNvSpPr txBox="1"/>
           <p:nvPr>
             <p:ph type="title"/>
           </p:nvPr>
@@ -4856,7 +4583,7 @@
           </a:prstGeom>
         </p:spPr>
         <p:txBody>
-          <a:bodyPr lIns="91425" tIns="91425" rIns="91425" bIns="91425" anchor="b" anchorCtr="0"/>
+          <a:bodyPr anchorCtr="0" anchor="b" bIns="91425" lIns="91425" rIns="91425" tIns="91425"/>
           <a:lstStyle>
             <a:lvl1pPr rtl="0">
               <a:spcBef>
@@ -4925,9 +4652,7 @@
               <a:defRPr/>
             </a:lvl9pPr>
           </a:lstStyle>
-          <a:p>
-            <a:endParaRPr/>
-          </a:p>
+          <a:p/>
         </p:txBody>
       </p:sp>
       <p:cxnSp>
@@ -4945,14 +4670,14 @@
             <a:avLst/>
           </a:prstGeom>
           <a:noFill/>
-          <a:ln w="19050" cap="flat" cmpd="sng">
+          <a:ln cap="flat" cmpd="sng" w="19050">
             <a:solidFill>
               <a:srgbClr val="F6A800"/>
             </a:solidFill>
             <a:prstDash val="solid"/>
             <a:round/>
-            <a:headEnd type="none" w="med" len="med"/>
-            <a:tailEnd type="none" w="med" len="med"/>
+            <a:headEnd len="med" w="med" type="none"/>
+            <a:tailEnd len="med" w="med" type="none"/>
           </a:ln>
         </p:spPr>
       </p:cxnSp>
@@ -4965,11 +4690,11 @@
 </file>
 
 <file path=ppt/slideLayouts/slideLayout7.xml><?xml version="1.0" encoding="utf-8"?>
-<p:sldLayout xmlns:a="http://schemas.openxmlformats.org/drawingml/2006/main" xmlns:r="http://schemas.openxmlformats.org/officeDocument/2006/relationships" xmlns:p="http://schemas.openxmlformats.org/presentationml/2006/main">
+<p:sldLayout xmlns:a="http://schemas.openxmlformats.org/drawingml/2006/main" xmlns:r="http://schemas.openxmlformats.org/officeDocument/2006/relationships" xmlns:mc="http://schemas.openxmlformats.org/markup-compatibility/2006" xmlns:mv="urn:schemas-microsoft-com:mac:vml" xmlns:p="http://schemas.openxmlformats.org/presentationml/2006/main" xmlns:c="http://schemas.openxmlformats.org/drawingml/2006/chart" xmlns:dgm="http://schemas.openxmlformats.org/drawingml/2006/diagram" xmlns:o="urn:schemas-microsoft-com:office:office" xmlns:v="urn:schemas-microsoft-com:vml" xmlns:pvml="urn:schemas-microsoft-com:office:powerpoint" xmlns:com="http://schemas.openxmlformats.org/drawingml/2006/compatibility" xmlns:p14="http://schemas.microsoft.com/office/powerpoint/2010/main">
   <p:cSld name="Caption">
     <p:spTree>
       <p:nvGrpSpPr>
-        <p:cNvPr id="1" name="Shape 29"/>
+        <p:cNvPr id="29" name="Shape 29"/>
         <p:cNvGrpSpPr/>
         <p:nvPr/>
       </p:nvGrpSpPr>
@@ -4984,11 +4709,9 @@
       <p:sp>
         <p:nvSpPr>
           <p:cNvPr id="30" name="Shape 30"/>
-          <p:cNvSpPr txBox="1">
-            <a:spLocks noGrp="1"/>
-          </p:cNvSpPr>
+          <p:cNvSpPr txBox="1"/>
           <p:nvPr>
-            <p:ph type="body" idx="1"/>
+            <p:ph idx="1" type="body"/>
           </p:nvPr>
         </p:nvSpPr>
         <p:spPr>
@@ -5001,9 +4724,9 @@
           </a:prstGeom>
         </p:spPr>
         <p:txBody>
-          <a:bodyPr lIns="91425" tIns="91425" rIns="91425" bIns="91425" anchor="t" anchorCtr="0"/>
+          <a:bodyPr anchorCtr="0" anchor="t" bIns="91425" lIns="91425" rIns="91425" tIns="91425"/>
           <a:lstStyle>
-            <a:lvl1pPr algn="ctr" rtl="0">
+            <a:lvl1pPr rtl="0" algn="ctr">
               <a:spcBef>
                 <a:spcPts val="0"/>
               </a:spcBef>
@@ -5012,9 +4735,7 @@
               <a:defRPr sz="1800"/>
             </a:lvl1pPr>
           </a:lstStyle>
-          <a:p>
-            <a:endParaRPr/>
-          </a:p>
+          <a:p/>
         </p:txBody>
       </p:sp>
       <p:cxnSp>
@@ -5032,14 +4753,14 @@
             <a:avLst/>
           </a:prstGeom>
           <a:noFill/>
-          <a:ln w="19050" cap="flat" cmpd="sng">
+          <a:ln cap="flat" cmpd="sng" w="19050">
             <a:solidFill>
               <a:srgbClr val="F6A800"/>
             </a:solidFill>
             <a:prstDash val="solid"/>
             <a:round/>
-            <a:headEnd type="none" w="med" len="med"/>
-            <a:tailEnd type="none" w="med" len="med"/>
+            <a:headEnd len="med" w="med" type="none"/>
+            <a:tailEnd len="med" w="med" type="none"/>
           </a:ln>
         </p:spPr>
       </p:cxnSp>
@@ -5052,11 +4773,11 @@
 </file>
 
 <file path=ppt/slideLayouts/slideLayout8.xml><?xml version="1.0" encoding="utf-8"?>
-<p:sldLayout xmlns:a="http://schemas.openxmlformats.org/drawingml/2006/main" xmlns:r="http://schemas.openxmlformats.org/officeDocument/2006/relationships" xmlns:p="http://schemas.openxmlformats.org/presentationml/2006/main" type="blank">
+<p:sldLayout xmlns:a="http://schemas.openxmlformats.org/drawingml/2006/main" xmlns:r="http://schemas.openxmlformats.org/officeDocument/2006/relationships" xmlns:mc="http://schemas.openxmlformats.org/markup-compatibility/2006" xmlns:mv="urn:schemas-microsoft-com:mac:vml" xmlns:p="http://schemas.openxmlformats.org/presentationml/2006/main" xmlns:c="http://schemas.openxmlformats.org/drawingml/2006/chart" xmlns:dgm="http://schemas.openxmlformats.org/drawingml/2006/diagram" xmlns:o="urn:schemas-microsoft-com:office:office" xmlns:v="urn:schemas-microsoft-com:vml" xmlns:pvml="urn:schemas-microsoft-com:office:powerpoint" xmlns:com="http://schemas.openxmlformats.org/drawingml/2006/compatibility" xmlns:p14="http://schemas.microsoft.com/office/powerpoint/2010/main" type="blank">
   <p:cSld name="Blank">
     <p:spTree>
       <p:nvGrpSpPr>
-        <p:cNvPr id="1" name="Shape 32"/>
+        <p:cNvPr id="32" name="Shape 32"/>
         <p:cNvGrpSpPr/>
         <p:nvPr/>
       </p:nvGrpSpPr>
@@ -5083,14 +4804,14 @@
             <a:avLst/>
           </a:prstGeom>
           <a:noFill/>
-          <a:ln w="50800" cap="flat" cmpd="sng">
+          <a:ln cap="flat" cmpd="sng" w="50800">
             <a:solidFill>
               <a:srgbClr val="B45F06"/>
             </a:solidFill>
             <a:prstDash val="solid"/>
             <a:round/>
-            <a:headEnd type="none" w="med" len="med"/>
-            <a:tailEnd type="none" w="med" len="med"/>
+            <a:headEnd len="med" w="med" type="none"/>
+            <a:tailEnd len="med" w="med" type="none"/>
           </a:ln>
         </p:spPr>
       </p:cxnSp>
@@ -5103,11 +4824,11 @@
 </file>
 
 <file path=ppt/slideLayouts/slideLayout9.xml><?xml version="1.0" encoding="utf-8"?>
-<p:sldLayout xmlns:a="http://schemas.openxmlformats.org/drawingml/2006/main" xmlns:r="http://schemas.openxmlformats.org/officeDocument/2006/relationships" xmlns:p="http://schemas.openxmlformats.org/presentationml/2006/main" type="title">
+<p:sldLayout xmlns:a="http://schemas.openxmlformats.org/drawingml/2006/main" xmlns:r="http://schemas.openxmlformats.org/officeDocument/2006/relationships" xmlns:mc="http://schemas.openxmlformats.org/markup-compatibility/2006" xmlns:mv="urn:schemas-microsoft-com:mac:vml" xmlns:p="http://schemas.openxmlformats.org/presentationml/2006/main" xmlns:c="http://schemas.openxmlformats.org/drawingml/2006/chart" xmlns:dgm="http://schemas.openxmlformats.org/drawingml/2006/diagram" xmlns:o="urn:schemas-microsoft-com:office:office" xmlns:v="urn:schemas-microsoft-com:vml" xmlns:pvml="urn:schemas-microsoft-com:office:powerpoint" xmlns:com="http://schemas.openxmlformats.org/drawingml/2006/compatibility" xmlns:p14="http://schemas.microsoft.com/office/powerpoint/2010/main" type="title">
   <p:cSld name="Title slide">
     <p:spTree>
       <p:nvGrpSpPr>
-        <p:cNvPr id="1" name="Shape 157"/>
+        <p:cNvPr id="157" name="Shape 157"/>
         <p:cNvGrpSpPr/>
         <p:nvPr/>
       </p:nvGrpSpPr>
@@ -5122,9 +4843,7 @@
       <p:sp>
         <p:nvSpPr>
           <p:cNvPr id="158" name="Shape 158"/>
-          <p:cNvSpPr txBox="1">
-            <a:spLocks noGrp="1"/>
-          </p:cNvSpPr>
+          <p:cNvSpPr txBox="1"/>
           <p:nvPr>
             <p:ph type="ctrTitle"/>
           </p:nvPr>
@@ -5139,7 +4858,7 @@
           </a:prstGeom>
         </p:spPr>
         <p:txBody>
-          <a:bodyPr lIns="91425" tIns="91425" rIns="91425" bIns="91425" anchor="b" anchorCtr="0"/>
+          <a:bodyPr anchorCtr="0" anchor="b" bIns="91425" lIns="91425" rIns="91425" tIns="91425"/>
           <a:lstStyle>
             <a:lvl1pPr algn="ctr">
               <a:spcBef>
@@ -5205,19 +4924,15 @@
               <a:defRPr sz="4800"/>
             </a:lvl9pPr>
           </a:lstStyle>
-          <a:p>
-            <a:endParaRPr/>
-          </a:p>
+          <a:p/>
         </p:txBody>
       </p:sp>
       <p:sp>
         <p:nvSpPr>
           <p:cNvPr id="159" name="Shape 159"/>
-          <p:cNvSpPr txBox="1">
-            <a:spLocks noGrp="1"/>
-          </p:cNvSpPr>
+          <p:cNvSpPr txBox="1"/>
           <p:nvPr>
-            <p:ph type="subTitle" idx="1"/>
+            <p:ph idx="1" type="subTitle"/>
           </p:nvPr>
         </p:nvSpPr>
         <p:spPr>
@@ -5230,7 +4945,7 @@
           </a:prstGeom>
         </p:spPr>
         <p:txBody>
-          <a:bodyPr lIns="91425" tIns="91425" rIns="91425" bIns="91425" anchor="t" anchorCtr="0"/>
+          <a:bodyPr anchorCtr="0" anchor="t" bIns="91425" lIns="91425" rIns="91425" tIns="91425"/>
           <a:lstStyle>
             <a:lvl1pPr algn="ctr">
               <a:spcBef>
@@ -5367,19 +5082,15 @@
               </a:defRPr>
             </a:lvl9pPr>
           </a:lstStyle>
-          <a:p>
-            <a:endParaRPr/>
-          </a:p>
+          <a:p/>
         </p:txBody>
       </p:sp>
       <p:sp>
         <p:nvSpPr>
           <p:cNvPr id="160" name="Shape 160"/>
-          <p:cNvSpPr txBox="1">
-            <a:spLocks noGrp="1"/>
-          </p:cNvSpPr>
+          <p:cNvSpPr txBox="1"/>
           <p:nvPr>
-            <p:ph type="sldNum" idx="12"/>
+            <p:ph idx="12" type="sldNum"/>
           </p:nvPr>
         </p:nvSpPr>
         <p:spPr>
@@ -5392,7 +5103,7 @@
           </a:prstGeom>
         </p:spPr>
         <p:txBody>
-          <a:bodyPr lIns="91425" tIns="91425" rIns="91425" bIns="91425" anchor="ctr" anchorCtr="0">
+          <a:bodyPr anchorCtr="0" anchor="ctr" bIns="91425" lIns="91425" rIns="91425" tIns="91425">
             <a:noAutofit/>
           </a:bodyPr>
           <a:lstStyle/>
@@ -5407,7 +5118,6 @@
               <a:rPr lang="en"/>
               <a:t>‹#›</a:t>
             </a:fld>
-            <a:endParaRPr lang="en"/>
           </a:p>
         </p:txBody>
       </p:sp>
@@ -5420,19 +5130,18 @@
 </file>
 
 <file path=ppt/slideMasters/slideMaster1.xml><?xml version="1.0" encoding="utf-8"?>
-<p:sldMaster xmlns:a="http://schemas.openxmlformats.org/drawingml/2006/main" xmlns:r="http://schemas.openxmlformats.org/officeDocument/2006/relationships" xmlns:p="http://schemas.openxmlformats.org/presentationml/2006/main">
+<p:sldMaster xmlns:a="http://schemas.openxmlformats.org/drawingml/2006/main" xmlns:r="http://schemas.openxmlformats.org/officeDocument/2006/relationships" xmlns:mc="http://schemas.openxmlformats.org/markup-compatibility/2006" xmlns:mv="urn:schemas-microsoft-com:mac:vml" xmlns:p="http://schemas.openxmlformats.org/presentationml/2006/main" xmlns:c="http://schemas.openxmlformats.org/drawingml/2006/chart" xmlns:dgm="http://schemas.openxmlformats.org/drawingml/2006/diagram" xmlns:o="urn:schemas-microsoft-com:office:office" xmlns:v="urn:schemas-microsoft-com:vml" xmlns:pvml="urn:schemas-microsoft-com:office:powerpoint" xmlns:com="http://schemas.openxmlformats.org/drawingml/2006/compatibility" xmlns:p14="http://schemas.microsoft.com/office/powerpoint/2010/main">
   <p:cSld>
     <p:bg>
       <p:bgPr>
         <a:solidFill>
           <a:schemeClr val="lt1"/>
         </a:solidFill>
-        <a:effectLst/>
       </p:bgPr>
     </p:bg>
     <p:spTree>
       <p:nvGrpSpPr>
-        <p:cNvPr id="1" name="Shape 4"/>
+        <p:cNvPr id="4" name="Shape 4"/>
         <p:cNvGrpSpPr/>
         <p:nvPr/>
       </p:nvGrpSpPr>
@@ -5447,11 +5156,9 @@
       <p:sp>
         <p:nvSpPr>
           <p:cNvPr id="5" name="Shape 5"/>
-          <p:cNvSpPr txBox="1">
-            <a:spLocks noGrp="1"/>
-          </p:cNvSpPr>
+          <p:cNvSpPr txBox="1"/>
           <p:nvPr>
-            <p:ph type="body" idx="1"/>
+            <p:ph idx="1" type="body"/>
           </p:nvPr>
         </p:nvSpPr>
         <p:spPr>
@@ -5468,7 +5175,7 @@
           </a:ln>
         </p:spPr>
         <p:txBody>
-          <a:bodyPr lIns="91425" tIns="91425" rIns="91425" bIns="91425" anchor="t" anchorCtr="0"/>
+          <a:bodyPr anchorCtr="0" anchor="t" bIns="91425" lIns="91425" rIns="91425" tIns="91425"/>
           <a:lstStyle>
             <a:lvl1pPr rtl="0">
               <a:spcBef>
@@ -5642,17 +5349,13 @@
               </a:defRPr>
             </a:lvl9pPr>
           </a:lstStyle>
-          <a:p>
-            <a:endParaRPr/>
-          </a:p>
+          <a:p/>
         </p:txBody>
       </p:sp>
       <p:sp>
         <p:nvSpPr>
           <p:cNvPr id="6" name="Shape 6"/>
-          <p:cNvSpPr txBox="1">
-            <a:spLocks noGrp="1"/>
-          </p:cNvSpPr>
+          <p:cNvSpPr txBox="1"/>
           <p:nvPr>
             <p:ph type="title"/>
           </p:nvPr>
@@ -5671,7 +5374,7 @@
           </a:ln>
         </p:spPr>
         <p:txBody>
-          <a:bodyPr lIns="91425" tIns="91425" rIns="91425" bIns="91425" anchor="b" anchorCtr="0"/>
+          <a:bodyPr anchorCtr="0" anchor="b" bIns="91425" lIns="91425" rIns="91425" tIns="91425"/>
           <a:lstStyle>
             <a:lvl1pPr rtl="0">
               <a:spcBef>
@@ -5683,7 +5386,7 @@
               <a:buSzPct val="100000"/>
               <a:buFont typeface="Quicksand"/>
               <a:buNone/>
-              <a:defRPr sz="3000" b="1">
+              <a:defRPr b="1" sz="3000">
                 <a:solidFill>
                   <a:srgbClr val="F6A800"/>
                 </a:solidFill>
@@ -5702,7 +5405,7 @@
               </a:buClr>
               <a:buSzPct val="100000"/>
               <a:buNone/>
-              <a:defRPr sz="3600" b="1">
+              <a:defRPr b="1" sz="3600">
                 <a:solidFill>
                   <a:schemeClr val="accent1"/>
                 </a:solidFill>
@@ -5717,7 +5420,7 @@
               </a:buClr>
               <a:buSzPct val="100000"/>
               <a:buNone/>
-              <a:defRPr sz="3600" b="1">
+              <a:defRPr b="1" sz="3600">
                 <a:solidFill>
                   <a:schemeClr val="accent1"/>
                 </a:solidFill>
@@ -5732,7 +5435,7 @@
               </a:buClr>
               <a:buSzPct val="100000"/>
               <a:buNone/>
-              <a:defRPr sz="3600" b="1">
+              <a:defRPr b="1" sz="3600">
                 <a:solidFill>
                   <a:schemeClr val="accent1"/>
                 </a:solidFill>
@@ -5747,7 +5450,7 @@
               </a:buClr>
               <a:buSzPct val="100000"/>
               <a:buNone/>
-              <a:defRPr sz="3600" b="1">
+              <a:defRPr b="1" sz="3600">
                 <a:solidFill>
                   <a:schemeClr val="accent1"/>
                 </a:solidFill>
@@ -5762,7 +5465,7 @@
               </a:buClr>
               <a:buSzPct val="100000"/>
               <a:buNone/>
-              <a:defRPr sz="3600" b="1">
+              <a:defRPr b="1" sz="3600">
                 <a:solidFill>
                   <a:schemeClr val="accent1"/>
                 </a:solidFill>
@@ -5777,7 +5480,7 @@
               </a:buClr>
               <a:buSzPct val="100000"/>
               <a:buNone/>
-              <a:defRPr sz="3600" b="1">
+              <a:defRPr b="1" sz="3600">
                 <a:solidFill>
                   <a:schemeClr val="accent1"/>
                 </a:solidFill>
@@ -5792,7 +5495,7 @@
               </a:buClr>
               <a:buSzPct val="100000"/>
               <a:buNone/>
-              <a:defRPr sz="3600" b="1">
+              <a:defRPr b="1" sz="3600">
                 <a:solidFill>
                   <a:schemeClr val="accent1"/>
                 </a:solidFill>
@@ -5807,21 +5510,19 @@
               </a:buClr>
               <a:buSzPct val="100000"/>
               <a:buNone/>
-              <a:defRPr sz="3600" b="1">
+              <a:defRPr b="1" sz="3600">
                 <a:solidFill>
                   <a:schemeClr val="accent1"/>
                 </a:solidFill>
               </a:defRPr>
             </a:lvl9pPr>
           </a:lstStyle>
-          <a:p>
-            <a:endParaRPr/>
-          </a:p>
+          <a:p/>
         </p:txBody>
       </p:sp>
     </p:spTree>
   </p:cSld>
-  <p:clrMap bg1="lt1" tx1="dk1" bg2="dk2" tx2="lt2" accent1="accent1" accent2="accent2" accent3="accent3" accent4="accent4" accent5="accent5" accent6="accent6" hlink="hlink" folHlink="folHlink"/>
+  <p:clrMap accent1="accent1" accent2="accent2" accent3="accent3" accent4="accent4" accent5="accent5" accent6="accent6" bg1="lt1" bg2="dk2" tx1="dk1" tx2="lt2" folHlink="folHlink" hlink="hlink"/>
   <p:sldLayoutIdLst>
     <p:sldLayoutId id="2147483648" r:id="rId1"/>
     <p:sldLayoutId id="2147483649" r:id="rId2"/>
@@ -5832,10 +5533,10 @@
     <p:sldLayoutId id="2147483654" r:id="rId7"/>
     <p:sldLayoutId id="2147483655" r:id="rId8"/>
   </p:sldLayoutIdLst>
-  <p:hf sldNum="0" hdr="0" ftr="0" dt="0"/>
+  <p:hf dt="0" ftr="0" hdr="0" sldNum="0"/>
   <p:txStyles>
     <p:titleStyle>
-      <a:defPPr marR="0" algn="l" rtl="0">
+      <a:defPPr marR="0" rtl="0" algn="l">
         <a:lnSpc>
           <a:spcPct val="100000"/>
         </a:lnSpc>
@@ -5846,7 +5547,7 @@
           <a:spcPts val="0"/>
         </a:spcAft>
       </a:defPPr>
-      <a:lvl1pPr marR="0" algn="l" rtl="0">
+      <a:lvl1pPr marR="0" rtl="0" algn="l">
         <a:lnSpc>
           <a:spcPct val="100000"/>
         </a:lnSpc>
@@ -5857,7 +5558,7 @@
           <a:spcPts val="0"/>
         </a:spcAft>
         <a:buNone/>
-        <a:defRPr sz="1400" b="0" i="0" u="none" strike="noStrike" cap="none" baseline="0">
+        <a:defRPr b="0" baseline="0" i="0" sz="1400" u="none" cap="none" strike="noStrike">
           <a:solidFill>
             <a:srgbClr val="000000"/>
           </a:solidFill>
@@ -5870,7 +5571,7 @@
       </a:lvl1pPr>
     </p:titleStyle>
     <p:bodyStyle>
-      <a:defPPr marR="0" algn="l" rtl="0">
+      <a:defPPr marR="0" rtl="0" algn="l">
         <a:lnSpc>
           <a:spcPct val="100000"/>
         </a:lnSpc>
@@ -5881,7 +5582,7 @@
           <a:spcPts val="0"/>
         </a:spcAft>
       </a:defPPr>
-      <a:lvl1pPr marR="0" algn="l" rtl="0">
+      <a:lvl1pPr marR="0" rtl="0" algn="l">
         <a:lnSpc>
           <a:spcPct val="100000"/>
         </a:lnSpc>
@@ -5892,7 +5593,7 @@
           <a:spcPts val="0"/>
         </a:spcAft>
         <a:buNone/>
-        <a:defRPr sz="1400" b="0" i="0" u="none" strike="noStrike" cap="none" baseline="0">
+        <a:defRPr b="0" baseline="0" i="0" sz="1400" u="none" cap="none" strike="noStrike">
           <a:solidFill>
             <a:srgbClr val="000000"/>
           </a:solidFill>
@@ -5903,7 +5604,7 @@
           <a:rtl val="0"/>
         </a:defRPr>
       </a:lvl1pPr>
-      <a:lvl2pPr marR="0" algn="l" rtl="0">
+      <a:lvl2pPr marR="0" rtl="0" algn="l">
         <a:lnSpc>
           <a:spcPct val="100000"/>
         </a:lnSpc>
@@ -5914,7 +5615,7 @@
           <a:spcPts val="0"/>
         </a:spcAft>
         <a:buNone/>
-        <a:defRPr sz="1400" b="0" i="0" u="none" strike="noStrike" cap="none" baseline="0">
+        <a:defRPr b="0" baseline="0" i="0" sz="1400" u="none" cap="none" strike="noStrike">
           <a:solidFill>
             <a:srgbClr val="000000"/>
           </a:solidFill>
@@ -5925,7 +5626,7 @@
           <a:rtl val="0"/>
         </a:defRPr>
       </a:lvl2pPr>
-      <a:lvl3pPr marR="0" algn="l" rtl="0">
+      <a:lvl3pPr marR="0" rtl="0" algn="l">
         <a:lnSpc>
           <a:spcPct val="100000"/>
         </a:lnSpc>
@@ -5936,7 +5637,7 @@
           <a:spcPts val="0"/>
         </a:spcAft>
         <a:buNone/>
-        <a:defRPr sz="1400" b="0" i="0" u="none" strike="noStrike" cap="none" baseline="0">
+        <a:defRPr b="0" baseline="0" i="0" sz="1400" u="none" cap="none" strike="noStrike">
           <a:solidFill>
             <a:srgbClr val="000000"/>
           </a:solidFill>
@@ -5947,7 +5648,7 @@
           <a:rtl val="0"/>
         </a:defRPr>
       </a:lvl3pPr>
-      <a:lvl4pPr marR="0" algn="l" rtl="0">
+      <a:lvl4pPr marR="0" rtl="0" algn="l">
         <a:lnSpc>
           <a:spcPct val="100000"/>
         </a:lnSpc>
@@ -5958,7 +5659,7 @@
           <a:spcPts val="0"/>
         </a:spcAft>
         <a:buNone/>
-        <a:defRPr sz="1400" b="0" i="0" u="none" strike="noStrike" cap="none" baseline="0">
+        <a:defRPr b="0" baseline="0" i="0" sz="1400" u="none" cap="none" strike="noStrike">
           <a:solidFill>
             <a:srgbClr val="000000"/>
           </a:solidFill>
@@ -5969,7 +5670,7 @@
           <a:rtl val="0"/>
         </a:defRPr>
       </a:lvl4pPr>
-      <a:lvl5pPr marR="0" algn="l" rtl="0">
+      <a:lvl5pPr marR="0" rtl="0" algn="l">
         <a:lnSpc>
           <a:spcPct val="100000"/>
         </a:lnSpc>
@@ -5980,7 +5681,7 @@
           <a:spcPts val="0"/>
         </a:spcAft>
         <a:buNone/>
-        <a:defRPr sz="1400" b="0" i="0" u="none" strike="noStrike" cap="none" baseline="0">
+        <a:defRPr b="0" baseline="0" i="0" sz="1400" u="none" cap="none" strike="noStrike">
           <a:solidFill>
             <a:srgbClr val="000000"/>
           </a:solidFill>
@@ -5991,7 +5692,7 @@
           <a:rtl val="0"/>
         </a:defRPr>
       </a:lvl5pPr>
-      <a:lvl6pPr marR="0" algn="l" rtl="0">
+      <a:lvl6pPr marR="0" rtl="0" algn="l">
         <a:lnSpc>
           <a:spcPct val="100000"/>
         </a:lnSpc>
@@ -6002,7 +5703,7 @@
           <a:spcPts val="0"/>
         </a:spcAft>
         <a:buNone/>
-        <a:defRPr sz="1400" b="0" i="0" u="none" strike="noStrike" cap="none" baseline="0">
+        <a:defRPr b="0" baseline="0" i="0" sz="1400" u="none" cap="none" strike="noStrike">
           <a:solidFill>
             <a:srgbClr val="000000"/>
           </a:solidFill>
@@ -6013,7 +5714,7 @@
           <a:rtl val="0"/>
         </a:defRPr>
       </a:lvl6pPr>
-      <a:lvl7pPr marR="0" algn="l" rtl="0">
+      <a:lvl7pPr marR="0" rtl="0" algn="l">
         <a:lnSpc>
           <a:spcPct val="100000"/>
         </a:lnSpc>
@@ -6024,7 +5725,7 @@
           <a:spcPts val="0"/>
         </a:spcAft>
         <a:buNone/>
-        <a:defRPr sz="1400" b="0" i="0" u="none" strike="noStrike" cap="none" baseline="0">
+        <a:defRPr b="0" baseline="0" i="0" sz="1400" u="none" cap="none" strike="noStrike">
           <a:solidFill>
             <a:srgbClr val="000000"/>
           </a:solidFill>
@@ -6035,7 +5736,7 @@
           <a:rtl val="0"/>
         </a:defRPr>
       </a:lvl7pPr>
-      <a:lvl8pPr marR="0" algn="l" rtl="0">
+      <a:lvl8pPr marR="0" rtl="0" algn="l">
         <a:lnSpc>
           <a:spcPct val="100000"/>
         </a:lnSpc>
@@ -6046,7 +5747,7 @@
           <a:spcPts val="0"/>
         </a:spcAft>
         <a:buNone/>
-        <a:defRPr sz="1400" b="0" i="0" u="none" strike="noStrike" cap="none" baseline="0">
+        <a:defRPr b="0" baseline="0" i="0" sz="1400" u="none" cap="none" strike="noStrike">
           <a:solidFill>
             <a:srgbClr val="000000"/>
           </a:solidFill>
@@ -6057,7 +5758,7 @@
           <a:rtl val="0"/>
         </a:defRPr>
       </a:lvl8pPr>
-      <a:lvl9pPr marR="0" algn="l" rtl="0">
+      <a:lvl9pPr marR="0" rtl="0" algn="l">
         <a:lnSpc>
           <a:spcPct val="100000"/>
         </a:lnSpc>
@@ -6068,7 +5769,7 @@
           <a:spcPts val="0"/>
         </a:spcAft>
         <a:buNone/>
-        <a:defRPr sz="1400" b="0" i="0" u="none" strike="noStrike" cap="none" baseline="0">
+        <a:defRPr b="0" baseline="0" i="0" sz="1400" u="none" cap="none" strike="noStrike">
           <a:solidFill>
             <a:srgbClr val="000000"/>
           </a:solidFill>
@@ -6081,7 +5782,7 @@
       </a:lvl9pPr>
     </p:bodyStyle>
     <p:otherStyle>
-      <a:defPPr marR="0" algn="l" rtl="0">
+      <a:defPPr marR="0" rtl="0" algn="l">
         <a:lnSpc>
           <a:spcPct val="100000"/>
         </a:lnSpc>
@@ -6092,7 +5793,7 @@
           <a:spcPts val="0"/>
         </a:spcAft>
       </a:defPPr>
-      <a:lvl1pPr marR="0" algn="l" rtl="0">
+      <a:lvl1pPr marR="0" rtl="0" algn="l">
         <a:lnSpc>
           <a:spcPct val="100000"/>
         </a:lnSpc>
@@ -6103,7 +5804,7 @@
           <a:spcPts val="0"/>
         </a:spcAft>
         <a:buNone/>
-        <a:defRPr sz="1400" b="0" i="0" u="none" strike="noStrike" cap="none" baseline="0">
+        <a:defRPr b="0" baseline="0" i="0" sz="1400" u="none" cap="none" strike="noStrike">
           <a:solidFill>
             <a:srgbClr val="000000"/>
           </a:solidFill>
@@ -6114,7 +5815,7 @@
           <a:rtl val="0"/>
         </a:defRPr>
       </a:lvl1pPr>
-      <a:lvl2pPr marR="0" algn="l" rtl="0">
+      <a:lvl2pPr marR="0" rtl="0" algn="l">
         <a:lnSpc>
           <a:spcPct val="100000"/>
         </a:lnSpc>
@@ -6125,7 +5826,7 @@
           <a:spcPts val="0"/>
         </a:spcAft>
         <a:buNone/>
-        <a:defRPr sz="1400" b="0" i="0" u="none" strike="noStrike" cap="none" baseline="0">
+        <a:defRPr b="0" baseline="0" i="0" sz="1400" u="none" cap="none" strike="noStrike">
           <a:solidFill>
             <a:srgbClr val="000000"/>
           </a:solidFill>
@@ -6136,7 +5837,7 @@
           <a:rtl val="0"/>
         </a:defRPr>
       </a:lvl2pPr>
-      <a:lvl3pPr marR="0" algn="l" rtl="0">
+      <a:lvl3pPr marR="0" rtl="0" algn="l">
         <a:lnSpc>
           <a:spcPct val="100000"/>
         </a:lnSpc>
@@ -6147,7 +5848,7 @@
           <a:spcPts val="0"/>
         </a:spcAft>
         <a:buNone/>
-        <a:defRPr sz="1400" b="0" i="0" u="none" strike="noStrike" cap="none" baseline="0">
+        <a:defRPr b="0" baseline="0" i="0" sz="1400" u="none" cap="none" strike="noStrike">
           <a:solidFill>
             <a:srgbClr val="000000"/>
           </a:solidFill>
@@ -6158,7 +5859,7 @@
           <a:rtl val="0"/>
         </a:defRPr>
       </a:lvl3pPr>
-      <a:lvl4pPr marR="0" algn="l" rtl="0">
+      <a:lvl4pPr marR="0" rtl="0" algn="l">
         <a:lnSpc>
           <a:spcPct val="100000"/>
         </a:lnSpc>
@@ -6169,7 +5870,7 @@
           <a:spcPts val="0"/>
         </a:spcAft>
         <a:buNone/>
-        <a:defRPr sz="1400" b="0" i="0" u="none" strike="noStrike" cap="none" baseline="0">
+        <a:defRPr b="0" baseline="0" i="0" sz="1400" u="none" cap="none" strike="noStrike">
           <a:solidFill>
             <a:srgbClr val="000000"/>
           </a:solidFill>
@@ -6180,7 +5881,7 @@
           <a:rtl val="0"/>
         </a:defRPr>
       </a:lvl4pPr>
-      <a:lvl5pPr marR="0" algn="l" rtl="0">
+      <a:lvl5pPr marR="0" rtl="0" algn="l">
         <a:lnSpc>
           <a:spcPct val="100000"/>
         </a:lnSpc>
@@ -6191,7 +5892,7 @@
           <a:spcPts val="0"/>
         </a:spcAft>
         <a:buNone/>
-        <a:defRPr sz="1400" b="0" i="0" u="none" strike="noStrike" cap="none" baseline="0">
+        <a:defRPr b="0" baseline="0" i="0" sz="1400" u="none" cap="none" strike="noStrike">
           <a:solidFill>
             <a:srgbClr val="000000"/>
           </a:solidFill>
@@ -6202,7 +5903,7 @@
           <a:rtl val="0"/>
         </a:defRPr>
       </a:lvl5pPr>
-      <a:lvl6pPr marR="0" algn="l" rtl="0">
+      <a:lvl6pPr marR="0" rtl="0" algn="l">
         <a:lnSpc>
           <a:spcPct val="100000"/>
         </a:lnSpc>
@@ -6213,7 +5914,7 @@
           <a:spcPts val="0"/>
         </a:spcAft>
         <a:buNone/>
-        <a:defRPr sz="1400" b="0" i="0" u="none" strike="noStrike" cap="none" baseline="0">
+        <a:defRPr b="0" baseline="0" i="0" sz="1400" u="none" cap="none" strike="noStrike">
           <a:solidFill>
             <a:srgbClr val="000000"/>
           </a:solidFill>
@@ -6224,7 +5925,7 @@
           <a:rtl val="0"/>
         </a:defRPr>
       </a:lvl6pPr>
-      <a:lvl7pPr marR="0" algn="l" rtl="0">
+      <a:lvl7pPr marR="0" rtl="0" algn="l">
         <a:lnSpc>
           <a:spcPct val="100000"/>
         </a:lnSpc>
@@ -6235,7 +5936,7 @@
           <a:spcPts val="0"/>
         </a:spcAft>
         <a:buNone/>
-        <a:defRPr sz="1400" b="0" i="0" u="none" strike="noStrike" cap="none" baseline="0">
+        <a:defRPr b="0" baseline="0" i="0" sz="1400" u="none" cap="none" strike="noStrike">
           <a:solidFill>
             <a:srgbClr val="000000"/>
           </a:solidFill>
@@ -6246,7 +5947,7 @@
           <a:rtl val="0"/>
         </a:defRPr>
       </a:lvl7pPr>
-      <a:lvl8pPr marR="0" algn="l" rtl="0">
+      <a:lvl8pPr marR="0" rtl="0" algn="l">
         <a:lnSpc>
           <a:spcPct val="100000"/>
         </a:lnSpc>
@@ -6257,7 +5958,7 @@
           <a:spcPts val="0"/>
         </a:spcAft>
         <a:buNone/>
-        <a:defRPr sz="1400" b="0" i="0" u="none" strike="noStrike" cap="none" baseline="0">
+        <a:defRPr b="0" baseline="0" i="0" sz="1400" u="none" cap="none" strike="noStrike">
           <a:solidFill>
             <a:srgbClr val="000000"/>
           </a:solidFill>
@@ -6268,7 +5969,7 @@
           <a:rtl val="0"/>
         </a:defRPr>
       </a:lvl8pPr>
-      <a:lvl9pPr marR="0" algn="l" rtl="0">
+      <a:lvl9pPr marR="0" rtl="0" algn="l">
         <a:lnSpc>
           <a:spcPct val="100000"/>
         </a:lnSpc>
@@ -6279,7 +5980,7 @@
           <a:spcPts val="0"/>
         </a:spcAft>
         <a:buNone/>
-        <a:defRPr sz="1400" b="0" i="0" u="none" strike="noStrike" cap="none" baseline="0">
+        <a:defRPr b="0" baseline="0" i="0" sz="1400" u="none" cap="none" strike="noStrike">
           <a:solidFill>
             <a:srgbClr val="000000"/>
           </a:solidFill>
@@ -6296,19 +5997,18 @@
 </file>
 
 <file path=ppt/slideMasters/slideMaster2.xml><?xml version="1.0" encoding="utf-8"?>
-<p:sldMaster xmlns:a="http://schemas.openxmlformats.org/drawingml/2006/main" xmlns:r="http://schemas.openxmlformats.org/officeDocument/2006/relationships" xmlns:p="http://schemas.openxmlformats.org/presentationml/2006/main">
+<p:sldMaster xmlns:a="http://schemas.openxmlformats.org/drawingml/2006/main" xmlns:r="http://schemas.openxmlformats.org/officeDocument/2006/relationships" xmlns:mc="http://schemas.openxmlformats.org/markup-compatibility/2006" xmlns:mv="urn:schemas-microsoft-com:mac:vml" xmlns:p="http://schemas.openxmlformats.org/presentationml/2006/main" xmlns:c="http://schemas.openxmlformats.org/drawingml/2006/chart" xmlns:dgm="http://schemas.openxmlformats.org/drawingml/2006/diagram" xmlns:o="urn:schemas-microsoft-com:office:office" xmlns:v="urn:schemas-microsoft-com:vml" xmlns:pvml="urn:schemas-microsoft-com:office:powerpoint" xmlns:com="http://schemas.openxmlformats.org/drawingml/2006/compatibility" xmlns:p14="http://schemas.microsoft.com/office/powerpoint/2010/main">
   <p:cSld>
     <p:bg>
       <p:bgPr>
         <a:solidFill>
           <a:schemeClr val="lt1"/>
         </a:solidFill>
-        <a:effectLst/>
       </p:bgPr>
     </p:bg>
     <p:spTree>
       <p:nvGrpSpPr>
-        <p:cNvPr id="1" name="Shape 153"/>
+        <p:cNvPr id="153" name="Shape 153"/>
         <p:cNvGrpSpPr/>
         <p:nvPr/>
       </p:nvGrpSpPr>
@@ -6323,9 +6023,7 @@
       <p:sp>
         <p:nvSpPr>
           <p:cNvPr id="154" name="Shape 154"/>
-          <p:cNvSpPr txBox="1">
-            <a:spLocks noGrp="1"/>
-          </p:cNvSpPr>
+          <p:cNvSpPr txBox="1"/>
           <p:nvPr>
             <p:ph type="title"/>
           </p:nvPr>
@@ -6344,7 +6042,7 @@
           </a:ln>
         </p:spPr>
         <p:txBody>
-          <a:bodyPr lIns="91425" tIns="91425" rIns="91425" bIns="91425" anchor="b" anchorCtr="0"/>
+          <a:bodyPr anchorCtr="0" anchor="b" bIns="91425" lIns="91425" rIns="91425" tIns="91425"/>
           <a:lstStyle>
             <a:lvl1pPr>
               <a:spcBef>
@@ -6355,7 +6053,7 @@
               </a:buClr>
               <a:buSzPct val="100000"/>
               <a:buNone/>
-              <a:defRPr sz="3600" b="1">
+              <a:defRPr b="1" sz="3600">
                 <a:solidFill>
                   <a:schemeClr val="dk1"/>
                 </a:solidFill>
@@ -6370,7 +6068,7 @@
               </a:buClr>
               <a:buSzPct val="100000"/>
               <a:buNone/>
-              <a:defRPr sz="3600" b="1">
+              <a:defRPr b="1" sz="3600">
                 <a:solidFill>
                   <a:schemeClr val="dk1"/>
                 </a:solidFill>
@@ -6385,7 +6083,7 @@
               </a:buClr>
               <a:buSzPct val="100000"/>
               <a:buNone/>
-              <a:defRPr sz="3600" b="1">
+              <a:defRPr b="1" sz="3600">
                 <a:solidFill>
                   <a:schemeClr val="dk1"/>
                 </a:solidFill>
@@ -6400,7 +6098,7 @@
               </a:buClr>
               <a:buSzPct val="100000"/>
               <a:buNone/>
-              <a:defRPr sz="3600" b="1">
+              <a:defRPr b="1" sz="3600">
                 <a:solidFill>
                   <a:schemeClr val="dk1"/>
                 </a:solidFill>
@@ -6415,7 +6113,7 @@
               </a:buClr>
               <a:buSzPct val="100000"/>
               <a:buNone/>
-              <a:defRPr sz="3600" b="1">
+              <a:defRPr b="1" sz="3600">
                 <a:solidFill>
                   <a:schemeClr val="dk1"/>
                 </a:solidFill>
@@ -6430,7 +6128,7 @@
               </a:buClr>
               <a:buSzPct val="100000"/>
               <a:buNone/>
-              <a:defRPr sz="3600" b="1">
+              <a:defRPr b="1" sz="3600">
                 <a:solidFill>
                   <a:schemeClr val="dk1"/>
                 </a:solidFill>
@@ -6445,7 +6143,7 @@
               </a:buClr>
               <a:buSzPct val="100000"/>
               <a:buNone/>
-              <a:defRPr sz="3600" b="1">
+              <a:defRPr b="1" sz="3600">
                 <a:solidFill>
                   <a:schemeClr val="dk1"/>
                 </a:solidFill>
@@ -6460,7 +6158,7 @@
               </a:buClr>
               <a:buSzPct val="100000"/>
               <a:buNone/>
-              <a:defRPr sz="3600" b="1">
+              <a:defRPr b="1" sz="3600">
                 <a:solidFill>
                   <a:schemeClr val="dk1"/>
                 </a:solidFill>
@@ -6475,26 +6173,22 @@
               </a:buClr>
               <a:buSzPct val="100000"/>
               <a:buNone/>
-              <a:defRPr sz="3600" b="1">
+              <a:defRPr b="1" sz="3600">
                 <a:solidFill>
                   <a:schemeClr val="dk1"/>
                 </a:solidFill>
               </a:defRPr>
             </a:lvl9pPr>
           </a:lstStyle>
-          <a:p>
-            <a:endParaRPr/>
-          </a:p>
+          <a:p/>
         </p:txBody>
       </p:sp>
       <p:sp>
         <p:nvSpPr>
           <p:cNvPr id="155" name="Shape 155"/>
-          <p:cNvSpPr txBox="1">
-            <a:spLocks noGrp="1"/>
-          </p:cNvSpPr>
+          <p:cNvSpPr txBox="1"/>
           <p:nvPr>
-            <p:ph type="body" idx="1"/>
+            <p:ph idx="1" type="body"/>
           </p:nvPr>
         </p:nvSpPr>
         <p:spPr>
@@ -6511,7 +6205,7 @@
           </a:ln>
         </p:spPr>
         <p:txBody>
-          <a:bodyPr lIns="91425" tIns="91425" rIns="91425" bIns="91425" anchor="t" anchorCtr="0"/>
+          <a:bodyPr anchorCtr="0" anchor="t" bIns="91425" lIns="91425" rIns="91425" tIns="91425"/>
           <a:lstStyle>
             <a:lvl1pPr>
               <a:spcBef>
@@ -6640,19 +6334,15 @@
               </a:defRPr>
             </a:lvl9pPr>
           </a:lstStyle>
-          <a:p>
-            <a:endParaRPr/>
-          </a:p>
+          <a:p/>
         </p:txBody>
       </p:sp>
       <p:sp>
         <p:nvSpPr>
           <p:cNvPr id="156" name="Shape 156"/>
-          <p:cNvSpPr txBox="1">
-            <a:spLocks noGrp="1"/>
-          </p:cNvSpPr>
+          <p:cNvSpPr txBox="1"/>
           <p:nvPr>
-            <p:ph type="sldNum" idx="12"/>
+            <p:ph idx="12" type="sldNum"/>
           </p:nvPr>
         </p:nvSpPr>
         <p:spPr>
@@ -6669,7 +6359,7 @@
           </a:ln>
         </p:spPr>
         <p:txBody>
-          <a:bodyPr lIns="91425" tIns="91425" rIns="91425" bIns="91425" anchor="ctr" anchorCtr="0">
+          <a:bodyPr anchorCtr="0" anchor="ctr" bIns="91425" lIns="91425" rIns="91425" tIns="91425">
             <a:noAutofit/>
           </a:bodyPr>
           <a:lstStyle/>
@@ -6688,17 +6378,12 @@
               </a:rPr>
               <a:t>‹#›</a:t>
             </a:fld>
-            <a:endParaRPr lang="en" sz="1300">
-              <a:solidFill>
-                <a:schemeClr val="dk1"/>
-              </a:solidFill>
-            </a:endParaRPr>
           </a:p>
         </p:txBody>
       </p:sp>
     </p:spTree>
   </p:cSld>
-  <p:clrMap bg1="lt1" tx1="dk1" bg2="dk2" tx2="lt2" accent1="accent1" accent2="accent2" accent3="accent3" accent4="accent4" accent5="accent5" accent6="accent6" hlink="hlink" folHlink="folHlink"/>
+  <p:clrMap accent1="accent1" accent2="accent2" accent3="accent3" accent4="accent4" accent5="accent5" accent6="accent6" bg1="lt1" bg2="dk2" tx1="dk1" tx2="lt2" folHlink="folHlink" hlink="hlink"/>
   <p:sldLayoutIdLst>
     <p:sldLayoutId id="2147483656" r:id="rId1"/>
     <p:sldLayoutId id="2147483657" r:id="rId2"/>
@@ -6707,10 +6392,10 @@
     <p:sldLayoutId id="2147483660" r:id="rId5"/>
     <p:sldLayoutId id="2147483661" r:id="rId6"/>
   </p:sldLayoutIdLst>
-  <p:hf sldNum="0" hdr="0" ftr="0" dt="0"/>
+  <p:hf dt="0" ftr="0" hdr="0" sldNum="0"/>
   <p:txStyles>
     <p:titleStyle>
-      <a:defPPr marR="0" algn="l" rtl="0">
+      <a:defPPr marR="0" rtl="0" algn="l">
         <a:lnSpc>
           <a:spcPct val="100000"/>
         </a:lnSpc>
@@ -6721,7 +6406,7 @@
           <a:spcPts val="0"/>
         </a:spcAft>
       </a:defPPr>
-      <a:lvl1pPr marR="0" algn="l" rtl="0">
+      <a:lvl1pPr marR="0" rtl="0" algn="l">
         <a:lnSpc>
           <a:spcPct val="100000"/>
         </a:lnSpc>
@@ -6732,7 +6417,7 @@
           <a:spcPts val="0"/>
         </a:spcAft>
         <a:buNone/>
-        <a:defRPr sz="1400" b="0" i="0" u="none" strike="noStrike" cap="none" baseline="0">
+        <a:defRPr b="0" baseline="0" i="0" sz="1400" u="none" cap="none" strike="noStrike">
           <a:solidFill>
             <a:srgbClr val="000000"/>
           </a:solidFill>
@@ -6745,7 +6430,7 @@
       </a:lvl1pPr>
     </p:titleStyle>
     <p:bodyStyle>
-      <a:defPPr marR="0" algn="l" rtl="0">
+      <a:defPPr marR="0" rtl="0" algn="l">
         <a:lnSpc>
           <a:spcPct val="100000"/>
         </a:lnSpc>
@@ -6756,7 +6441,7 @@
           <a:spcPts val="0"/>
         </a:spcAft>
       </a:defPPr>
-      <a:lvl1pPr marR="0" algn="l" rtl="0">
+      <a:lvl1pPr marR="0" rtl="0" algn="l">
         <a:lnSpc>
           <a:spcPct val="100000"/>
         </a:lnSpc>
@@ -6767,7 +6452,7 @@
           <a:spcPts val="0"/>
         </a:spcAft>
         <a:buNone/>
-        <a:defRPr sz="1400" b="0" i="0" u="none" strike="noStrike" cap="none" baseline="0">
+        <a:defRPr b="0" baseline="0" i="0" sz="1400" u="none" cap="none" strike="noStrike">
           <a:solidFill>
             <a:srgbClr val="000000"/>
           </a:solidFill>
@@ -6778,7 +6463,7 @@
           <a:rtl val="0"/>
         </a:defRPr>
       </a:lvl1pPr>
-      <a:lvl2pPr marR="0" algn="l" rtl="0">
+      <a:lvl2pPr marR="0" rtl="0" algn="l">
         <a:lnSpc>
           <a:spcPct val="100000"/>
         </a:lnSpc>
@@ -6789,7 +6474,7 @@
           <a:spcPts val="0"/>
         </a:spcAft>
         <a:buNone/>
-        <a:defRPr sz="1400" b="0" i="0" u="none" strike="noStrike" cap="none" baseline="0">
+        <a:defRPr b="0" baseline="0" i="0" sz="1400" u="none" cap="none" strike="noStrike">
           <a:solidFill>
             <a:srgbClr val="000000"/>
           </a:solidFill>
@@ -6800,7 +6485,7 @@
           <a:rtl val="0"/>
         </a:defRPr>
       </a:lvl2pPr>
-      <a:lvl3pPr marR="0" algn="l" rtl="0">
+      <a:lvl3pPr marR="0" rtl="0" algn="l">
         <a:lnSpc>
           <a:spcPct val="100000"/>
         </a:lnSpc>
@@ -6811,7 +6496,7 @@
           <a:spcPts val="0"/>
         </a:spcAft>
         <a:buNone/>
-        <a:defRPr sz="1400" b="0" i="0" u="none" strike="noStrike" cap="none" baseline="0">
+        <a:defRPr b="0" baseline="0" i="0" sz="1400" u="none" cap="none" strike="noStrike">
           <a:solidFill>
             <a:srgbClr val="000000"/>
           </a:solidFill>
@@ -6822,7 +6507,7 @@
           <a:rtl val="0"/>
         </a:defRPr>
       </a:lvl3pPr>
-      <a:lvl4pPr marR="0" algn="l" rtl="0">
+      <a:lvl4pPr marR="0" rtl="0" algn="l">
         <a:lnSpc>
           <a:spcPct val="100000"/>
         </a:lnSpc>
@@ -6833,7 +6518,7 @@
           <a:spcPts val="0"/>
         </a:spcAft>
         <a:buNone/>
-        <a:defRPr sz="1400" b="0" i="0" u="none" strike="noStrike" cap="none" baseline="0">
+        <a:defRPr b="0" baseline="0" i="0" sz="1400" u="none" cap="none" strike="noStrike">
           <a:solidFill>
             <a:srgbClr val="000000"/>
           </a:solidFill>
@@ -6844,7 +6529,7 @@
           <a:rtl val="0"/>
         </a:defRPr>
       </a:lvl4pPr>
-      <a:lvl5pPr marR="0" algn="l" rtl="0">
+      <a:lvl5pPr marR="0" rtl="0" algn="l">
         <a:lnSpc>
           <a:spcPct val="100000"/>
         </a:lnSpc>
@@ -6855,7 +6540,7 @@
           <a:spcPts val="0"/>
         </a:spcAft>
         <a:buNone/>
-        <a:defRPr sz="1400" b="0" i="0" u="none" strike="noStrike" cap="none" baseline="0">
+        <a:defRPr b="0" baseline="0" i="0" sz="1400" u="none" cap="none" strike="noStrike">
           <a:solidFill>
             <a:srgbClr val="000000"/>
           </a:solidFill>
@@ -6866,7 +6551,7 @@
           <a:rtl val="0"/>
         </a:defRPr>
       </a:lvl5pPr>
-      <a:lvl6pPr marR="0" algn="l" rtl="0">
+      <a:lvl6pPr marR="0" rtl="0" algn="l">
         <a:lnSpc>
           <a:spcPct val="100000"/>
         </a:lnSpc>
@@ -6877,7 +6562,7 @@
           <a:spcPts val="0"/>
         </a:spcAft>
         <a:buNone/>
-        <a:defRPr sz="1400" b="0" i="0" u="none" strike="noStrike" cap="none" baseline="0">
+        <a:defRPr b="0" baseline="0" i="0" sz="1400" u="none" cap="none" strike="noStrike">
           <a:solidFill>
             <a:srgbClr val="000000"/>
           </a:solidFill>
@@ -6888,7 +6573,7 @@
           <a:rtl val="0"/>
         </a:defRPr>
       </a:lvl6pPr>
-      <a:lvl7pPr marR="0" algn="l" rtl="0">
+      <a:lvl7pPr marR="0" rtl="0" algn="l">
         <a:lnSpc>
           <a:spcPct val="100000"/>
         </a:lnSpc>
@@ -6899,7 +6584,7 @@
           <a:spcPts val="0"/>
         </a:spcAft>
         <a:buNone/>
-        <a:defRPr sz="1400" b="0" i="0" u="none" strike="noStrike" cap="none" baseline="0">
+        <a:defRPr b="0" baseline="0" i="0" sz="1400" u="none" cap="none" strike="noStrike">
           <a:solidFill>
             <a:srgbClr val="000000"/>
           </a:solidFill>
@@ -6910,7 +6595,7 @@
           <a:rtl val="0"/>
         </a:defRPr>
       </a:lvl7pPr>
-      <a:lvl8pPr marR="0" algn="l" rtl="0">
+      <a:lvl8pPr marR="0" rtl="0" algn="l">
         <a:lnSpc>
           <a:spcPct val="100000"/>
         </a:lnSpc>
@@ -6921,7 +6606,7 @@
           <a:spcPts val="0"/>
         </a:spcAft>
         <a:buNone/>
-        <a:defRPr sz="1400" b="0" i="0" u="none" strike="noStrike" cap="none" baseline="0">
+        <a:defRPr b="0" baseline="0" i="0" sz="1400" u="none" cap="none" strike="noStrike">
           <a:solidFill>
             <a:srgbClr val="000000"/>
           </a:solidFill>
@@ -6932,7 +6617,7 @@
           <a:rtl val="0"/>
         </a:defRPr>
       </a:lvl8pPr>
-      <a:lvl9pPr marR="0" algn="l" rtl="0">
+      <a:lvl9pPr marR="0" rtl="0" algn="l">
         <a:lnSpc>
           <a:spcPct val="100000"/>
         </a:lnSpc>
@@ -6943,7 +6628,7 @@
           <a:spcPts val="0"/>
         </a:spcAft>
         <a:buNone/>
-        <a:defRPr sz="1400" b="0" i="0" u="none" strike="noStrike" cap="none" baseline="0">
+        <a:defRPr b="0" baseline="0" i="0" sz="1400" u="none" cap="none" strike="noStrike">
           <a:solidFill>
             <a:srgbClr val="000000"/>
           </a:solidFill>
@@ -6956,7 +6641,7 @@
       </a:lvl9pPr>
     </p:bodyStyle>
     <p:otherStyle>
-      <a:defPPr marR="0" algn="l" rtl="0">
+      <a:defPPr marR="0" rtl="0" algn="l">
         <a:lnSpc>
           <a:spcPct val="100000"/>
         </a:lnSpc>
@@ -6967,7 +6652,7 @@
           <a:spcPts val="0"/>
         </a:spcAft>
       </a:defPPr>
-      <a:lvl1pPr marR="0" algn="l" rtl="0">
+      <a:lvl1pPr marR="0" rtl="0" algn="l">
         <a:lnSpc>
           <a:spcPct val="100000"/>
         </a:lnSpc>
@@ -6978,7 +6663,7 @@
           <a:spcPts val="0"/>
         </a:spcAft>
         <a:buNone/>
-        <a:defRPr sz="1400" b="0" i="0" u="none" strike="noStrike" cap="none" baseline="0">
+        <a:defRPr b="0" baseline="0" i="0" sz="1400" u="none" cap="none" strike="noStrike">
           <a:solidFill>
             <a:srgbClr val="000000"/>
           </a:solidFill>
@@ -6989,7 +6674,7 @@
           <a:rtl val="0"/>
         </a:defRPr>
       </a:lvl1pPr>
-      <a:lvl2pPr marR="0" algn="l" rtl="0">
+      <a:lvl2pPr marR="0" rtl="0" algn="l">
         <a:lnSpc>
           <a:spcPct val="100000"/>
         </a:lnSpc>
@@ -7000,7 +6685,7 @@
           <a:spcPts val="0"/>
         </a:spcAft>
         <a:buNone/>
-        <a:defRPr sz="1400" b="0" i="0" u="none" strike="noStrike" cap="none" baseline="0">
+        <a:defRPr b="0" baseline="0" i="0" sz="1400" u="none" cap="none" strike="noStrike">
           <a:solidFill>
             <a:srgbClr val="000000"/>
           </a:solidFill>
@@ -7011,7 +6696,7 @@
           <a:rtl val="0"/>
         </a:defRPr>
       </a:lvl2pPr>
-      <a:lvl3pPr marR="0" algn="l" rtl="0">
+      <a:lvl3pPr marR="0" rtl="0" algn="l">
         <a:lnSpc>
           <a:spcPct val="100000"/>
         </a:lnSpc>
@@ -7022,7 +6707,7 @@
           <a:spcPts val="0"/>
         </a:spcAft>
         <a:buNone/>
-        <a:defRPr sz="1400" b="0" i="0" u="none" strike="noStrike" cap="none" baseline="0">
+        <a:defRPr b="0" baseline="0" i="0" sz="1400" u="none" cap="none" strike="noStrike">
           <a:solidFill>
             <a:srgbClr val="000000"/>
           </a:solidFill>
@@ -7033,7 +6718,7 @@
           <a:rtl val="0"/>
         </a:defRPr>
       </a:lvl3pPr>
-      <a:lvl4pPr marR="0" algn="l" rtl="0">
+      <a:lvl4pPr marR="0" rtl="0" algn="l">
         <a:lnSpc>
           <a:spcPct val="100000"/>
         </a:lnSpc>
@@ -7044,7 +6729,7 @@
           <a:spcPts val="0"/>
         </a:spcAft>
         <a:buNone/>
-        <a:defRPr sz="1400" b="0" i="0" u="none" strike="noStrike" cap="none" baseline="0">
+        <a:defRPr b="0" baseline="0" i="0" sz="1400" u="none" cap="none" strike="noStrike">
           <a:solidFill>
             <a:srgbClr val="000000"/>
           </a:solidFill>
@@ -7055,7 +6740,7 @@
           <a:rtl val="0"/>
         </a:defRPr>
       </a:lvl4pPr>
-      <a:lvl5pPr marR="0" algn="l" rtl="0">
+      <a:lvl5pPr marR="0" rtl="0" algn="l">
         <a:lnSpc>
           <a:spcPct val="100000"/>
         </a:lnSpc>
@@ -7066,7 +6751,7 @@
           <a:spcPts val="0"/>
         </a:spcAft>
         <a:buNone/>
-        <a:defRPr sz="1400" b="0" i="0" u="none" strike="noStrike" cap="none" baseline="0">
+        <a:defRPr b="0" baseline="0" i="0" sz="1400" u="none" cap="none" strike="noStrike">
           <a:solidFill>
             <a:srgbClr val="000000"/>
           </a:solidFill>
@@ -7077,7 +6762,7 @@
           <a:rtl val="0"/>
         </a:defRPr>
       </a:lvl5pPr>
-      <a:lvl6pPr marR="0" algn="l" rtl="0">
+      <a:lvl6pPr marR="0" rtl="0" algn="l">
         <a:lnSpc>
           <a:spcPct val="100000"/>
         </a:lnSpc>
@@ -7088,7 +6773,7 @@
           <a:spcPts val="0"/>
         </a:spcAft>
         <a:buNone/>
-        <a:defRPr sz="1400" b="0" i="0" u="none" strike="noStrike" cap="none" baseline="0">
+        <a:defRPr b="0" baseline="0" i="0" sz="1400" u="none" cap="none" strike="noStrike">
           <a:solidFill>
             <a:srgbClr val="000000"/>
           </a:solidFill>
@@ -7099,7 +6784,7 @@
           <a:rtl val="0"/>
         </a:defRPr>
       </a:lvl6pPr>
-      <a:lvl7pPr marR="0" algn="l" rtl="0">
+      <a:lvl7pPr marR="0" rtl="0" algn="l">
         <a:lnSpc>
           <a:spcPct val="100000"/>
         </a:lnSpc>
@@ -7110,7 +6795,7 @@
           <a:spcPts val="0"/>
         </a:spcAft>
         <a:buNone/>
-        <a:defRPr sz="1400" b="0" i="0" u="none" strike="noStrike" cap="none" baseline="0">
+        <a:defRPr b="0" baseline="0" i="0" sz="1400" u="none" cap="none" strike="noStrike">
           <a:solidFill>
             <a:srgbClr val="000000"/>
           </a:solidFill>
@@ -7121,7 +6806,7 @@
           <a:rtl val="0"/>
         </a:defRPr>
       </a:lvl7pPr>
-      <a:lvl8pPr marR="0" algn="l" rtl="0">
+      <a:lvl8pPr marR="0" rtl="0" algn="l">
         <a:lnSpc>
           <a:spcPct val="100000"/>
         </a:lnSpc>
@@ -7132,7 +6817,7 @@
           <a:spcPts val="0"/>
         </a:spcAft>
         <a:buNone/>
-        <a:defRPr sz="1400" b="0" i="0" u="none" strike="noStrike" cap="none" baseline="0">
+        <a:defRPr b="0" baseline="0" i="0" sz="1400" u="none" cap="none" strike="noStrike">
           <a:solidFill>
             <a:srgbClr val="000000"/>
           </a:solidFill>
@@ -7143,7 +6828,7 @@
           <a:rtl val="0"/>
         </a:defRPr>
       </a:lvl8pPr>
-      <a:lvl9pPr marR="0" algn="l" rtl="0">
+      <a:lvl9pPr marR="0" rtl="0" algn="l">
         <a:lnSpc>
           <a:spcPct val="100000"/>
         </a:lnSpc>
@@ -7154,7 +6839,7 @@
           <a:spcPts val="0"/>
         </a:spcAft>
         <a:buNone/>
-        <a:defRPr sz="1400" b="0" i="0" u="none" strike="noStrike" cap="none" baseline="0">
+        <a:defRPr b="0" baseline="0" i="0" sz="1400" u="none" cap="none" strike="noStrike">
           <a:solidFill>
             <a:srgbClr val="000000"/>
           </a:solidFill>
@@ -7171,19 +6856,18 @@
 </file>
 
 <file path=ppt/slides/slide1.xml><?xml version="1.0" encoding="utf-8"?>
-<p:sld xmlns:a="http://schemas.openxmlformats.org/drawingml/2006/main" xmlns:r="http://schemas.openxmlformats.org/officeDocument/2006/relationships" xmlns:p="http://schemas.openxmlformats.org/presentationml/2006/main">
+<p:sld xmlns:a="http://schemas.openxmlformats.org/drawingml/2006/main" xmlns:r="http://schemas.openxmlformats.org/officeDocument/2006/relationships" xmlns:mc="http://schemas.openxmlformats.org/markup-compatibility/2006" xmlns:mv="urn:schemas-microsoft-com:mac:vml" xmlns:p="http://schemas.openxmlformats.org/presentationml/2006/main" xmlns:c="http://schemas.openxmlformats.org/drawingml/2006/chart" xmlns:dgm="http://schemas.openxmlformats.org/drawingml/2006/diagram" xmlns:o="urn:schemas-microsoft-com:office:office" xmlns:v="urn:schemas-microsoft-com:vml" xmlns:pvml="urn:schemas-microsoft-com:office:powerpoint" xmlns:com="http://schemas.openxmlformats.org/drawingml/2006/compatibility" xmlns:p14="http://schemas.microsoft.com/office/powerpoint/2010/main">
   <p:cSld>
     <p:bg>
       <p:bgPr>
         <a:solidFill>
           <a:srgbClr val="8D5571"/>
         </a:solidFill>
-        <a:effectLst/>
       </p:bgPr>
     </p:bg>
     <p:spTree>
       <p:nvGrpSpPr>
-        <p:cNvPr id="1" name="Shape 34"/>
+        <p:cNvPr id="34" name="Shape 34"/>
         <p:cNvGrpSpPr/>
         <p:nvPr/>
       </p:nvGrpSpPr>
@@ -7198,9 +6882,7 @@
       <p:sp>
         <p:nvSpPr>
           <p:cNvPr id="35" name="Shape 35"/>
-          <p:cNvSpPr txBox="1">
-            <a:spLocks noGrp="1"/>
-          </p:cNvSpPr>
+          <p:cNvSpPr txBox="1"/>
           <p:nvPr>
             <p:ph type="title"/>
           </p:nvPr>
@@ -7215,7 +6897,7 @@
           </a:prstGeom>
         </p:spPr>
         <p:txBody>
-          <a:bodyPr lIns="91425" tIns="91425" rIns="91425" bIns="91425" anchor="b" anchorCtr="0">
+          <a:bodyPr anchorCtr="0" anchor="b" bIns="91425" lIns="91425" rIns="91425" tIns="91425">
             <a:noAutofit/>
           </a:bodyPr>
           <a:lstStyle/>
@@ -7227,7 +6909,7 @@
               <a:buNone/>
             </a:pPr>
             <a:r>
-              <a:rPr lang="en" b="0"/>
+              <a:rPr b="0" lang="en"/>
               <a:t>Data Management Final Project Review:</a:t>
             </a:r>
           </a:p>
@@ -7243,7 +6925,7 @@
               <a:t>WDB</a:t>
             </a:r>
             <a:r>
-              <a:rPr lang="en" b="0"/>
+              <a:rPr b="0" lang="en"/>
               <a:t> + </a:t>
             </a:r>
             <a:r>
@@ -7256,16 +6938,14 @@
       <p:sp>
         <p:nvSpPr>
           <p:cNvPr id="36" name="Shape 36"/>
-          <p:cNvSpPr txBox="1">
-            <a:spLocks noGrp="1"/>
-          </p:cNvSpPr>
+          <p:cNvSpPr txBox="1"/>
           <p:nvPr>
-            <p:ph type="title" idx="2"/>
+            <p:ph idx="2" type="title"/>
           </p:nvPr>
         </p:nvSpPr>
         <p:spPr>
           <a:xfrm>
-            <a:off x="5762063" y="4785754"/>
+            <a:off x="4530575" y="4795375"/>
             <a:ext cx="5587200" cy="382799"/>
           </a:xfrm>
           <a:prstGeom prst="rect">
@@ -7273,7 +6953,7 @@
           </a:prstGeom>
         </p:spPr>
         <p:txBody>
-          <a:bodyPr lIns="91425" tIns="91425" rIns="91425" bIns="91425" anchor="b" anchorCtr="0">
+          <a:bodyPr anchorCtr="0" anchor="b" bIns="91425" lIns="91425" rIns="91425" tIns="91425">
             <a:noAutofit/>
           </a:bodyPr>
           <a:lstStyle/>
@@ -7285,7 +6965,7 @@
               <a:buNone/>
             </a:pPr>
             <a:r>
-              <a:rPr lang="en" sz="1800" b="0" dirty="0"/>
+              <a:rPr b="0" lang="en" sz="1800"/>
               <a:t>Raymond Chee &amp; Qicong Deng</a:t>
             </a:r>
           </a:p>
@@ -7297,7 +6977,7 @@
               <a:buNone/>
             </a:pPr>
             <a:r>
-              <a:rPr lang="en" sz="1800" b="0" dirty="0"/>
+              <a:rPr b="0" lang="en" sz="1800"/>
               <a:t>Group: D2</a:t>
             </a:r>
           </a:p>
@@ -7309,7 +6989,7 @@
               <a:buNone/>
             </a:pPr>
             <a:r>
-              <a:rPr lang="en" sz="1800" b="0" dirty="0"/>
+              <a:rPr b="0" lang="en" sz="1800"/>
               <a:t>CS 347, Dr. Cannata, Fall 2015</a:t>
             </a:r>
           </a:p>
@@ -7320,18 +7000,18 @@
   <p:clrMapOvr>
     <a:masterClrMapping/>
   </p:clrMapOvr>
-  <p:transition xmlns:p14="http://schemas.microsoft.com/office/powerpoint/2010/main" spd="slow">
+  <p:transition spd="slow">
     <p:cut/>
   </p:transition>
 </p:sld>
 </file>
 
 <file path=ppt/slides/slide10.xml><?xml version="1.0" encoding="utf-8"?>
-<p:sld xmlns:a="http://schemas.openxmlformats.org/drawingml/2006/main" xmlns:r="http://schemas.openxmlformats.org/officeDocument/2006/relationships" xmlns:p="http://schemas.openxmlformats.org/presentationml/2006/main">
+<p:sld xmlns:a="http://schemas.openxmlformats.org/drawingml/2006/main" xmlns:r="http://schemas.openxmlformats.org/officeDocument/2006/relationships" xmlns:mc="http://schemas.openxmlformats.org/markup-compatibility/2006" xmlns:mv="urn:schemas-microsoft-com:mac:vml" xmlns:p="http://schemas.openxmlformats.org/presentationml/2006/main" xmlns:c="http://schemas.openxmlformats.org/drawingml/2006/chart" xmlns:dgm="http://schemas.openxmlformats.org/drawingml/2006/diagram" xmlns:o="urn:schemas-microsoft-com:office:office" xmlns:v="urn:schemas-microsoft-com:vml" xmlns:pvml="urn:schemas-microsoft-com:office:powerpoint" xmlns:com="http://schemas.openxmlformats.org/drawingml/2006/compatibility" xmlns:p14="http://schemas.microsoft.com/office/powerpoint/2010/main">
   <p:cSld>
     <p:spTree>
       <p:nvGrpSpPr>
-        <p:cNvPr id="1" name="Shape 88"/>
+        <p:cNvPr id="88" name="Shape 88"/>
         <p:cNvGrpSpPr/>
         <p:nvPr/>
       </p:nvGrpSpPr>
@@ -7346,9 +7026,7 @@
       <p:sp>
         <p:nvSpPr>
           <p:cNvPr id="89" name="Shape 89"/>
-          <p:cNvSpPr txBox="1">
-            <a:spLocks noGrp="1"/>
-          </p:cNvSpPr>
+          <p:cNvSpPr txBox="1"/>
           <p:nvPr>
             <p:ph type="title"/>
           </p:nvPr>
@@ -7363,12 +7041,12 @@
           </a:prstGeom>
         </p:spPr>
         <p:txBody>
-          <a:bodyPr lIns="91425" tIns="91425" rIns="91425" bIns="91425" anchor="b" anchorCtr="0">
+          <a:bodyPr anchorCtr="0" anchor="b" bIns="91425" lIns="91425" rIns="91425" tIns="91425">
             <a:noAutofit/>
           </a:bodyPr>
           <a:lstStyle/>
           <a:p>
-            <a:pPr lvl="0" algn="ctr" rtl="0">
+            <a:pPr lvl="0" rtl="0" algn="ctr">
               <a:spcBef>
                 <a:spcPts val="0"/>
               </a:spcBef>
@@ -7532,18 +7210,18 @@
   <p:clrMapOvr>
     <a:masterClrMapping/>
   </p:clrMapOvr>
-  <p:transition xmlns:p14="http://schemas.microsoft.com/office/powerpoint/2010/main" spd="slow">
+  <p:transition spd="slow">
     <p:cut/>
   </p:transition>
 </p:sld>
 </file>
 
 <file path=ppt/slides/slide11.xml><?xml version="1.0" encoding="utf-8"?>
-<p:sld xmlns:a="http://schemas.openxmlformats.org/drawingml/2006/main" xmlns:r="http://schemas.openxmlformats.org/officeDocument/2006/relationships" xmlns:p="http://schemas.openxmlformats.org/presentationml/2006/main">
+<p:sld xmlns:a="http://schemas.openxmlformats.org/drawingml/2006/main" xmlns:r="http://schemas.openxmlformats.org/officeDocument/2006/relationships" xmlns:mc="http://schemas.openxmlformats.org/markup-compatibility/2006" xmlns:mv="urn:schemas-microsoft-com:mac:vml" xmlns:p="http://schemas.openxmlformats.org/presentationml/2006/main" xmlns:c="http://schemas.openxmlformats.org/drawingml/2006/chart" xmlns:dgm="http://schemas.openxmlformats.org/drawingml/2006/diagram" xmlns:o="urn:schemas-microsoft-com:office:office" xmlns:v="urn:schemas-microsoft-com:vml" xmlns:pvml="urn:schemas-microsoft-com:office:powerpoint" xmlns:com="http://schemas.openxmlformats.org/drawingml/2006/compatibility" xmlns:p14="http://schemas.microsoft.com/office/powerpoint/2010/main">
   <p:cSld>
     <p:spTree>
       <p:nvGrpSpPr>
-        <p:cNvPr id="1" name="Shape 99"/>
+        <p:cNvPr id="99" name="Shape 99"/>
         <p:cNvGrpSpPr/>
         <p:nvPr/>
       </p:nvGrpSpPr>
@@ -7558,9 +7236,7 @@
       <p:sp>
         <p:nvSpPr>
           <p:cNvPr id="100" name="Shape 100"/>
-          <p:cNvSpPr txBox="1">
-            <a:spLocks noGrp="1"/>
-          </p:cNvSpPr>
+          <p:cNvSpPr txBox="1"/>
           <p:nvPr>
             <p:ph type="title"/>
           </p:nvPr>
@@ -7575,12 +7251,12 @@
           </a:prstGeom>
         </p:spPr>
         <p:txBody>
-          <a:bodyPr lIns="91425" tIns="91425" rIns="91425" bIns="91425" anchor="b" anchorCtr="0">
+          <a:bodyPr anchorCtr="0" anchor="b" bIns="91425" lIns="91425" rIns="91425" tIns="91425">
             <a:noAutofit/>
           </a:bodyPr>
           <a:lstStyle/>
           <a:p>
-            <a:pPr lvl="0" algn="ctr" rtl="0">
+            <a:pPr lvl="0" rtl="0" algn="ctr">
               <a:spcBef>
                 <a:spcPts val="0"/>
               </a:spcBef>
@@ -7744,18 +7420,18 @@
   <p:clrMapOvr>
     <a:masterClrMapping/>
   </p:clrMapOvr>
-  <p:transition xmlns:p14="http://schemas.microsoft.com/office/powerpoint/2010/main" spd="slow">
+  <p:transition spd="slow">
     <p:cut/>
   </p:transition>
 </p:sld>
 </file>
 
 <file path=ppt/slides/slide12.xml><?xml version="1.0" encoding="utf-8"?>
-<p:sld xmlns:a="http://schemas.openxmlformats.org/drawingml/2006/main" xmlns:r="http://schemas.openxmlformats.org/officeDocument/2006/relationships" xmlns:p="http://schemas.openxmlformats.org/presentationml/2006/main">
+<p:sld xmlns:a="http://schemas.openxmlformats.org/drawingml/2006/main" xmlns:r="http://schemas.openxmlformats.org/officeDocument/2006/relationships" xmlns:mc="http://schemas.openxmlformats.org/markup-compatibility/2006" xmlns:mv="urn:schemas-microsoft-com:mac:vml" xmlns:p="http://schemas.openxmlformats.org/presentationml/2006/main" xmlns:c="http://schemas.openxmlformats.org/drawingml/2006/chart" xmlns:dgm="http://schemas.openxmlformats.org/drawingml/2006/diagram" xmlns:o="urn:schemas-microsoft-com:office:office" xmlns:v="urn:schemas-microsoft-com:vml" xmlns:pvml="urn:schemas-microsoft-com:office:powerpoint" xmlns:com="http://schemas.openxmlformats.org/drawingml/2006/compatibility" xmlns:p14="http://schemas.microsoft.com/office/powerpoint/2010/main">
   <p:cSld>
     <p:spTree>
       <p:nvGrpSpPr>
-        <p:cNvPr id="1" name="Shape 110"/>
+        <p:cNvPr id="110" name="Shape 110"/>
         <p:cNvGrpSpPr/>
         <p:nvPr/>
       </p:nvGrpSpPr>
@@ -7770,9 +7446,7 @@
       <p:sp>
         <p:nvSpPr>
           <p:cNvPr id="111" name="Shape 111"/>
-          <p:cNvSpPr txBox="1">
-            <a:spLocks noGrp="1"/>
-          </p:cNvSpPr>
+          <p:cNvSpPr txBox="1"/>
           <p:nvPr>
             <p:ph type="title"/>
           </p:nvPr>
@@ -7787,12 +7461,12 @@
           </a:prstGeom>
         </p:spPr>
         <p:txBody>
-          <a:bodyPr lIns="91425" tIns="91425" rIns="91425" bIns="91425" anchor="b" anchorCtr="0">
+          <a:bodyPr anchorCtr="0" anchor="b" bIns="91425" lIns="91425" rIns="91425" tIns="91425">
             <a:noAutofit/>
           </a:bodyPr>
           <a:lstStyle/>
           <a:p>
-            <a:pPr lvl="0" algn="ctr" rtl="0">
+            <a:pPr lvl="0" rtl="0" algn="ctr">
               <a:spcBef>
                 <a:spcPts val="0"/>
               </a:spcBef>
@@ -8027,18 +7701,18 @@
   <p:clrMapOvr>
     <a:masterClrMapping/>
   </p:clrMapOvr>
-  <p:transition xmlns:p14="http://schemas.microsoft.com/office/powerpoint/2010/main" spd="slow">
+  <p:transition spd="slow">
     <p:cut/>
   </p:transition>
 </p:sld>
 </file>
 
 <file path=ppt/slides/slide13.xml><?xml version="1.0" encoding="utf-8"?>
-<p:sld xmlns:a="http://schemas.openxmlformats.org/drawingml/2006/main" xmlns:r="http://schemas.openxmlformats.org/officeDocument/2006/relationships" xmlns:p="http://schemas.openxmlformats.org/presentationml/2006/main">
+<p:sld xmlns:a="http://schemas.openxmlformats.org/drawingml/2006/main" xmlns:r="http://schemas.openxmlformats.org/officeDocument/2006/relationships" xmlns:mc="http://schemas.openxmlformats.org/markup-compatibility/2006" xmlns:mv="urn:schemas-microsoft-com:mac:vml" xmlns:p="http://schemas.openxmlformats.org/presentationml/2006/main" xmlns:c="http://schemas.openxmlformats.org/drawingml/2006/chart" xmlns:dgm="http://schemas.openxmlformats.org/drawingml/2006/diagram" xmlns:o="urn:schemas-microsoft-com:office:office" xmlns:v="urn:schemas-microsoft-com:vml" xmlns:pvml="urn:schemas-microsoft-com:office:powerpoint" xmlns:com="http://schemas.openxmlformats.org/drawingml/2006/compatibility" xmlns:p14="http://schemas.microsoft.com/office/powerpoint/2010/main">
   <p:cSld>
     <p:spTree>
       <p:nvGrpSpPr>
-        <p:cNvPr id="1" name="Shape 124"/>
+        <p:cNvPr id="124" name="Shape 124"/>
         <p:cNvGrpSpPr/>
         <p:nvPr/>
       </p:nvGrpSpPr>
@@ -8053,9 +7727,7 @@
       <p:sp>
         <p:nvSpPr>
           <p:cNvPr id="125" name="Shape 125"/>
-          <p:cNvSpPr txBox="1">
-            <a:spLocks noGrp="1"/>
-          </p:cNvSpPr>
+          <p:cNvSpPr txBox="1"/>
           <p:nvPr>
             <p:ph type="title"/>
           </p:nvPr>
@@ -8070,12 +7742,12 @@
           </a:prstGeom>
         </p:spPr>
         <p:txBody>
-          <a:bodyPr lIns="91425" tIns="91425" rIns="91425" bIns="91425" anchor="b" anchorCtr="0">
+          <a:bodyPr anchorCtr="0" anchor="b" bIns="91425" lIns="91425" rIns="91425" tIns="91425">
             <a:noAutofit/>
           </a:bodyPr>
           <a:lstStyle/>
           <a:p>
-            <a:pPr lvl="0" algn="ctr" rtl="0">
+            <a:pPr lvl="0" rtl="0" algn="ctr">
               <a:spcBef>
                 <a:spcPts val="0"/>
               </a:spcBef>
@@ -8239,26 +7911,25 @@
   <p:clrMapOvr>
     <a:masterClrMapping/>
   </p:clrMapOvr>
-  <p:transition xmlns:p14="http://schemas.microsoft.com/office/powerpoint/2010/main" spd="slow">
+  <p:transition spd="slow">
     <p:cut/>
   </p:transition>
 </p:sld>
 </file>
 
 <file path=ppt/slides/slide14.xml><?xml version="1.0" encoding="utf-8"?>
-<p:sld xmlns:a="http://schemas.openxmlformats.org/drawingml/2006/main" xmlns:r="http://schemas.openxmlformats.org/officeDocument/2006/relationships" xmlns:p="http://schemas.openxmlformats.org/presentationml/2006/main">
+<p:sld xmlns:a="http://schemas.openxmlformats.org/drawingml/2006/main" xmlns:r="http://schemas.openxmlformats.org/officeDocument/2006/relationships" xmlns:mc="http://schemas.openxmlformats.org/markup-compatibility/2006" xmlns:mv="urn:schemas-microsoft-com:mac:vml" xmlns:p="http://schemas.openxmlformats.org/presentationml/2006/main" xmlns:c="http://schemas.openxmlformats.org/drawingml/2006/chart" xmlns:dgm="http://schemas.openxmlformats.org/drawingml/2006/diagram" xmlns:o="urn:schemas-microsoft-com:office:office" xmlns:v="urn:schemas-microsoft-com:vml" xmlns:pvml="urn:schemas-microsoft-com:office:powerpoint" xmlns:com="http://schemas.openxmlformats.org/drawingml/2006/compatibility" xmlns:p14="http://schemas.microsoft.com/office/powerpoint/2010/main">
   <p:cSld>
     <p:bg>
       <p:bgPr>
         <a:solidFill>
           <a:srgbClr val="20124D"/>
         </a:solidFill>
-        <a:effectLst/>
       </p:bgPr>
     </p:bg>
     <p:spTree>
       <p:nvGrpSpPr>
-        <p:cNvPr id="1" name="Shape 135"/>
+        <p:cNvPr id="135" name="Shape 135"/>
         <p:cNvGrpSpPr/>
         <p:nvPr/>
       </p:nvGrpSpPr>
@@ -8273,9 +7944,7 @@
       <p:sp>
         <p:nvSpPr>
           <p:cNvPr id="136" name="Shape 136"/>
-          <p:cNvSpPr txBox="1">
-            <a:spLocks noGrp="1"/>
-          </p:cNvSpPr>
+          <p:cNvSpPr txBox="1"/>
           <p:nvPr>
             <p:ph type="title"/>
           </p:nvPr>
@@ -8290,7 +7959,7 @@
           </a:prstGeom>
         </p:spPr>
         <p:txBody>
-          <a:bodyPr lIns="91425" tIns="91425" rIns="91425" bIns="91425" anchor="ctr" anchorCtr="0">
+          <a:bodyPr anchorCtr="0" anchor="ctr" bIns="91425" lIns="91425" rIns="91425" tIns="91425">
             <a:noAutofit/>
           </a:bodyPr>
           <a:lstStyle/>
@@ -8302,7 +7971,7 @@
               <a:buNone/>
             </a:pPr>
             <a:r>
-              <a:rPr lang="en" b="0"/>
+              <a:rPr b="0" lang="en"/>
               <a:t>What have we </a:t>
             </a:r>
             <a:r>
@@ -8317,18 +7986,18 @@
   <p:clrMapOvr>
     <a:masterClrMapping/>
   </p:clrMapOvr>
-  <p:transition xmlns:p14="http://schemas.microsoft.com/office/powerpoint/2010/main" spd="slow">
+  <p:transition spd="slow">
     <p:cut/>
   </p:transition>
 </p:sld>
 </file>
 
 <file path=ppt/slides/slide15.xml><?xml version="1.0" encoding="utf-8"?>
-<p:sld xmlns:a="http://schemas.openxmlformats.org/drawingml/2006/main" xmlns:r="http://schemas.openxmlformats.org/officeDocument/2006/relationships" xmlns:p="http://schemas.openxmlformats.org/presentationml/2006/main">
+<p:sld xmlns:a="http://schemas.openxmlformats.org/drawingml/2006/main" xmlns:r="http://schemas.openxmlformats.org/officeDocument/2006/relationships" xmlns:mc="http://schemas.openxmlformats.org/markup-compatibility/2006" xmlns:mv="urn:schemas-microsoft-com:mac:vml" xmlns:p="http://schemas.openxmlformats.org/presentationml/2006/main" xmlns:c="http://schemas.openxmlformats.org/drawingml/2006/chart" xmlns:dgm="http://schemas.openxmlformats.org/drawingml/2006/diagram" xmlns:o="urn:schemas-microsoft-com:office:office" xmlns:v="urn:schemas-microsoft-com:vml" xmlns:pvml="urn:schemas-microsoft-com:office:powerpoint" xmlns:com="http://schemas.openxmlformats.org/drawingml/2006/compatibility" xmlns:p14="http://schemas.microsoft.com/office/powerpoint/2010/main">
   <p:cSld>
     <p:spTree>
       <p:nvGrpSpPr>
-        <p:cNvPr id="1" name="Shape 140"/>
+        <p:cNvPr id="140" name="Shape 140"/>
         <p:cNvGrpSpPr/>
         <p:nvPr/>
       </p:nvGrpSpPr>
@@ -8343,9 +8012,7 @@
       <p:sp>
         <p:nvSpPr>
           <p:cNvPr id="141" name="Shape 141"/>
-          <p:cNvSpPr txBox="1">
-            <a:spLocks noGrp="1"/>
-          </p:cNvSpPr>
+          <p:cNvSpPr txBox="1"/>
           <p:nvPr>
             <p:ph type="title"/>
           </p:nvPr>
@@ -8360,19 +8027,19 @@
           </a:prstGeom>
         </p:spPr>
         <p:txBody>
-          <a:bodyPr lIns="91425" tIns="91425" rIns="91425" bIns="91425" anchor="b" anchorCtr="0">
+          <a:bodyPr anchorCtr="0" anchor="b" bIns="91425" lIns="91425" rIns="91425" tIns="91425">
             <a:noAutofit/>
           </a:bodyPr>
           <a:lstStyle/>
           <a:p>
-            <a:pPr lvl="0" algn="ctr" rtl="0">
+            <a:pPr lvl="0" rtl="0" algn="ctr">
               <a:spcBef>
                 <a:spcPts val="0"/>
               </a:spcBef>
               <a:buNone/>
             </a:pPr>
             <a:r>
-              <a:rPr lang="en" b="0">
+              <a:rPr b="0" lang="en">
                 <a:solidFill>
                   <a:srgbClr val="20124D"/>
                 </a:solidFill>
@@ -8410,12 +8077,12 @@
           </a:ln>
         </p:spPr>
         <p:txBody>
-          <a:bodyPr lIns="91425" tIns="91425" rIns="91425" bIns="91425" anchor="t" anchorCtr="0">
+          <a:bodyPr anchorCtr="0" anchor="t" bIns="91425" lIns="91425" rIns="91425" tIns="91425">
             <a:noAutofit/>
           </a:bodyPr>
           <a:lstStyle/>
           <a:p>
-            <a:pPr marL="457200" marR="0" lvl="0" indent="-355600" algn="l" rtl="0">
+            <a:pPr indent="-355600" lvl="0" marL="457200" marR="0" rtl="0" algn="l">
               <a:lnSpc>
                 <a:spcPct val="100000"/>
               </a:lnSpc>
@@ -8445,7 +8112,7 @@
               <a:t>Learned a new graph traversal language </a:t>
             </a:r>
             <a:r>
-              <a:rPr lang="en" sz="2000" b="1">
+              <a:rPr b="1" lang="en" sz="2000">
                 <a:solidFill>
                   <a:schemeClr val="dk1"/>
                 </a:solidFill>
@@ -8458,7 +8125,7 @@
             </a:r>
           </a:p>
           <a:p>
-            <a:pPr marL="457200" marR="0" lvl="0" indent="-355600" algn="l" rtl="0">
+            <a:pPr indent="-355600" lvl="0" marL="457200" marR="0" rtl="0" algn="l">
               <a:lnSpc>
                 <a:spcPct val="100000"/>
               </a:lnSpc>
@@ -8488,7 +8155,7 @@
               <a:t>Exposed</a:t>
             </a:r>
             <a:r>
-              <a:rPr lang="en" sz="2000" b="1">
+              <a:rPr b="1" lang="en" sz="2000">
                 <a:solidFill>
                   <a:schemeClr val="dk1"/>
                 </a:solidFill>
@@ -8512,7 +8179,7 @@
               <a:t>to the workflow of </a:t>
             </a:r>
             <a:r>
-              <a:rPr lang="en" sz="2000" b="1">
+              <a:rPr b="1" lang="en" sz="2000">
                 <a:solidFill>
                   <a:schemeClr val="dk1"/>
                 </a:solidFill>
@@ -8536,7 +8203,7 @@
               <a:t> and </a:t>
             </a:r>
             <a:r>
-              <a:rPr lang="en" sz="2000" b="1">
+              <a:rPr b="1" lang="en" sz="2000">
                 <a:solidFill>
                   <a:schemeClr val="dk1"/>
                 </a:solidFill>
@@ -8549,7 +8216,7 @@
             </a:r>
           </a:p>
           <a:p>
-            <a:pPr marL="457200" marR="0" lvl="0" indent="-355600" algn="l" rtl="0">
+            <a:pPr indent="-355600" lvl="0" marL="457200" marR="0" rtl="0" algn="l">
               <a:lnSpc>
                 <a:spcPct val="100000"/>
               </a:lnSpc>
@@ -8579,7 +8246,7 @@
               <a:t>Grasped the idea of representational state transfer </a:t>
             </a:r>
             <a:r>
-              <a:rPr lang="en" sz="2000" b="1">
+              <a:rPr b="1" lang="en" sz="2000">
                 <a:solidFill>
                   <a:schemeClr val="dk1"/>
                 </a:solidFill>
@@ -8603,7 +8270,7 @@
               <a:t> through </a:t>
             </a:r>
             <a:r>
-              <a:rPr lang="en" sz="2000" b="1">
+              <a:rPr b="1" lang="en" sz="2000">
                 <a:solidFill>
                   <a:schemeClr val="dk1"/>
                 </a:solidFill>
@@ -8616,7 +8283,7 @@
             </a:r>
           </a:p>
           <a:p>
-            <a:pPr marL="457200" marR="0" lvl="0" indent="-355600" algn="l" rtl="0">
+            <a:pPr indent="-355600" lvl="0" marL="457200" marR="0" rtl="0" algn="l">
               <a:lnSpc>
                 <a:spcPct val="100000"/>
               </a:lnSpc>
@@ -8646,7 +8313,7 @@
               <a:t>Understood the data structure of </a:t>
             </a:r>
             <a:r>
-              <a:rPr lang="en" sz="2000" b="1">
+              <a:rPr b="1" lang="en" sz="2000">
                 <a:solidFill>
                   <a:schemeClr val="dk1"/>
                 </a:solidFill>
@@ -8670,7 +8337,7 @@
               <a:t> through </a:t>
             </a:r>
             <a:r>
-              <a:rPr lang="en" sz="2000" b="1">
+              <a:rPr b="1" lang="en" sz="2000">
                 <a:solidFill>
                   <a:schemeClr val="dk1"/>
                 </a:solidFill>
@@ -8745,18 +8412,18 @@
   <p:clrMapOvr>
     <a:masterClrMapping/>
   </p:clrMapOvr>
-  <p:transition xmlns:p14="http://schemas.microsoft.com/office/powerpoint/2010/main" spd="slow">
+  <p:transition spd="slow">
     <p:cut/>
   </p:transition>
 </p:sld>
 </file>
 
 <file path=ppt/slides/slide16.xml><?xml version="1.0" encoding="utf-8"?>
-<p:sld xmlns:a="http://schemas.openxmlformats.org/drawingml/2006/main" xmlns:r="http://schemas.openxmlformats.org/officeDocument/2006/relationships" xmlns:p="http://schemas.openxmlformats.org/presentationml/2006/main">
+<p:sld xmlns:a="http://schemas.openxmlformats.org/drawingml/2006/main" xmlns:r="http://schemas.openxmlformats.org/officeDocument/2006/relationships" xmlns:mc="http://schemas.openxmlformats.org/markup-compatibility/2006" xmlns:mv="urn:schemas-microsoft-com:mac:vml" xmlns:p="http://schemas.openxmlformats.org/presentationml/2006/main" xmlns:c="http://schemas.openxmlformats.org/drawingml/2006/chart" xmlns:dgm="http://schemas.openxmlformats.org/drawingml/2006/diagram" xmlns:o="urn:schemas-microsoft-com:office:office" xmlns:v="urn:schemas-microsoft-com:vml" xmlns:pvml="urn:schemas-microsoft-com:office:powerpoint" xmlns:com="http://schemas.openxmlformats.org/drawingml/2006/compatibility" xmlns:p14="http://schemas.microsoft.com/office/powerpoint/2010/main">
   <p:cSld>
     <p:spTree>
       <p:nvGrpSpPr>
-        <p:cNvPr id="1" name="Shape 148"/>
+        <p:cNvPr id="148" name="Shape 148"/>
         <p:cNvGrpSpPr/>
         <p:nvPr/>
       </p:nvGrpSpPr>
@@ -8771,9 +8438,7 @@
       <p:sp>
         <p:nvSpPr>
           <p:cNvPr id="149" name="Shape 149"/>
-          <p:cNvSpPr txBox="1">
-            <a:spLocks noGrp="1"/>
-          </p:cNvSpPr>
+          <p:cNvSpPr txBox="1"/>
           <p:nvPr>
             <p:ph type="title"/>
           </p:nvPr>
@@ -8788,7 +8453,7 @@
           </a:prstGeom>
         </p:spPr>
         <p:txBody>
-          <a:bodyPr lIns="91425" tIns="91425" rIns="91425" bIns="91425" anchor="ctr" anchorCtr="0">
+          <a:bodyPr anchorCtr="0" anchor="ctr" bIns="91425" lIns="91425" rIns="91425" tIns="91425">
             <a:noAutofit/>
           </a:bodyPr>
           <a:lstStyle/>
@@ -8804,7 +8469,7 @@
               <a:t>Questions</a:t>
             </a:r>
             <a:r>
-              <a:rPr lang="en" b="0"/>
+              <a:rPr b="0" lang="en"/>
               <a:t>?</a:t>
             </a:r>
           </a:p>
@@ -8815,26 +8480,25 @@
   <p:clrMapOvr>
     <a:masterClrMapping/>
   </p:clrMapOvr>
-  <p:transition xmlns:p14="http://schemas.microsoft.com/office/powerpoint/2010/main" spd="slow">
+  <p:transition spd="slow">
     <p:cut/>
   </p:transition>
 </p:sld>
 </file>
 
 <file path=ppt/slides/slide2.xml><?xml version="1.0" encoding="utf-8"?>
-<p:sld xmlns:a="http://schemas.openxmlformats.org/drawingml/2006/main" xmlns:r="http://schemas.openxmlformats.org/officeDocument/2006/relationships" xmlns:p="http://schemas.openxmlformats.org/presentationml/2006/main">
+<p:sld xmlns:a="http://schemas.openxmlformats.org/drawingml/2006/main" xmlns:r="http://schemas.openxmlformats.org/officeDocument/2006/relationships" xmlns:mc="http://schemas.openxmlformats.org/markup-compatibility/2006" xmlns:mv="urn:schemas-microsoft-com:mac:vml" xmlns:p="http://schemas.openxmlformats.org/presentationml/2006/main" xmlns:c="http://schemas.openxmlformats.org/drawingml/2006/chart" xmlns:dgm="http://schemas.openxmlformats.org/drawingml/2006/diagram" xmlns:o="urn:schemas-microsoft-com:office:office" xmlns:v="urn:schemas-microsoft-com:vml" xmlns:pvml="urn:schemas-microsoft-com:office:powerpoint" xmlns:com="http://schemas.openxmlformats.org/drawingml/2006/compatibility" xmlns:p14="http://schemas.microsoft.com/office/powerpoint/2010/main">
   <p:cSld>
     <p:bg>
       <p:bgPr>
         <a:solidFill>
           <a:srgbClr val="8D5571"/>
         </a:solidFill>
-        <a:effectLst/>
       </p:bgPr>
     </p:bg>
     <p:spTree>
       <p:nvGrpSpPr>
-        <p:cNvPr id="1" name="Shape 40"/>
+        <p:cNvPr id="40" name="Shape 40"/>
         <p:cNvGrpSpPr/>
         <p:nvPr/>
       </p:nvGrpSpPr>
@@ -8849,9 +8513,7 @@
       <p:sp>
         <p:nvSpPr>
           <p:cNvPr id="41" name="Shape 41"/>
-          <p:cNvSpPr txBox="1">
-            <a:spLocks noGrp="1"/>
-          </p:cNvSpPr>
+          <p:cNvSpPr txBox="1"/>
           <p:nvPr>
             <p:ph type="title"/>
           </p:nvPr>
@@ -8866,7 +8528,7 @@
           </a:prstGeom>
         </p:spPr>
         <p:txBody>
-          <a:bodyPr lIns="91425" tIns="91425" rIns="91425" bIns="91425" anchor="ctr" anchorCtr="0">
+          <a:bodyPr anchorCtr="0" anchor="ctr" bIns="91425" lIns="91425" rIns="91425" tIns="91425">
             <a:noAutofit/>
           </a:bodyPr>
           <a:lstStyle/>
@@ -8878,7 +8540,7 @@
               <a:buNone/>
             </a:pPr>
             <a:r>
-              <a:rPr lang="en" b="0"/>
+              <a:rPr b="0" lang="en"/>
               <a:t>Part One</a:t>
             </a:r>
           </a:p>
@@ -8901,18 +8563,18 @@
   <p:clrMapOvr>
     <a:masterClrMapping/>
   </p:clrMapOvr>
-  <p:transition xmlns:p14="http://schemas.microsoft.com/office/powerpoint/2010/main" spd="slow">
+  <p:transition spd="slow">
     <p:cut/>
   </p:transition>
 </p:sld>
 </file>
 
 <file path=ppt/slides/slide3.xml><?xml version="1.0" encoding="utf-8"?>
-<p:sld xmlns:a="http://schemas.openxmlformats.org/drawingml/2006/main" xmlns:r="http://schemas.openxmlformats.org/officeDocument/2006/relationships" xmlns:p="http://schemas.openxmlformats.org/presentationml/2006/main">
+<p:sld xmlns:a="http://schemas.openxmlformats.org/drawingml/2006/main" xmlns:r="http://schemas.openxmlformats.org/officeDocument/2006/relationships" xmlns:mc="http://schemas.openxmlformats.org/markup-compatibility/2006" xmlns:mv="urn:schemas-microsoft-com:mac:vml" xmlns:p="http://schemas.openxmlformats.org/presentationml/2006/main" xmlns:c="http://schemas.openxmlformats.org/drawingml/2006/chart" xmlns:dgm="http://schemas.openxmlformats.org/drawingml/2006/diagram" xmlns:o="urn:schemas-microsoft-com:office:office" xmlns:v="urn:schemas-microsoft-com:vml" xmlns:pvml="urn:schemas-microsoft-com:office:powerpoint" xmlns:com="http://schemas.openxmlformats.org/drawingml/2006/compatibility" xmlns:p14="http://schemas.microsoft.com/office/powerpoint/2010/main">
   <p:cSld>
     <p:spTree>
       <p:nvGrpSpPr>
-        <p:cNvPr id="1" name="Shape 45"/>
+        <p:cNvPr id="45" name="Shape 45"/>
         <p:cNvGrpSpPr/>
         <p:nvPr/>
       </p:nvGrpSpPr>
@@ -8927,9 +8589,7 @@
       <p:sp>
         <p:nvSpPr>
           <p:cNvPr id="46" name="Shape 46"/>
-          <p:cNvSpPr txBox="1">
-            <a:spLocks noGrp="1"/>
-          </p:cNvSpPr>
+          <p:cNvSpPr txBox="1"/>
           <p:nvPr>
             <p:ph type="title"/>
           </p:nvPr>
@@ -8944,19 +8604,19 @@
           </a:prstGeom>
         </p:spPr>
         <p:txBody>
-          <a:bodyPr lIns="91425" tIns="91425" rIns="91425" bIns="91425" anchor="b" anchorCtr="0">
+          <a:bodyPr anchorCtr="0" anchor="b" bIns="91425" lIns="91425" rIns="91425" tIns="91425">
             <a:noAutofit/>
           </a:bodyPr>
           <a:lstStyle/>
           <a:p>
-            <a:pPr lvl="0" algn="ctr" rtl="0">
+            <a:pPr lvl="0" rtl="0" algn="ctr">
               <a:spcBef>
                 <a:spcPts val="0"/>
               </a:spcBef>
               <a:buNone/>
             </a:pPr>
             <a:r>
-              <a:rPr lang="en" b="0">
+              <a:rPr b="0" lang="en">
                 <a:solidFill>
                   <a:srgbClr val="8D5571"/>
                 </a:solidFill>
@@ -8972,7 +8632,7 @@
               <a:t> </a:t>
             </a:r>
             <a:r>
-              <a:rPr lang="en" b="0">
+              <a:rPr b="0" lang="en">
                 <a:solidFill>
                   <a:srgbClr val="8D5571"/>
                 </a:solidFill>
@@ -8988,7 +8648,7 @@
               <a:t> WDB</a:t>
             </a:r>
             <a:r>
-              <a:rPr lang="en" b="0">
+              <a:rPr b="0" lang="en">
                 <a:solidFill>
                   <a:srgbClr val="8D5571"/>
                 </a:solidFill>
@@ -9018,12 +8678,12 @@
           </a:ln>
         </p:spPr>
         <p:txBody>
-          <a:bodyPr lIns="91425" tIns="91425" rIns="91425" bIns="91425" anchor="t" anchorCtr="0">
+          <a:bodyPr anchorCtr="0" anchor="t" bIns="91425" lIns="91425" rIns="91425" tIns="91425">
             <a:noAutofit/>
           </a:bodyPr>
           <a:lstStyle/>
           <a:p>
-            <a:pPr marL="457200" lvl="0" indent="-355600" rtl="0">
+            <a:pPr indent="-355600" lvl="0" marL="457200" rtl="0">
               <a:spcBef>
                 <a:spcPts val="520"/>
               </a:spcBef>
@@ -9047,7 +8707,7 @@
               <a:t>WDB stands for the Web Database, an implementation of the Semantic Data Model (</a:t>
             </a:r>
             <a:r>
-              <a:rPr lang="en" sz="2000" b="1">
+              <a:rPr b="1" lang="en" sz="2000">
                 <a:solidFill>
                   <a:schemeClr val="dk1"/>
                 </a:solidFill>
@@ -9072,7 +8732,7 @@
             </a:r>
           </a:p>
           <a:p>
-            <a:pPr marL="457200" lvl="0" indent="-355600" rtl="0">
+            <a:pPr indent="-355600" lvl="0" marL="457200" rtl="0">
               <a:spcBef>
                 <a:spcPts val="520"/>
               </a:spcBef>
@@ -9096,7 +8756,7 @@
               <a:t>Offers </a:t>
             </a:r>
             <a:r>
-              <a:rPr lang="en" sz="2000" b="1">
+              <a:rPr b="1" lang="en" sz="2000">
                 <a:solidFill>
                   <a:schemeClr val="dk1"/>
                 </a:solidFill>
@@ -9120,7 +8780,7 @@
               <a:t> types of attributes: data-valued attributes (</a:t>
             </a:r>
             <a:r>
-              <a:rPr lang="en" sz="2000" b="1">
+              <a:rPr b="1" lang="en" sz="2000">
                 <a:solidFill>
                   <a:schemeClr val="dk1"/>
                 </a:solidFill>
@@ -9144,7 +8804,7 @@
               <a:t>) and entity-valued attributes (</a:t>
             </a:r>
             <a:r>
-              <a:rPr lang="en" sz="2000" b="1">
+              <a:rPr b="1" lang="en" sz="2000">
                 <a:solidFill>
                   <a:schemeClr val="dk1"/>
                 </a:solidFill>
@@ -9169,7 +8829,7 @@
             </a:r>
           </a:p>
           <a:p>
-            <a:pPr marL="457200" lvl="0" indent="-355600" rtl="0">
+            <a:pPr indent="-355600" lvl="0" marL="457200" rtl="0">
               <a:spcBef>
                 <a:spcPts val="520"/>
               </a:spcBef>
@@ -9181,7 +8841,7 @@
               <a:buChar char="●"/>
             </a:pPr>
             <a:r>
-              <a:rPr lang="en" sz="2000" b="1">
+              <a:rPr b="1" lang="en" sz="2000">
                 <a:solidFill>
                   <a:schemeClr val="dk1"/>
                 </a:solidFill>
@@ -9206,7 +8866,7 @@
             </a:r>
           </a:p>
           <a:p>
-            <a:pPr marL="457200" lvl="0" indent="-355600" rtl="0">
+            <a:pPr indent="-355600" lvl="0" marL="457200" rtl="0">
               <a:spcBef>
                 <a:spcPts val="520"/>
               </a:spcBef>
@@ -9218,7 +8878,7 @@
               <a:buChar char="●"/>
             </a:pPr>
             <a:r>
-              <a:rPr lang="en" sz="2000" b="1">
+              <a:rPr b="1" lang="en" sz="2000">
                 <a:solidFill>
                   <a:schemeClr val="dk1"/>
                 </a:solidFill>
@@ -9249,18 +8909,18 @@
   <p:clrMapOvr>
     <a:masterClrMapping/>
   </p:clrMapOvr>
-  <p:transition xmlns:p14="http://schemas.microsoft.com/office/powerpoint/2010/main" spd="slow">
+  <p:transition spd="slow">
     <p:cut/>
   </p:transition>
 </p:sld>
 </file>
 
 <file path=ppt/slides/slide4.xml><?xml version="1.0" encoding="utf-8"?>
-<p:sld xmlns:a="http://schemas.openxmlformats.org/drawingml/2006/main" xmlns:r="http://schemas.openxmlformats.org/officeDocument/2006/relationships" xmlns:p="http://schemas.openxmlformats.org/presentationml/2006/main">
+<p:sld xmlns:a="http://schemas.openxmlformats.org/drawingml/2006/main" xmlns:r="http://schemas.openxmlformats.org/officeDocument/2006/relationships" xmlns:mc="http://schemas.openxmlformats.org/markup-compatibility/2006" xmlns:mv="urn:schemas-microsoft-com:mac:vml" xmlns:p="http://schemas.openxmlformats.org/presentationml/2006/main" xmlns:c="http://schemas.openxmlformats.org/drawingml/2006/chart" xmlns:dgm="http://schemas.openxmlformats.org/drawingml/2006/diagram" xmlns:o="urn:schemas-microsoft-com:office:office" xmlns:v="urn:schemas-microsoft-com:vml" xmlns:pvml="urn:schemas-microsoft-com:office:powerpoint" xmlns:com="http://schemas.openxmlformats.org/drawingml/2006/compatibility" xmlns:p14="http://schemas.microsoft.com/office/powerpoint/2010/main">
   <p:cSld>
     <p:spTree>
       <p:nvGrpSpPr>
-        <p:cNvPr id="1" name="Shape 51"/>
+        <p:cNvPr id="51" name="Shape 51"/>
         <p:cNvGrpSpPr/>
         <p:nvPr/>
       </p:nvGrpSpPr>
@@ -9275,9 +8935,7 @@
       <p:sp>
         <p:nvSpPr>
           <p:cNvPr id="52" name="Shape 52"/>
-          <p:cNvSpPr txBox="1">
-            <a:spLocks noGrp="1"/>
-          </p:cNvSpPr>
+          <p:cNvSpPr txBox="1"/>
           <p:nvPr>
             <p:ph type="title"/>
           </p:nvPr>
@@ -9292,19 +8950,19 @@
           </a:prstGeom>
         </p:spPr>
         <p:txBody>
-          <a:bodyPr lIns="91425" tIns="91425" rIns="91425" bIns="91425" anchor="b" anchorCtr="0">
+          <a:bodyPr anchorCtr="0" anchor="b" bIns="91425" lIns="91425" rIns="91425" tIns="91425">
             <a:noAutofit/>
           </a:bodyPr>
           <a:lstStyle/>
           <a:p>
-            <a:pPr lvl="0" algn="ctr" rtl="0">
+            <a:pPr lvl="0" rtl="0" algn="ctr">
               <a:spcBef>
                 <a:spcPts val="0"/>
               </a:spcBef>
               <a:buNone/>
             </a:pPr>
             <a:r>
-              <a:rPr lang="en" b="0">
+              <a:rPr b="0" lang="en">
                 <a:solidFill>
                   <a:srgbClr val="8D5571"/>
                 </a:solidFill>
@@ -9320,7 +8978,7 @@
               <a:t> </a:t>
             </a:r>
             <a:r>
-              <a:rPr lang="en" b="0">
+              <a:rPr b="0" lang="en">
                 <a:solidFill>
                   <a:srgbClr val="8D5571"/>
                 </a:solidFill>
@@ -9336,7 +8994,7 @@
               <a:t>        DB</a:t>
             </a:r>
             <a:r>
-              <a:rPr lang="en" b="0">
+              <a:rPr b="0" lang="en">
                 <a:solidFill>
                   <a:srgbClr val="8D5571"/>
                 </a:solidFill>
@@ -9422,12 +9080,12 @@
           </a:ln>
         </p:spPr>
         <p:txBody>
-          <a:bodyPr lIns="91425" tIns="91425" rIns="91425" bIns="91425" anchor="t" anchorCtr="0">
+          <a:bodyPr anchorCtr="0" anchor="t" bIns="91425" lIns="91425" rIns="91425" tIns="91425">
             <a:noAutofit/>
           </a:bodyPr>
           <a:lstStyle/>
           <a:p>
-            <a:pPr marL="457200" lvl="0" indent="-355600" rtl="0">
+            <a:pPr indent="-355600" lvl="0" marL="457200" rtl="0">
               <a:spcBef>
                 <a:spcPts val="520"/>
               </a:spcBef>
@@ -9451,7 +9109,7 @@
               <a:t>Highly scalable </a:t>
             </a:r>
             <a:r>
-              <a:rPr lang="en" sz="2000" b="1">
+              <a:rPr b="1" lang="en" sz="2000">
                 <a:solidFill>
                   <a:schemeClr val="dk1"/>
                 </a:solidFill>
@@ -9475,7 +9133,7 @@
               <a:t> optimized for storing and querying large graphs with billions of </a:t>
             </a:r>
             <a:r>
-              <a:rPr lang="en" sz="2000" b="1">
+              <a:rPr b="1" lang="en" sz="2000">
                 <a:solidFill>
                   <a:schemeClr val="dk1"/>
                 </a:solidFill>
@@ -9499,7 +9157,7 @@
               <a:t> and </a:t>
             </a:r>
             <a:r>
-              <a:rPr lang="en" sz="2000" b="1">
+              <a:rPr b="1" lang="en" sz="2000">
                 <a:solidFill>
                   <a:schemeClr val="dk1"/>
                 </a:solidFill>
@@ -9524,7 +9182,7 @@
             </a:r>
           </a:p>
           <a:p>
-            <a:pPr marL="457200" lvl="0" indent="-355600" rtl="0">
+            <a:pPr indent="-355600" lvl="0" marL="457200" rtl="0">
               <a:spcBef>
                 <a:spcPts val="520"/>
               </a:spcBef>
@@ -9536,7 +9194,7 @@
               <a:buChar char="●"/>
             </a:pPr>
             <a:r>
-              <a:rPr lang="en" sz="2000" b="1">
+              <a:rPr b="1" lang="en" sz="2000">
                 <a:solidFill>
                   <a:schemeClr val="dk1"/>
                 </a:solidFill>
@@ -9560,7 +9218,7 @@
               <a:t> </a:t>
             </a:r>
             <a:r>
-              <a:rPr lang="en" sz="2000" b="1">
+              <a:rPr b="1" lang="en" sz="2000">
                 <a:solidFill>
                   <a:schemeClr val="dk1"/>
                 </a:solidFill>
@@ -9585,7 +9243,7 @@
             </a:r>
           </a:p>
           <a:p>
-            <a:pPr marL="457200" lvl="0" indent="-355600" rtl="0">
+            <a:pPr indent="-355600" lvl="0" marL="457200" rtl="0">
               <a:spcBef>
                 <a:spcPts val="520"/>
               </a:spcBef>
@@ -9609,7 +9267,7 @@
               <a:t>Native support for the </a:t>
             </a:r>
             <a:r>
-              <a:rPr lang="en" sz="2000" b="1">
+              <a:rPr b="1" lang="en" sz="2000">
                 <a:solidFill>
                   <a:schemeClr val="dk1"/>
                 </a:solidFill>
@@ -9633,7 +9291,7 @@
               <a:t>language </a:t>
             </a:r>
             <a:r>
-              <a:rPr lang="en" sz="2000" b="1">
+              <a:rPr b="1" lang="en" sz="2000">
                 <a:solidFill>
                   <a:schemeClr val="dk1"/>
                 </a:solidFill>
@@ -9652,18 +9310,18 @@
   <p:clrMapOvr>
     <a:masterClrMapping/>
   </p:clrMapOvr>
-  <p:transition xmlns:p14="http://schemas.microsoft.com/office/powerpoint/2010/main" spd="slow">
+  <p:transition spd="slow">
     <p:cut/>
   </p:transition>
 </p:sld>
 </file>
 
 <file path=ppt/slides/slide5.xml><?xml version="1.0" encoding="utf-8"?>
-<p:sld xmlns:a="http://schemas.openxmlformats.org/drawingml/2006/main" xmlns:r="http://schemas.openxmlformats.org/officeDocument/2006/relationships" xmlns:p="http://schemas.openxmlformats.org/presentationml/2006/main">
+<p:sld xmlns:a="http://schemas.openxmlformats.org/drawingml/2006/main" xmlns:r="http://schemas.openxmlformats.org/officeDocument/2006/relationships" xmlns:mc="http://schemas.openxmlformats.org/markup-compatibility/2006" xmlns:mv="urn:schemas-microsoft-com:mac:vml" xmlns:p="http://schemas.openxmlformats.org/presentationml/2006/main" xmlns:c="http://schemas.openxmlformats.org/drawingml/2006/chart" xmlns:dgm="http://schemas.openxmlformats.org/drawingml/2006/diagram" xmlns:o="urn:schemas-microsoft-com:office:office" xmlns:v="urn:schemas-microsoft-com:vml" xmlns:pvml="urn:schemas-microsoft-com:office:powerpoint" xmlns:com="http://schemas.openxmlformats.org/drawingml/2006/compatibility" xmlns:p14="http://schemas.microsoft.com/office/powerpoint/2010/main">
   <p:cSld>
     <p:spTree>
       <p:nvGrpSpPr>
-        <p:cNvPr id="1" name="Shape 59"/>
+        <p:cNvPr id="59" name="Shape 59"/>
         <p:cNvGrpSpPr/>
         <p:nvPr/>
       </p:nvGrpSpPr>
@@ -9678,9 +9336,7 @@
       <p:sp>
         <p:nvSpPr>
           <p:cNvPr id="60" name="Shape 60"/>
-          <p:cNvSpPr txBox="1">
-            <a:spLocks noGrp="1"/>
-          </p:cNvSpPr>
+          <p:cNvSpPr txBox="1"/>
           <p:nvPr>
             <p:ph type="title"/>
           </p:nvPr>
@@ -9695,19 +9351,19 @@
           </a:prstGeom>
         </p:spPr>
         <p:txBody>
-          <a:bodyPr lIns="91425" tIns="91425" rIns="91425" bIns="91425" anchor="b" anchorCtr="0">
+          <a:bodyPr anchorCtr="0" anchor="b" bIns="91425" lIns="91425" rIns="91425" tIns="91425">
             <a:noAutofit/>
           </a:bodyPr>
           <a:lstStyle/>
           <a:p>
-            <a:pPr lvl="0" algn="ctr" rtl="0">
+            <a:pPr lvl="0" rtl="0" algn="ctr">
               <a:spcBef>
                 <a:spcPts val="0"/>
               </a:spcBef>
               <a:buNone/>
             </a:pPr>
             <a:r>
-              <a:rPr lang="en" b="0">
+              <a:rPr b="0" lang="en">
                 <a:solidFill>
                   <a:srgbClr val="8D5571"/>
                 </a:solidFill>
@@ -9745,12 +9401,12 @@
           </a:ln>
         </p:spPr>
         <p:txBody>
-          <a:bodyPr lIns="91425" tIns="91425" rIns="91425" bIns="91425" anchor="t" anchorCtr="0">
+          <a:bodyPr anchorCtr="0" anchor="t" bIns="91425" lIns="91425" rIns="91425" tIns="91425">
             <a:noAutofit/>
           </a:bodyPr>
           <a:lstStyle/>
           <a:p>
-            <a:pPr marL="457200" lvl="0" indent="-355600" rtl="0">
+            <a:pPr indent="-355600" lvl="0" marL="457200" rtl="0">
               <a:spcBef>
                 <a:spcPts val="520"/>
               </a:spcBef>
@@ -9762,7 +9418,7 @@
               <a:buChar char="●"/>
             </a:pPr>
             <a:r>
-              <a:rPr lang="en" sz="2000" b="1">
+              <a:rPr b="1" lang="en" sz="2000">
                 <a:solidFill>
                   <a:schemeClr val="dk1"/>
                 </a:solidFill>
@@ -9775,7 +9431,7 @@
             </a:r>
           </a:p>
           <a:p>
-            <a:pPr marL="1371600" lvl="1" indent="-355600" rtl="0">
+            <a:pPr indent="-355600" lvl="1" marL="1371600" rtl="0">
               <a:spcBef>
                 <a:spcPts val="520"/>
               </a:spcBef>
@@ -9799,7 +9455,7 @@
               <a:t>Building the </a:t>
             </a:r>
             <a:r>
-              <a:rPr lang="en" sz="2000" b="1">
+              <a:rPr b="1" lang="en" sz="2000">
                 <a:solidFill>
                   <a:schemeClr val="dk1"/>
                 </a:solidFill>
@@ -9824,7 +9480,7 @@
             </a:r>
           </a:p>
           <a:p>
-            <a:pPr marL="1371600" lvl="1" indent="-355600" rtl="0">
+            <a:pPr indent="-355600" lvl="1" marL="1371600" rtl="0">
               <a:spcBef>
                 <a:spcPts val="520"/>
               </a:spcBef>
@@ -9848,7 +9504,7 @@
               <a:t>Populating the data into the </a:t>
             </a:r>
             <a:r>
-              <a:rPr lang="en" sz="2000" b="1">
+              <a:rPr b="1" lang="en" sz="2000">
                 <a:solidFill>
                   <a:schemeClr val="dk1"/>
                 </a:solidFill>
@@ -9872,7 +9528,7 @@
               <a:t> with </a:t>
             </a:r>
             <a:r>
-              <a:rPr lang="en" sz="2000" b="1">
+              <a:rPr b="1" lang="en" sz="2000">
                 <a:solidFill>
                   <a:schemeClr val="dk1"/>
                 </a:solidFill>
@@ -9897,7 +9553,7 @@
             </a:r>
           </a:p>
           <a:p>
-            <a:pPr marL="1371600" lvl="1" indent="-355600" rtl="0">
+            <a:pPr indent="-355600" lvl="1" marL="1371600" rtl="0">
               <a:spcBef>
                 <a:spcPts val="520"/>
               </a:spcBef>
@@ -9921,7 +9577,7 @@
               <a:t>Retrieving data from the </a:t>
             </a:r>
             <a:r>
-              <a:rPr lang="en" sz="2000" b="1">
+              <a:rPr b="1" lang="en" sz="2000">
                 <a:solidFill>
                   <a:schemeClr val="dk1"/>
                 </a:solidFill>
@@ -9945,7 +9601,7 @@
               <a:t>with </a:t>
             </a:r>
             <a:r>
-              <a:rPr lang="en" sz="2000" b="1">
+              <a:rPr b="1" lang="en" sz="2000">
                 <a:solidFill>
                   <a:schemeClr val="dk1"/>
                 </a:solidFill>
@@ -9991,12 +9647,12 @@
           </a:ln>
         </p:spPr>
         <p:txBody>
-          <a:bodyPr lIns="91425" tIns="91425" rIns="91425" bIns="91425" anchor="t" anchorCtr="0">
+          <a:bodyPr anchorCtr="0" anchor="t" bIns="91425" lIns="91425" rIns="91425" tIns="91425">
             <a:noAutofit/>
           </a:bodyPr>
           <a:lstStyle/>
           <a:p>
-            <a:pPr marL="457200" lvl="0" indent="-355600" rtl="0">
+            <a:pPr indent="-355600" lvl="0" marL="457200" rtl="0">
               <a:spcBef>
                 <a:spcPts val="520"/>
               </a:spcBef>
@@ -10008,7 +9664,7 @@
               <a:buChar char="●"/>
             </a:pPr>
             <a:r>
-              <a:rPr lang="en" sz="2000" b="1">
+              <a:rPr b="1" lang="en" sz="2000">
                 <a:solidFill>
                   <a:schemeClr val="dk1"/>
                 </a:solidFill>
@@ -10021,7 +9677,7 @@
             </a:r>
           </a:p>
           <a:p>
-            <a:pPr marL="1371600" lvl="1" indent="-355600" rtl="0">
+            <a:pPr indent="-355600" lvl="1" marL="1371600" rtl="0">
               <a:spcBef>
                 <a:spcPts val="520"/>
               </a:spcBef>
@@ -10033,7 +9689,7 @@
               <a:buChar char="○"/>
             </a:pPr>
             <a:r>
-              <a:rPr lang="en" sz="2000" b="1">
+              <a:rPr b="1" lang="en" sz="2000">
                 <a:solidFill>
                   <a:schemeClr val="dk1"/>
                 </a:solidFill>
@@ -10057,7 +9713,7 @@
               <a:t> the previous implementation that was using </a:t>
             </a:r>
             <a:r>
-              <a:rPr lang="en" sz="2000" b="1">
+              <a:rPr b="1" lang="en" sz="2000">
                 <a:solidFill>
                   <a:schemeClr val="dk1"/>
                 </a:solidFill>
@@ -10070,7 +9726,7 @@
             </a:r>
           </a:p>
           <a:p>
-            <a:pPr marL="1371600" lvl="1" indent="-355600" rtl="0">
+            <a:pPr indent="-355600" lvl="1" marL="1371600" rtl="0">
               <a:spcBef>
                 <a:spcPts val="520"/>
               </a:spcBef>
@@ -10082,7 +9738,7 @@
               <a:buChar char="○"/>
             </a:pPr>
             <a:r>
-              <a:rPr lang="en" sz="2000" b="1">
+              <a:rPr b="1" lang="en" sz="2000">
                 <a:solidFill>
                   <a:schemeClr val="dk1"/>
                 </a:solidFill>
@@ -10106,7 +9762,7 @@
               <a:t> the parse tree of </a:t>
             </a:r>
             <a:r>
-              <a:rPr lang="en" sz="2000" b="1">
+              <a:rPr b="1" lang="en" sz="2000">
                 <a:solidFill>
                   <a:schemeClr val="dk1"/>
                 </a:solidFill>
@@ -10130,7 +9786,7 @@
               <a:t> and re-implemented </a:t>
             </a:r>
             <a:r>
-              <a:rPr lang="en" sz="2000" b="1">
+              <a:rPr b="1" lang="en" sz="2000">
                 <a:solidFill>
                   <a:schemeClr val="dk1"/>
                 </a:solidFill>
@@ -10154,7 +9810,7 @@
               <a:t> with </a:t>
             </a:r>
             <a:r>
-              <a:rPr lang="en" sz="2000" b="1">
+              <a:rPr b="1" lang="en" sz="2000">
                 <a:solidFill>
                   <a:schemeClr val="dk1"/>
                 </a:solidFill>
@@ -10178,7 +9834,7 @@
               <a:t> </a:t>
             </a:r>
             <a:r>
-              <a:rPr lang="en" sz="2000" b="1">
+              <a:rPr b="1" lang="en" sz="2000">
                 <a:solidFill>
                   <a:schemeClr val="dk1"/>
                 </a:solidFill>
@@ -10202,7 +9858,7 @@
               <a:t> in native </a:t>
             </a:r>
             <a:r>
-              <a:rPr lang="en" sz="2000" b="1">
+              <a:rPr b="1" lang="en" sz="2000">
                 <a:solidFill>
                   <a:schemeClr val="dk1"/>
                 </a:solidFill>
@@ -10221,26 +9877,25 @@
   <p:clrMapOvr>
     <a:masterClrMapping/>
   </p:clrMapOvr>
-  <p:transition xmlns:p14="http://schemas.microsoft.com/office/powerpoint/2010/main" spd="slow">
+  <p:transition spd="slow">
     <p:cut/>
   </p:transition>
 </p:sld>
 </file>
 
 <file path=ppt/slides/slide6.xml><?xml version="1.0" encoding="utf-8"?>
-<p:sld xmlns:a="http://schemas.openxmlformats.org/drawingml/2006/main" xmlns:r="http://schemas.openxmlformats.org/officeDocument/2006/relationships" xmlns:p="http://schemas.openxmlformats.org/presentationml/2006/main">
+<p:sld xmlns:a="http://schemas.openxmlformats.org/drawingml/2006/main" xmlns:r="http://schemas.openxmlformats.org/officeDocument/2006/relationships" xmlns:mc="http://schemas.openxmlformats.org/markup-compatibility/2006" xmlns:mv="urn:schemas-microsoft-com:mac:vml" xmlns:p="http://schemas.openxmlformats.org/presentationml/2006/main" xmlns:c="http://schemas.openxmlformats.org/drawingml/2006/chart" xmlns:dgm="http://schemas.openxmlformats.org/drawingml/2006/diagram" xmlns:o="urn:schemas-microsoft-com:office:office" xmlns:v="urn:schemas-microsoft-com:vml" xmlns:pvml="urn:schemas-microsoft-com:office:powerpoint" xmlns:com="http://schemas.openxmlformats.org/drawingml/2006/compatibility" xmlns:p14="http://schemas.microsoft.com/office/powerpoint/2010/main">
   <p:cSld>
     <p:bg>
       <p:bgPr>
         <a:solidFill>
           <a:srgbClr val="E69138"/>
         </a:solidFill>
-        <a:effectLst/>
       </p:bgPr>
     </p:bg>
     <p:spTree>
       <p:nvGrpSpPr>
-        <p:cNvPr id="1" name="Shape 66"/>
+        <p:cNvPr id="66" name="Shape 66"/>
         <p:cNvGrpSpPr/>
         <p:nvPr/>
       </p:nvGrpSpPr>
@@ -10255,9 +9910,7 @@
       <p:sp>
         <p:nvSpPr>
           <p:cNvPr id="67" name="Shape 67"/>
-          <p:cNvSpPr txBox="1">
-            <a:spLocks noGrp="1"/>
-          </p:cNvSpPr>
+          <p:cNvSpPr txBox="1"/>
           <p:nvPr>
             <p:ph type="title"/>
           </p:nvPr>
@@ -10272,7 +9925,7 @@
           </a:prstGeom>
         </p:spPr>
         <p:txBody>
-          <a:bodyPr lIns="91425" tIns="91425" rIns="91425" bIns="91425" anchor="ctr" anchorCtr="0">
+          <a:bodyPr anchorCtr="0" anchor="ctr" bIns="91425" lIns="91425" rIns="91425" tIns="91425">
             <a:noAutofit/>
           </a:bodyPr>
           <a:lstStyle/>
@@ -10284,7 +9937,7 @@
               <a:buNone/>
             </a:pPr>
             <a:r>
-              <a:rPr lang="en" b="0"/>
+              <a:rPr b="0" lang="en"/>
               <a:t>Technical</a:t>
             </a:r>
             <a:r>
@@ -10299,26 +9952,25 @@
   <p:clrMapOvr>
     <a:masterClrMapping/>
   </p:clrMapOvr>
-  <p:transition xmlns:p14="http://schemas.microsoft.com/office/powerpoint/2010/main" spd="slow">
+  <p:transition spd="slow">
     <p:cut/>
   </p:transition>
 </p:sld>
 </file>
 
 <file path=ppt/slides/slide7.xml><?xml version="1.0" encoding="utf-8"?>
-<p:sld xmlns:a="http://schemas.openxmlformats.org/drawingml/2006/main" xmlns:r="http://schemas.openxmlformats.org/officeDocument/2006/relationships" xmlns:p="http://schemas.openxmlformats.org/presentationml/2006/main">
+<p:sld xmlns:a="http://schemas.openxmlformats.org/drawingml/2006/main" xmlns:r="http://schemas.openxmlformats.org/officeDocument/2006/relationships" xmlns:mc="http://schemas.openxmlformats.org/markup-compatibility/2006" xmlns:mv="urn:schemas-microsoft-com:mac:vml" xmlns:p="http://schemas.openxmlformats.org/presentationml/2006/main" xmlns:c="http://schemas.openxmlformats.org/drawingml/2006/chart" xmlns:dgm="http://schemas.openxmlformats.org/drawingml/2006/diagram" xmlns:o="urn:schemas-microsoft-com:office:office" xmlns:v="urn:schemas-microsoft-com:vml" xmlns:pvml="urn:schemas-microsoft-com:office:powerpoint" xmlns:com="http://schemas.openxmlformats.org/drawingml/2006/compatibility" xmlns:p14="http://schemas.microsoft.com/office/powerpoint/2010/main">
   <p:cSld>
     <p:bg>
       <p:bgPr>
         <a:solidFill>
           <a:srgbClr val="0B5394"/>
         </a:solidFill>
-        <a:effectLst/>
       </p:bgPr>
     </p:bg>
     <p:spTree>
       <p:nvGrpSpPr>
-        <p:cNvPr id="1" name="Shape 71"/>
+        <p:cNvPr id="71" name="Shape 71"/>
         <p:cNvGrpSpPr/>
         <p:nvPr/>
       </p:nvGrpSpPr>
@@ -10333,9 +9985,7 @@
       <p:sp>
         <p:nvSpPr>
           <p:cNvPr id="72" name="Shape 72"/>
-          <p:cNvSpPr txBox="1">
-            <a:spLocks noGrp="1"/>
-          </p:cNvSpPr>
+          <p:cNvSpPr txBox="1"/>
           <p:nvPr>
             <p:ph type="title"/>
           </p:nvPr>
@@ -10350,7 +10000,7 @@
           </a:prstGeom>
         </p:spPr>
         <p:txBody>
-          <a:bodyPr lIns="91425" tIns="91425" rIns="91425" bIns="91425" anchor="ctr" anchorCtr="0">
+          <a:bodyPr anchorCtr="0" anchor="ctr" bIns="91425" lIns="91425" rIns="91425" tIns="91425">
             <a:noAutofit/>
           </a:bodyPr>
           <a:lstStyle/>
@@ -10362,7 +10012,7 @@
               <a:buNone/>
             </a:pPr>
             <a:r>
-              <a:rPr lang="en" b="0"/>
+              <a:rPr b="0" lang="en"/>
               <a:t>Part Two</a:t>
             </a:r>
           </a:p>
@@ -10385,18 +10035,18 @@
   <p:clrMapOvr>
     <a:masterClrMapping/>
   </p:clrMapOvr>
-  <p:transition xmlns:p14="http://schemas.microsoft.com/office/powerpoint/2010/main" spd="slow">
+  <p:transition spd="slow">
     <p:cut/>
   </p:transition>
 </p:sld>
 </file>
 
 <file path=ppt/slides/slide8.xml><?xml version="1.0" encoding="utf-8"?>
-<p:sld xmlns:a="http://schemas.openxmlformats.org/drawingml/2006/main" xmlns:r="http://schemas.openxmlformats.org/officeDocument/2006/relationships" xmlns:p="http://schemas.openxmlformats.org/presentationml/2006/main">
+<p:sld xmlns:a="http://schemas.openxmlformats.org/drawingml/2006/main" xmlns:r="http://schemas.openxmlformats.org/officeDocument/2006/relationships" xmlns:mc="http://schemas.openxmlformats.org/markup-compatibility/2006" xmlns:mv="urn:schemas-microsoft-com:mac:vml" xmlns:p="http://schemas.openxmlformats.org/presentationml/2006/main" xmlns:c="http://schemas.openxmlformats.org/drawingml/2006/chart" xmlns:dgm="http://schemas.openxmlformats.org/drawingml/2006/diagram" xmlns:o="urn:schemas-microsoft-com:office:office" xmlns:v="urn:schemas-microsoft-com:vml" xmlns:pvml="urn:schemas-microsoft-com:office:powerpoint" xmlns:com="http://schemas.openxmlformats.org/drawingml/2006/compatibility" xmlns:p14="http://schemas.microsoft.com/office/powerpoint/2010/main">
   <p:cSld>
     <p:spTree>
       <p:nvGrpSpPr>
-        <p:cNvPr id="1" name="Shape 76"/>
+        <p:cNvPr id="76" name="Shape 76"/>
         <p:cNvGrpSpPr/>
         <p:nvPr/>
       </p:nvGrpSpPr>
@@ -10411,9 +10061,7 @@
       <p:sp>
         <p:nvSpPr>
           <p:cNvPr id="77" name="Shape 77"/>
-          <p:cNvSpPr txBox="1">
-            <a:spLocks noGrp="1"/>
-          </p:cNvSpPr>
+          <p:cNvSpPr txBox="1"/>
           <p:nvPr>
             <p:ph type="title"/>
           </p:nvPr>
@@ -10428,12 +10076,12 @@
           </a:prstGeom>
         </p:spPr>
         <p:txBody>
-          <a:bodyPr lIns="91425" tIns="91425" rIns="91425" bIns="91425" anchor="b" anchorCtr="0">
+          <a:bodyPr anchorCtr="0" anchor="b" bIns="91425" lIns="91425" rIns="91425" tIns="91425">
             <a:noAutofit/>
           </a:bodyPr>
           <a:lstStyle/>
           <a:p>
-            <a:pPr lvl="0" algn="ctr" rtl="0">
+            <a:pPr lvl="0" rtl="0" algn="ctr">
               <a:spcBef>
                 <a:spcPts val="0"/>
               </a:spcBef>
@@ -10470,12 +10118,12 @@
           </a:ln>
         </p:spPr>
         <p:txBody>
-          <a:bodyPr lIns="91425" tIns="91425" rIns="91425" bIns="91425" anchor="t" anchorCtr="0">
+          <a:bodyPr anchorCtr="0" anchor="t" bIns="91425" lIns="91425" rIns="91425" tIns="91425">
             <a:noAutofit/>
           </a:bodyPr>
           <a:lstStyle/>
           <a:p>
-            <a:pPr marL="457200" lvl="0" indent="-355600" rtl="0">
+            <a:pPr indent="-355600" lvl="0" marL="457200" rtl="0">
               <a:spcBef>
                 <a:spcPts val="520"/>
               </a:spcBef>
@@ -10499,7 +10147,7 @@
               <a:t>Gives an overview of </a:t>
             </a:r>
             <a:r>
-              <a:rPr lang="en" sz="2000" b="1">
+              <a:rPr b="1" lang="en" sz="2000">
                 <a:solidFill>
                   <a:schemeClr val="dk1"/>
                 </a:solidFill>
@@ -10523,7 +10171,7 @@
               <a:t> from different conferences and information about </a:t>
             </a:r>
             <a:r>
-              <a:rPr lang="en" sz="2000" b="1">
+              <a:rPr b="1" lang="en" sz="2000">
                 <a:solidFill>
                   <a:schemeClr val="dk1"/>
                 </a:solidFill>
@@ -10548,7 +10196,7 @@
             </a:r>
           </a:p>
           <a:p>
-            <a:pPr marL="457200" lvl="0" indent="-355600" rtl="0">
+            <a:pPr indent="-355600" lvl="0" marL="457200" rtl="0">
               <a:spcBef>
                 <a:spcPts val="520"/>
               </a:spcBef>
@@ -10572,7 +10220,7 @@
               <a:t>Features one </a:t>
             </a:r>
             <a:r>
-              <a:rPr lang="en" sz="2000" b="1">
+              <a:rPr b="1" lang="en" sz="2000">
                 <a:solidFill>
                   <a:schemeClr val="dk1"/>
                 </a:solidFill>
@@ -10593,10 +10241,10 @@
                 <a:cs typeface="Quicksand"/>
                 <a:sym typeface="Quicksand"/>
               </a:rPr>
-              <a:t> page + two </a:t>
-            </a:r>
-            <a:r>
-              <a:rPr lang="en" sz="2000" b="1">
+              <a:t> page + three </a:t>
+            </a:r>
+            <a:r>
+              <a:rPr b="1" lang="en" sz="2000">
                 <a:solidFill>
                   <a:schemeClr val="dk1"/>
                 </a:solidFill>
@@ -10609,7 +10257,7 @@
             </a:r>
           </a:p>
           <a:p>
-            <a:pPr marL="1371600" lvl="1" indent="-355600" rtl="0">
+            <a:pPr indent="-355600" lvl="1" marL="1371600" rtl="0">
               <a:spcBef>
                 <a:spcPts val="520"/>
               </a:spcBef>
@@ -10621,7 +10269,7 @@
               <a:buChar char="○"/>
             </a:pPr>
             <a:r>
-              <a:rPr lang="en" sz="2000" b="1">
+              <a:rPr b="1" lang="en" sz="2000">
                 <a:solidFill>
                   <a:schemeClr val="dk1"/>
                 </a:solidFill>
@@ -10645,7 +10293,7 @@
               <a:t> page where user can manually enter </a:t>
             </a:r>
             <a:r>
-              <a:rPr lang="en" sz="2000" b="1">
+              <a:rPr b="1" lang="en" sz="2000">
                 <a:solidFill>
                   <a:schemeClr val="dk1"/>
                 </a:solidFill>
@@ -10669,7 +10317,7 @@
               <a:t> to get data from the server in </a:t>
             </a:r>
             <a:r>
-              <a:rPr lang="en" sz="2000" b="1">
+              <a:rPr b="1" lang="en" sz="2000">
                 <a:solidFill>
                   <a:schemeClr val="dk1"/>
                 </a:solidFill>
@@ -10694,7 +10342,7 @@
             </a:r>
           </a:p>
           <a:p>
-            <a:pPr marL="1371600" lvl="1" indent="-355600" rtl="0">
+            <a:pPr indent="-355600" lvl="1" marL="1371600" rtl="0">
               <a:spcBef>
                 <a:spcPts val="520"/>
               </a:spcBef>
@@ -10706,16 +10354,16 @@
               <a:buChar char="○"/>
             </a:pPr>
             <a:r>
-              <a:rPr lang="en" sz="2000" b="1">
-                <a:solidFill>
-                  <a:schemeClr val="dk1"/>
-                </a:solidFill>
-                <a:latin typeface="Quicksand"/>
-                <a:ea typeface="Quicksand"/>
-                <a:cs typeface="Quicksand"/>
-                <a:sym typeface="Quicksand"/>
-              </a:rPr>
-              <a:t>NBA Team</a:t>
+              <a:rPr b="1" lang="en" sz="2000">
+                <a:solidFill>
+                  <a:schemeClr val="dk1"/>
+                </a:solidFill>
+                <a:latin typeface="Quicksand"/>
+                <a:ea typeface="Quicksand"/>
+                <a:cs typeface="Quicksand"/>
+                <a:sym typeface="Quicksand"/>
+              </a:rPr>
+              <a:t>NBA Teams</a:t>
             </a:r>
             <a:r>
               <a:rPr lang="en" sz="2000">
@@ -10727,19 +10375,19 @@
                 <a:cs typeface="Quicksand"/>
                 <a:sym typeface="Quicksand"/>
               </a:rPr>
-              <a:t> report shows the user how many </a:t>
-            </a:r>
-            <a:r>
-              <a:rPr lang="en" sz="2000" b="1">
-                <a:solidFill>
-                  <a:schemeClr val="dk1"/>
-                </a:solidFill>
-                <a:latin typeface="Quicksand"/>
-                <a:ea typeface="Quicksand"/>
-                <a:cs typeface="Quicksand"/>
-                <a:sym typeface="Quicksand"/>
-              </a:rPr>
-              <a:t>teams</a:t>
+              <a:t> report shows user the </a:t>
+            </a:r>
+            <a:r>
+              <a:rPr b="1" lang="en" sz="2000">
+                <a:solidFill>
+                  <a:schemeClr val="dk1"/>
+                </a:solidFill>
+                <a:latin typeface="Quicksand"/>
+                <a:ea typeface="Quicksand"/>
+                <a:cs typeface="Quicksand"/>
+                <a:sym typeface="Quicksand"/>
+              </a:rPr>
+              <a:t>NBA teams</a:t>
             </a:r>
             <a:r>
               <a:rPr lang="en" sz="2000">
@@ -10751,10 +10399,10 @@
                 <a:cs typeface="Quicksand"/>
                 <a:sym typeface="Quicksand"/>
               </a:rPr>
-              <a:t> are there in the league and the </a:t>
-            </a:r>
-            <a:r>
-              <a:rPr lang="en" sz="2000" b="1">
+              <a:t> and the </a:t>
+            </a:r>
+            <a:r>
+              <a:rPr b="1" lang="en" sz="2000">
                 <a:solidFill>
                   <a:schemeClr val="dk1"/>
                 </a:solidFill>
@@ -10779,7 +10427,7 @@
             </a:r>
           </a:p>
           <a:p>
-            <a:pPr marL="1371600" lvl="1" indent="-355600" rtl="0">
+            <a:pPr indent="-355600" lvl="1" marL="1371600" rtl="0">
               <a:spcBef>
                 <a:spcPts val="520"/>
               </a:spcBef>
@@ -10791,16 +10439,16 @@
               <a:buChar char="○"/>
             </a:pPr>
             <a:r>
-              <a:rPr lang="en" sz="2000" b="1">
-                <a:solidFill>
-                  <a:schemeClr val="dk1"/>
-                </a:solidFill>
-                <a:latin typeface="Quicksand"/>
-                <a:ea typeface="Quicksand"/>
-                <a:cs typeface="Quicksand"/>
-                <a:sym typeface="Quicksand"/>
-              </a:rPr>
-              <a:t>NBA Player</a:t>
+              <a:rPr b="1" lang="en" sz="2000">
+                <a:solidFill>
+                  <a:schemeClr val="dk1"/>
+                </a:solidFill>
+                <a:latin typeface="Quicksand"/>
+                <a:ea typeface="Quicksand"/>
+                <a:cs typeface="Quicksand"/>
+                <a:sym typeface="Quicksand"/>
+              </a:rPr>
+              <a:t>NBA Players</a:t>
             </a:r>
             <a:r>
               <a:rPr lang="en" sz="2000">
@@ -10812,10 +10460,10 @@
                 <a:cs typeface="Quicksand"/>
                 <a:sym typeface="Quicksand"/>
               </a:rPr>
-              <a:t> report shows the user information about some </a:t>
-            </a:r>
-            <a:r>
-              <a:rPr lang="en" sz="2000" b="1">
+              <a:t> report shows user information about some </a:t>
+            </a:r>
+            <a:r>
+              <a:rPr b="1" lang="en" sz="2000">
                 <a:solidFill>
                   <a:schemeClr val="dk1"/>
                 </a:solidFill>
@@ -10839,7 +10487,7 @@
               <a:t> from each </a:t>
             </a:r>
             <a:r>
-              <a:rPr lang="en" sz="2000" b="1">
+              <a:rPr b="1" lang="en" sz="2000">
                 <a:solidFill>
                   <a:schemeClr val="dk1"/>
                 </a:solidFill>
@@ -10863,7 +10511,7 @@
               <a:t> and their information such as </a:t>
             </a:r>
             <a:r>
-              <a:rPr lang="en" sz="2000" b="1">
+              <a:rPr b="1" lang="en" sz="2000">
                 <a:solidFill>
                   <a:schemeClr val="dk1"/>
                 </a:solidFill>
@@ -10887,7 +10535,7 @@
               <a:t>and </a:t>
             </a:r>
             <a:r>
-              <a:rPr lang="en" sz="2000" b="1">
+              <a:rPr b="1" lang="en" sz="2000">
                 <a:solidFill>
                   <a:schemeClr val="dk1"/>
                 </a:solidFill>
@@ -10897,6 +10545,91 @@
                 <a:sym typeface="Quicksand"/>
               </a:rPr>
               <a:t>height</a:t>
+            </a:r>
+          </a:p>
+          <a:p>
+            <a:pPr indent="-355600" lvl="1" marL="1371600" rtl="0">
+              <a:spcBef>
+                <a:spcPts val="520"/>
+              </a:spcBef>
+              <a:buClr>
+                <a:schemeClr val="dk1"/>
+              </a:buClr>
+              <a:buSzPct val="100000"/>
+              <a:buFont typeface="Quicksand"/>
+              <a:buChar char="○"/>
+            </a:pPr>
+            <a:r>
+              <a:rPr b="1" lang="en" sz="2000">
+                <a:solidFill>
+                  <a:schemeClr val="dk1"/>
+                </a:solidFill>
+                <a:latin typeface="Quicksand"/>
+                <a:ea typeface="Quicksand"/>
+                <a:cs typeface="Quicksand"/>
+                <a:sym typeface="Quicksand"/>
+              </a:rPr>
+              <a:t>NBA Stats</a:t>
+            </a:r>
+            <a:r>
+              <a:rPr lang="en" sz="2000">
+                <a:solidFill>
+                  <a:schemeClr val="dk1"/>
+                </a:solidFill>
+                <a:latin typeface="Quicksand"/>
+                <a:ea typeface="Quicksand"/>
+                <a:cs typeface="Quicksand"/>
+                <a:sym typeface="Quicksand"/>
+              </a:rPr>
+              <a:t> report shows user information about the count of the </a:t>
+            </a:r>
+            <a:r>
+              <a:rPr b="1" lang="en" sz="2000">
+                <a:solidFill>
+                  <a:schemeClr val="dk1"/>
+                </a:solidFill>
+                <a:latin typeface="Quicksand"/>
+                <a:ea typeface="Quicksand"/>
+                <a:cs typeface="Quicksand"/>
+                <a:sym typeface="Quicksand"/>
+              </a:rPr>
+              <a:t>position</a:t>
+            </a:r>
+            <a:r>
+              <a:rPr lang="en" sz="2000">
+                <a:solidFill>
+                  <a:schemeClr val="dk1"/>
+                </a:solidFill>
+                <a:latin typeface="Quicksand"/>
+                <a:ea typeface="Quicksand"/>
+                <a:cs typeface="Quicksand"/>
+                <a:sym typeface="Quicksand"/>
+              </a:rPr>
+              <a:t> and </a:t>
+            </a:r>
+            <a:r>
+              <a:rPr b="1" lang="en" sz="2000">
+                <a:solidFill>
+                  <a:schemeClr val="dk1"/>
+                </a:solidFill>
+                <a:latin typeface="Quicksand"/>
+                <a:ea typeface="Quicksand"/>
+                <a:cs typeface="Quicksand"/>
+                <a:sym typeface="Quicksand"/>
+              </a:rPr>
+              <a:t>height</a:t>
+            </a:r>
+            <a:r>
+              <a:rPr lang="en" sz="2000">
+                <a:solidFill>
+                  <a:schemeClr val="dk1"/>
+                </a:solidFill>
+                <a:latin typeface="Quicksand"/>
+                <a:ea typeface="Quicksand"/>
+                <a:cs typeface="Quicksand"/>
+                <a:sym typeface="Quicksand"/>
+              </a:rPr>
+              <a:t> in two graphs</a:t>
             </a:r>
           </a:p>
         </p:txBody>
@@ -10906,18 +10639,18 @@
   <p:clrMapOvr>
     <a:masterClrMapping/>
   </p:clrMapOvr>
-  <p:transition xmlns:p14="http://schemas.microsoft.com/office/powerpoint/2010/main" spd="slow">
+  <p:transition spd="slow">
     <p:cut/>
   </p:transition>
 </p:sld>
 </file>
 
 <file path=ppt/slides/slide9.xml><?xml version="1.0" encoding="utf-8"?>
-<p:sld xmlns:a="http://schemas.openxmlformats.org/drawingml/2006/main" xmlns:r="http://schemas.openxmlformats.org/officeDocument/2006/relationships" xmlns:p="http://schemas.openxmlformats.org/presentationml/2006/main">
+<p:sld xmlns:a="http://schemas.openxmlformats.org/drawingml/2006/main" xmlns:r="http://schemas.openxmlformats.org/officeDocument/2006/relationships" xmlns:mc="http://schemas.openxmlformats.org/markup-compatibility/2006" xmlns:mv="urn:schemas-microsoft-com:mac:vml" xmlns:p="http://schemas.openxmlformats.org/presentationml/2006/main" xmlns:c="http://schemas.openxmlformats.org/drawingml/2006/chart" xmlns:dgm="http://schemas.openxmlformats.org/drawingml/2006/diagram" xmlns:o="urn:schemas-microsoft-com:office:office" xmlns:v="urn:schemas-microsoft-com:vml" xmlns:pvml="urn:schemas-microsoft-com:office:powerpoint" xmlns:com="http://schemas.openxmlformats.org/drawingml/2006/compatibility" xmlns:p14="http://schemas.microsoft.com/office/powerpoint/2010/main">
   <p:cSld>
     <p:spTree>
       <p:nvGrpSpPr>
-        <p:cNvPr id="1" name="Shape 82"/>
+        <p:cNvPr id="82" name="Shape 82"/>
         <p:cNvGrpSpPr/>
         <p:nvPr/>
       </p:nvGrpSpPr>
@@ -10932,9 +10665,7 @@
       <p:sp>
         <p:nvSpPr>
           <p:cNvPr id="83" name="Shape 83"/>
-          <p:cNvSpPr txBox="1">
-            <a:spLocks noGrp="1"/>
-          </p:cNvSpPr>
+          <p:cNvSpPr txBox="1"/>
           <p:nvPr>
             <p:ph type="title"/>
           </p:nvPr>
@@ -10949,12 +10680,12 @@
           </a:prstGeom>
         </p:spPr>
         <p:txBody>
-          <a:bodyPr lIns="91425" tIns="91425" rIns="91425" bIns="91425" anchor="b" anchorCtr="0">
+          <a:bodyPr anchorCtr="0" anchor="b" bIns="91425" lIns="91425" rIns="91425" tIns="91425">
             <a:noAutofit/>
           </a:bodyPr>
           <a:lstStyle/>
           <a:p>
-            <a:pPr lvl="0" algn="ctr" rtl="0">
+            <a:pPr lvl="0" rtl="0" algn="ctr">
               <a:spcBef>
                 <a:spcPts val="0"/>
               </a:spcBef>
@@ -10987,8 +10718,8 @@
         </p:blipFill>
         <p:spPr>
           <a:xfrm>
-            <a:off x="1684862" y="1301249"/>
-            <a:ext cx="5774275" cy="3303001"/>
+            <a:off x="1206175" y="1256036"/>
+            <a:ext cx="6731648" cy="3850626"/>
           </a:xfrm>
           <a:prstGeom prst="rect">
             <a:avLst/>
@@ -11004,14 +10735,14 @@
   <p:clrMapOvr>
     <a:masterClrMapping/>
   </p:clrMapOvr>
-  <p:transition xmlns:p14="http://schemas.microsoft.com/office/powerpoint/2010/main" spd="slow">
+  <p:transition spd="slow">
     <p:cut/>
   </p:transition>
 </p:sld>
 </file>
 
 <file path=ppt/theme/theme1.xml><?xml version="1.0" encoding="utf-8"?>
-<a:theme xmlns:a="http://schemas.openxmlformats.org/drawingml/2006/main" name="swiss">
+<a:theme xmlns:a="http://schemas.openxmlformats.org/drawingml/2006/main" xmlns:r="http://schemas.openxmlformats.org/officeDocument/2006/relationships" name="swiss">
   <a:themeElements>
     <a:clrScheme name="Custom 218">
       <a:dk1>
@@ -11286,13 +11017,290 @@
       </a:bgFillStyleLst>
     </a:fmtScheme>
   </a:themeElements>
-  <a:objectDefaults/>
-  <a:extraClrSchemeLst/>
 </a:theme>
 </file>
 
 <file path=ppt/theme/theme2.xml><?xml version="1.0" encoding="utf-8"?>
-<a:theme xmlns:a="http://schemas.openxmlformats.org/drawingml/2006/main" name="simple-light">
+<a:theme xmlns:a="http://schemas.openxmlformats.org/drawingml/2006/main" xmlns:r="http://schemas.openxmlformats.org/officeDocument/2006/relationships" name="Custom Theme">
+  <a:themeElements>
+    <a:clrScheme name="Default">
+      <a:dk1>
+        <a:srgbClr val="000000"/>
+      </a:dk1>
+      <a:lt1>
+        <a:srgbClr val="FFFFFF"/>
+      </a:lt1>
+      <a:dk2>
+        <a:srgbClr val="158158"/>
+      </a:dk2>
+      <a:lt2>
+        <a:srgbClr val="F3F3F3"/>
+      </a:lt2>
+      <a:accent1>
+        <a:srgbClr val="058DC7"/>
+      </a:accent1>
+      <a:accent2>
+        <a:srgbClr val="50B432"/>
+      </a:accent2>
+      <a:accent3>
+        <a:srgbClr val="ED561B"/>
+      </a:accent3>
+      <a:accent4>
+        <a:srgbClr val="EDEF00"/>
+      </a:accent4>
+      <a:accent5>
+        <a:srgbClr val="24CBE5"/>
+      </a:accent5>
+      <a:accent6>
+        <a:srgbClr val="64E572"/>
+      </a:accent6>
+      <a:hlink>
+        <a:srgbClr val="2200CC"/>
+      </a:hlink>
+      <a:folHlink>
+        <a:srgbClr val="551A8B"/>
+      </a:folHlink>
+    </a:clrScheme>
+    <a:fontScheme name="Office">
+      <a:majorFont>
+        <a:latin typeface="Arial"/>
+        <a:ea typeface=""/>
+        <a:cs typeface=""/>
+        <a:font script="Jpan" typeface="ＭＳ Ｐゴシック"/>
+        <a:font script="Hang" typeface="맑은 고딕"/>
+        <a:font script="Hans" typeface="宋体"/>
+        <a:font script="Hant" typeface="新細明體"/>
+        <a:font script="Arab" typeface="Times New Roman"/>
+        <a:font script="Hebr" typeface="Times New Roman"/>
+        <a:font script="Thai" typeface="Angsana New"/>
+        <a:font script="Ethi" typeface="Nyala"/>
+        <a:font script="Beng" typeface="Vrinda"/>
+        <a:font script="Gujr" typeface="Shruti"/>
+        <a:font script="Khmr" typeface="MoolBoran"/>
+        <a:font script="Knda" typeface="Tunga"/>
+        <a:font script="Guru" typeface="Raavi"/>
+        <a:font script="Cans" typeface="Euphemia"/>
+        <a:font script="Cher" typeface="Plantagenet Cherokee"/>
+        <a:font script="Yiii" typeface="Microsoft Yi Baiti"/>
+        <a:font script="Tibt" typeface="Microsoft Himalaya"/>
+        <a:font script="Thaa" typeface="MV Boli"/>
+        <a:font script="Deva" typeface="Mangal"/>
+        <a:font script="Telu" typeface="Gautami"/>
+        <a:font script="Taml" typeface="Latha"/>
+        <a:font script="Syrc" typeface="Estrangelo Edessa"/>
+        <a:font script="Orya" typeface="Kalinga"/>
+        <a:font script="Mlym" typeface="Kartika"/>
+        <a:font script="Laoo" typeface="DokChampa"/>
+        <a:font script="Sinh" typeface="Iskoola Pota"/>
+        <a:font script="Mong" typeface="Mongolian Baiti"/>
+        <a:font script="Viet" typeface="Times New Roman"/>
+        <a:font script="Uigh" typeface="Microsoft Uighur"/>
+        <a:font script="Geor" typeface="Sylfaen"/>
+      </a:majorFont>
+      <a:minorFont>
+        <a:latin typeface="Arial"/>
+        <a:ea typeface=""/>
+        <a:cs typeface=""/>
+        <a:font script="Jpan" typeface="ＭＳ Ｐゴシック"/>
+        <a:font script="Hang" typeface="맑은 고딕"/>
+        <a:font script="Hans" typeface="宋体"/>
+        <a:font script="Hant" typeface="新細明體"/>
+        <a:font script="Arab" typeface="Arial"/>
+        <a:font script="Hebr" typeface="Arial"/>
+        <a:font script="Thai" typeface="Cordia New"/>
+        <a:font script="Ethi" typeface="Nyala"/>
+        <a:font script="Beng" typeface="Vrinda"/>
+        <a:font script="Gujr" typeface="Shruti"/>
+        <a:font script="Khmr" typeface="DaunPenh"/>
+        <a:font script="Knda" typeface="Tunga"/>
+        <a:font script="Guru" typeface="Raavi"/>
+        <a:font script="Cans" typeface="Euphemia"/>
+        <a:font script="Cher" typeface="Plantagenet Cherokee"/>
+        <a:font script="Yiii" typeface="Microsoft Yi Baiti"/>
+        <a:font script="Tibt" typeface="Microsoft Himalaya"/>
+        <a:font script="Thaa" typeface="MV Boli"/>
+        <a:font script="Deva" typeface="Mangal"/>
+        <a:font script="Telu" typeface="Gautami"/>
+        <a:font script="Taml" typeface="Latha"/>
+        <a:font script="Syrc" typeface="Estrangelo Edessa"/>
+        <a:font script="Orya" typeface="Kalinga"/>
+        <a:font script="Mlym" typeface="Kartika"/>
+        <a:font script="Laoo" typeface="DokChampa"/>
+        <a:font script="Sinh" typeface="Iskoola Pota"/>
+        <a:font script="Mong" typeface="Mongolian Baiti"/>
+        <a:font script="Viet" typeface="Arial"/>
+        <a:font script="Uigh" typeface="Microsoft Uighur"/>
+        <a:font script="Geor" typeface="Sylfaen"/>
+      </a:minorFont>
+    </a:fontScheme>
+    <a:fmtScheme name="Office">
+      <a:fillStyleLst>
+        <a:solidFill>
+          <a:schemeClr val="phClr"/>
+        </a:solidFill>
+        <a:gradFill rotWithShape="1">
+          <a:gsLst>
+            <a:gs pos="0">
+              <a:schemeClr val="phClr">
+                <a:tint val="50000"/>
+                <a:satMod val="300000"/>
+              </a:schemeClr>
+            </a:gs>
+            <a:gs pos="35000">
+              <a:schemeClr val="phClr">
+                <a:tint val="37000"/>
+                <a:satMod val="300000"/>
+              </a:schemeClr>
+            </a:gs>
+            <a:gs pos="100000">
+              <a:schemeClr val="phClr">
+                <a:tint val="15000"/>
+                <a:satMod val="350000"/>
+              </a:schemeClr>
+            </a:gs>
+          </a:gsLst>
+          <a:lin ang="16200000" scaled="1"/>
+        </a:gradFill>
+        <a:gradFill rotWithShape="1">
+          <a:gsLst>
+            <a:gs pos="0">
+              <a:schemeClr val="phClr">
+                <a:tint val="100000"/>
+                <a:shade val="100000"/>
+                <a:satMod val="130000"/>
+              </a:schemeClr>
+            </a:gs>
+            <a:gs pos="100000">
+              <a:schemeClr val="phClr">
+                <a:tint val="50000"/>
+                <a:shade val="100000"/>
+                <a:satMod val="350000"/>
+              </a:schemeClr>
+            </a:gs>
+          </a:gsLst>
+          <a:lin ang="16200000" scaled="0"/>
+        </a:gradFill>
+      </a:fillStyleLst>
+      <a:lnStyleLst>
+        <a:ln w="9525" cap="flat" cmpd="sng" algn="ctr">
+          <a:solidFill>
+            <a:schemeClr val="phClr">
+              <a:shade val="95000"/>
+              <a:satMod val="105000"/>
+            </a:schemeClr>
+          </a:solidFill>
+          <a:prstDash val="solid"/>
+        </a:ln>
+        <a:ln w="25400" cap="flat" cmpd="sng" algn="ctr">
+          <a:solidFill>
+            <a:schemeClr val="phClr"/>
+          </a:solidFill>
+          <a:prstDash val="solid"/>
+        </a:ln>
+        <a:ln w="38100" cap="flat" cmpd="sng" algn="ctr">
+          <a:solidFill>
+            <a:schemeClr val="phClr"/>
+          </a:solidFill>
+          <a:prstDash val="solid"/>
+        </a:ln>
+      </a:lnStyleLst>
+      <a:effectStyleLst>
+        <a:effectStyle>
+          <a:effectLst>
+            <a:outerShdw blurRad="40000" dist="20000" dir="5400000" rotWithShape="0">
+              <a:srgbClr val="000000">
+                <a:alpha val="38000"/>
+              </a:srgbClr>
+            </a:outerShdw>
+          </a:effectLst>
+        </a:effectStyle>
+        <a:effectStyle>
+          <a:effectLst>
+            <a:outerShdw blurRad="40000" dist="23000" dir="5400000" rotWithShape="0">
+              <a:srgbClr val="000000">
+                <a:alpha val="35000"/>
+              </a:srgbClr>
+            </a:outerShdw>
+          </a:effectLst>
+        </a:effectStyle>
+        <a:effectStyle>
+          <a:effectLst>
+            <a:outerShdw blurRad="40000" dist="23000" dir="5400000" rotWithShape="0">
+              <a:srgbClr val="000000">
+                <a:alpha val="35000"/>
+              </a:srgbClr>
+            </a:outerShdw>
+          </a:effectLst>
+          <a:scene3d>
+            <a:camera prst="orthographicFront">
+              <a:rot lat="0" lon="0" rev="0"/>
+            </a:camera>
+            <a:lightRig rig="threePt" dir="t">
+              <a:rot lat="0" lon="0" rev="1200000"/>
+            </a:lightRig>
+          </a:scene3d>
+          <a:sp3d>
+            <a:bevelT w="63500" h="25400"/>
+          </a:sp3d>
+        </a:effectStyle>
+      </a:effectStyleLst>
+      <a:bgFillStyleLst>
+        <a:solidFill>
+          <a:schemeClr val="phClr"/>
+        </a:solidFill>
+        <a:gradFill rotWithShape="1">
+          <a:gsLst>
+            <a:gs pos="0">
+              <a:schemeClr val="phClr">
+                <a:tint val="40000"/>
+                <a:satMod val="350000"/>
+              </a:schemeClr>
+            </a:gs>
+            <a:gs pos="40000">
+              <a:schemeClr val="phClr">
+                <a:tint val="45000"/>
+                <a:shade val="99000"/>
+                <a:satMod val="350000"/>
+              </a:schemeClr>
+            </a:gs>
+            <a:gs pos="100000">
+              <a:schemeClr val="phClr">
+                <a:shade val="20000"/>
+                <a:satMod val="255000"/>
+              </a:schemeClr>
+            </a:gs>
+          </a:gsLst>
+          <a:path path="circle">
+            <a:fillToRect l="50000" t="-80000" r="50000" b="180000"/>
+          </a:path>
+        </a:gradFill>
+        <a:gradFill rotWithShape="1">
+          <a:gsLst>
+            <a:gs pos="0">
+              <a:schemeClr val="phClr">
+                <a:tint val="80000"/>
+                <a:satMod val="300000"/>
+              </a:schemeClr>
+            </a:gs>
+            <a:gs pos="100000">
+              <a:schemeClr val="phClr">
+                <a:shade val="30000"/>
+                <a:satMod val="200000"/>
+              </a:schemeClr>
+            </a:gs>
+          </a:gsLst>
+          <a:path path="circle">
+            <a:fillToRect l="50000" t="50000" r="50000" b="50000"/>
+          </a:path>
+        </a:gradFill>
+      </a:bgFillStyleLst>
+    </a:fmtScheme>
+  </a:themeElements>
+</a:theme>
+</file>
+
+<file path=ppt/theme/theme3.xml><?xml version="1.0" encoding="utf-8"?>
+<a:theme xmlns:a="http://schemas.openxmlformats.org/drawingml/2006/main" xmlns:r="http://schemas.openxmlformats.org/officeDocument/2006/relationships" name="simple-light">
   <a:themeElements>
     <a:clrScheme name="Custom 347">
       <a:dk1>
@@ -11567,288 +11575,5 @@
       </a:bgFillStyleLst>
     </a:fmtScheme>
   </a:themeElements>
-  <a:objectDefaults/>
-  <a:extraClrSchemeLst/>
-</a:theme>
-</file>
-
-<file path=ppt/theme/theme3.xml><?xml version="1.0" encoding="utf-8"?>
-<a:theme xmlns:a="http://schemas.openxmlformats.org/drawingml/2006/main" name="Custom Theme">
-  <a:themeElements>
-    <a:clrScheme name="Default">
-      <a:dk1>
-        <a:srgbClr val="000000"/>
-      </a:dk1>
-      <a:lt1>
-        <a:srgbClr val="FFFFFF"/>
-      </a:lt1>
-      <a:dk2>
-        <a:srgbClr val="158158"/>
-      </a:dk2>
-      <a:lt2>
-        <a:srgbClr val="F3F3F3"/>
-      </a:lt2>
-      <a:accent1>
-        <a:srgbClr val="058DC7"/>
-      </a:accent1>
-      <a:accent2>
-        <a:srgbClr val="50B432"/>
-      </a:accent2>
-      <a:accent3>
-        <a:srgbClr val="ED561B"/>
-      </a:accent3>
-      <a:accent4>
-        <a:srgbClr val="EDEF00"/>
-      </a:accent4>
-      <a:accent5>
-        <a:srgbClr val="24CBE5"/>
-      </a:accent5>
-      <a:accent6>
-        <a:srgbClr val="64E572"/>
-      </a:accent6>
-      <a:hlink>
-        <a:srgbClr val="2200CC"/>
-      </a:hlink>
-      <a:folHlink>
-        <a:srgbClr val="551A8B"/>
-      </a:folHlink>
-    </a:clrScheme>
-    <a:fontScheme name="Office">
-      <a:majorFont>
-        <a:latin typeface="Arial"/>
-        <a:ea typeface=""/>
-        <a:cs typeface=""/>
-        <a:font script="Jpan" typeface="ＭＳ Ｐゴシック"/>
-        <a:font script="Hang" typeface="맑은 고딕"/>
-        <a:font script="Hans" typeface="宋体"/>
-        <a:font script="Hant" typeface="新細明體"/>
-        <a:font script="Arab" typeface="Times New Roman"/>
-        <a:font script="Hebr" typeface="Times New Roman"/>
-        <a:font script="Thai" typeface="Angsana New"/>
-        <a:font script="Ethi" typeface="Nyala"/>
-        <a:font script="Beng" typeface="Vrinda"/>
-        <a:font script="Gujr" typeface="Shruti"/>
-        <a:font script="Khmr" typeface="MoolBoran"/>
-        <a:font script="Knda" typeface="Tunga"/>
-        <a:font script="Guru" typeface="Raavi"/>
-        <a:font script="Cans" typeface="Euphemia"/>
-        <a:font script="Cher" typeface="Plantagenet Cherokee"/>
-        <a:font script="Yiii" typeface="Microsoft Yi Baiti"/>
-        <a:font script="Tibt" typeface="Microsoft Himalaya"/>
-        <a:font script="Thaa" typeface="MV Boli"/>
-        <a:font script="Deva" typeface="Mangal"/>
-        <a:font script="Telu" typeface="Gautami"/>
-        <a:font script="Taml" typeface="Latha"/>
-        <a:font script="Syrc" typeface="Estrangelo Edessa"/>
-        <a:font script="Orya" typeface="Kalinga"/>
-        <a:font script="Mlym" typeface="Kartika"/>
-        <a:font script="Laoo" typeface="DokChampa"/>
-        <a:font script="Sinh" typeface="Iskoola Pota"/>
-        <a:font script="Mong" typeface="Mongolian Baiti"/>
-        <a:font script="Viet" typeface="Times New Roman"/>
-        <a:font script="Uigh" typeface="Microsoft Uighur"/>
-        <a:font script="Geor" typeface="Sylfaen"/>
-      </a:majorFont>
-      <a:minorFont>
-        <a:latin typeface="Arial"/>
-        <a:ea typeface=""/>
-        <a:cs typeface=""/>
-        <a:font script="Jpan" typeface="ＭＳ Ｐゴシック"/>
-        <a:font script="Hang" typeface="맑은 고딕"/>
-        <a:font script="Hans" typeface="宋体"/>
-        <a:font script="Hant" typeface="新細明體"/>
-        <a:font script="Arab" typeface="Arial"/>
-        <a:font script="Hebr" typeface="Arial"/>
-        <a:font script="Thai" typeface="Cordia New"/>
-        <a:font script="Ethi" typeface="Nyala"/>
-        <a:font script="Beng" typeface="Vrinda"/>
-        <a:font script="Gujr" typeface="Shruti"/>
-        <a:font script="Khmr" typeface="DaunPenh"/>
-        <a:font script="Knda" typeface="Tunga"/>
-        <a:font script="Guru" typeface="Raavi"/>
-        <a:font script="Cans" typeface="Euphemia"/>
-        <a:font script="Cher" typeface="Plantagenet Cherokee"/>
-        <a:font script="Yiii" typeface="Microsoft Yi Baiti"/>
-        <a:font script="Tibt" typeface="Microsoft Himalaya"/>
-        <a:font script="Thaa" typeface="MV Boli"/>
-        <a:font script="Deva" typeface="Mangal"/>
-        <a:font script="Telu" typeface="Gautami"/>
-        <a:font script="Taml" typeface="Latha"/>
-        <a:font script="Syrc" typeface="Estrangelo Edessa"/>
-        <a:font script="Orya" typeface="Kalinga"/>
-        <a:font script="Mlym" typeface="Kartika"/>
-        <a:font script="Laoo" typeface="DokChampa"/>
-        <a:font script="Sinh" typeface="Iskoola Pota"/>
-        <a:font script="Mong" typeface="Mongolian Baiti"/>
-        <a:font script="Viet" typeface="Arial"/>
-        <a:font script="Uigh" typeface="Microsoft Uighur"/>
-        <a:font script="Geor" typeface="Sylfaen"/>
-      </a:minorFont>
-    </a:fontScheme>
-    <a:fmtScheme name="Office">
-      <a:fillStyleLst>
-        <a:solidFill>
-          <a:schemeClr val="phClr"/>
-        </a:solidFill>
-        <a:gradFill rotWithShape="1">
-          <a:gsLst>
-            <a:gs pos="0">
-              <a:schemeClr val="phClr">
-                <a:tint val="50000"/>
-                <a:satMod val="300000"/>
-              </a:schemeClr>
-            </a:gs>
-            <a:gs pos="35000">
-              <a:schemeClr val="phClr">
-                <a:tint val="37000"/>
-                <a:satMod val="300000"/>
-              </a:schemeClr>
-            </a:gs>
-            <a:gs pos="100000">
-              <a:schemeClr val="phClr">
-                <a:tint val="15000"/>
-                <a:satMod val="350000"/>
-              </a:schemeClr>
-            </a:gs>
-          </a:gsLst>
-          <a:lin ang="16200000" scaled="1"/>
-        </a:gradFill>
-        <a:gradFill rotWithShape="1">
-          <a:gsLst>
-            <a:gs pos="0">
-              <a:schemeClr val="phClr">
-                <a:tint val="100000"/>
-                <a:shade val="100000"/>
-                <a:satMod val="130000"/>
-              </a:schemeClr>
-            </a:gs>
-            <a:gs pos="100000">
-              <a:schemeClr val="phClr">
-                <a:tint val="50000"/>
-                <a:shade val="100000"/>
-                <a:satMod val="350000"/>
-              </a:schemeClr>
-            </a:gs>
-          </a:gsLst>
-          <a:lin ang="16200000" scaled="0"/>
-        </a:gradFill>
-      </a:fillStyleLst>
-      <a:lnStyleLst>
-        <a:ln w="9525" cap="flat" cmpd="sng" algn="ctr">
-          <a:solidFill>
-            <a:schemeClr val="phClr">
-              <a:shade val="95000"/>
-              <a:satMod val="105000"/>
-            </a:schemeClr>
-          </a:solidFill>
-          <a:prstDash val="solid"/>
-        </a:ln>
-        <a:ln w="25400" cap="flat" cmpd="sng" algn="ctr">
-          <a:solidFill>
-            <a:schemeClr val="phClr"/>
-          </a:solidFill>
-          <a:prstDash val="solid"/>
-        </a:ln>
-        <a:ln w="38100" cap="flat" cmpd="sng" algn="ctr">
-          <a:solidFill>
-            <a:schemeClr val="phClr"/>
-          </a:solidFill>
-          <a:prstDash val="solid"/>
-        </a:ln>
-      </a:lnStyleLst>
-      <a:effectStyleLst>
-        <a:effectStyle>
-          <a:effectLst>
-            <a:outerShdw blurRad="40000" dist="20000" dir="5400000" rotWithShape="0">
-              <a:srgbClr val="000000">
-                <a:alpha val="38000"/>
-              </a:srgbClr>
-            </a:outerShdw>
-          </a:effectLst>
-        </a:effectStyle>
-        <a:effectStyle>
-          <a:effectLst>
-            <a:outerShdw blurRad="40000" dist="23000" dir="5400000" rotWithShape="0">
-              <a:srgbClr val="000000">
-                <a:alpha val="35000"/>
-              </a:srgbClr>
-            </a:outerShdw>
-          </a:effectLst>
-        </a:effectStyle>
-        <a:effectStyle>
-          <a:effectLst>
-            <a:outerShdw blurRad="40000" dist="23000" dir="5400000" rotWithShape="0">
-              <a:srgbClr val="000000">
-                <a:alpha val="35000"/>
-              </a:srgbClr>
-            </a:outerShdw>
-          </a:effectLst>
-          <a:scene3d>
-            <a:camera prst="orthographicFront">
-              <a:rot lat="0" lon="0" rev="0"/>
-            </a:camera>
-            <a:lightRig rig="threePt" dir="t">
-              <a:rot lat="0" lon="0" rev="1200000"/>
-            </a:lightRig>
-          </a:scene3d>
-          <a:sp3d>
-            <a:bevelT w="63500" h="25400"/>
-          </a:sp3d>
-        </a:effectStyle>
-      </a:effectStyleLst>
-      <a:bgFillStyleLst>
-        <a:solidFill>
-          <a:schemeClr val="phClr"/>
-        </a:solidFill>
-        <a:gradFill rotWithShape="1">
-          <a:gsLst>
-            <a:gs pos="0">
-              <a:schemeClr val="phClr">
-                <a:tint val="40000"/>
-                <a:satMod val="350000"/>
-              </a:schemeClr>
-            </a:gs>
-            <a:gs pos="40000">
-              <a:schemeClr val="phClr">
-                <a:tint val="45000"/>
-                <a:shade val="99000"/>
-                <a:satMod val="350000"/>
-              </a:schemeClr>
-            </a:gs>
-            <a:gs pos="100000">
-              <a:schemeClr val="phClr">
-                <a:shade val="20000"/>
-                <a:satMod val="255000"/>
-              </a:schemeClr>
-            </a:gs>
-          </a:gsLst>
-          <a:path path="circle">
-            <a:fillToRect l="50000" t="-80000" r="50000" b="180000"/>
-          </a:path>
-        </a:gradFill>
-        <a:gradFill rotWithShape="1">
-          <a:gsLst>
-            <a:gs pos="0">
-              <a:schemeClr val="phClr">
-                <a:tint val="80000"/>
-                <a:satMod val="300000"/>
-              </a:schemeClr>
-            </a:gs>
-            <a:gs pos="100000">
-              <a:schemeClr val="phClr">
-                <a:shade val="30000"/>
-                <a:satMod val="200000"/>
-              </a:schemeClr>
-            </a:gs>
-          </a:gsLst>
-          <a:path path="circle">
-            <a:fillToRect l="50000" t="50000" r="50000" b="50000"/>
-          </a:path>
-        </a:gradFill>
-      </a:bgFillStyleLst>
-    </a:fmtScheme>
-  </a:themeElements>
-  <a:objectDefaults/>
-  <a:extraClrSchemeLst/>
 </a:theme>
 </file>